--- a/ressources/CDA_Projet_Repotech_Yoan_Deconinck.pptx
+++ b/ressources/CDA_Projet_Repotech_Yoan_Deconinck.pptx
@@ -110,6 +110,11 @@
       </a:defRPr>
     </a:lvl9pPr>
   </p:defaultTextStyle>
+  <p:extLst>
+    <p:ext uri="{EFAFB233-063F-42B5-8137-9DF3F51BA10A}">
+      <p15:sldGuideLst xmlns:p15="http://schemas.microsoft.com/office/powerpoint/2012/main"/>
+    </p:ext>
+  </p:extLst>
 </p:presentation>
 </file>
 
@@ -195,7 +200,7 @@
           <a:p>
             <a:fld id="{9917A500-0574-4A15-95B2-4ED4DF856D10}" type="datetimeFigureOut">
               <a:rPr lang="fr-FR" smtClean="0"/>
-              <a:t>20/05/2023</a:t>
+              <a:t>30/05/2023</a:t>
             </a:fld>
             <a:endParaRPr lang="fr-FR"/>
           </a:p>
@@ -631,7 +636,7 @@
           <a:p>
             <a:fld id="{ED6CC993-2B28-4027-9C2E-2CF98E7C4B19}" type="datetime1">
               <a:rPr lang="en-US" smtClean="0"/>
-              <a:t>5/20/2023</a:t>
+              <a:t>5/30/2023</a:t>
             </a:fld>
             <a:endParaRPr lang="en-US" dirty="0"/>
           </a:p>
@@ -957,7 +962,7 @@
           <a:p>
             <a:fld id="{850E89D5-ABA1-49C9-940E-86C15CEF7E1C}" type="datetime1">
               <a:rPr lang="en-US" smtClean="0"/>
-              <a:t>5/20/2023</a:t>
+              <a:t>5/30/2023</a:t>
             </a:fld>
             <a:endParaRPr lang="en-US" dirty="0"/>
           </a:p>
@@ -1132,7 +1137,7 @@
           <a:p>
             <a:fld id="{4A6A397C-31A8-4F9E-B79F-01F91077CB1D}" type="datetime1">
               <a:rPr lang="en-US" smtClean="0"/>
-              <a:t>5/20/2023</a:t>
+              <a:t>5/30/2023</a:t>
             </a:fld>
             <a:endParaRPr lang="en-US" dirty="0"/>
           </a:p>
@@ -1297,7 +1302,7 @@
           <a:p>
             <a:fld id="{B7805A9E-8D91-4660-B8A1-001854C0D031}" type="datetime1">
               <a:rPr lang="en-US" smtClean="0"/>
-              <a:t>5/20/2023</a:t>
+              <a:t>5/30/2023</a:t>
             </a:fld>
             <a:endParaRPr lang="en-US" dirty="0"/>
           </a:p>
@@ -1569,7 +1574,7 @@
           <a:p>
             <a:fld id="{2ED21B93-464C-4CEC-9B53-B3FC56813C7D}" type="datetime1">
               <a:rPr lang="en-US" smtClean="0"/>
-              <a:t>5/20/2023</a:t>
+              <a:t>5/30/2023</a:t>
             </a:fld>
             <a:endParaRPr lang="en-US" dirty="0"/>
           </a:p>
@@ -1959,7 +1964,7 @@
           <a:p>
             <a:fld id="{CBB143BF-BC84-4BC5-B647-3F13EDFF2C98}" type="datetime1">
               <a:rPr lang="en-US" smtClean="0"/>
-              <a:t>5/20/2023</a:t>
+              <a:t>5/30/2023</a:t>
             </a:fld>
             <a:endParaRPr lang="en-US" dirty="0"/>
           </a:p>
@@ -2431,7 +2436,7 @@
           <a:p>
             <a:fld id="{93FC52AA-EB4B-4FE7-AAF8-6863E3450A48}" type="datetime1">
               <a:rPr lang="en-US" smtClean="0"/>
-              <a:t>5/20/2023</a:t>
+              <a:t>5/30/2023</a:t>
             </a:fld>
             <a:endParaRPr lang="en-US" dirty="0"/>
           </a:p>
@@ -2544,7 +2549,7 @@
           <a:p>
             <a:fld id="{D8DB8F75-46AF-4010-9899-AEC7E48B0111}" type="datetime1">
               <a:rPr lang="en-US" smtClean="0"/>
-              <a:t>5/20/2023</a:t>
+              <a:t>5/30/2023</a:t>
             </a:fld>
             <a:endParaRPr lang="en-US" dirty="0"/>
           </a:p>
@@ -2634,7 +2639,7 @@
           <a:p>
             <a:fld id="{ABFD5B3F-68C6-4121-8E2B-B45116874709}" type="datetime1">
               <a:rPr lang="en-US" smtClean="0"/>
-              <a:t>5/20/2023</a:t>
+              <a:t>5/30/2023</a:t>
             </a:fld>
             <a:endParaRPr lang="en-US" dirty="0"/>
           </a:p>
@@ -2975,7 +2980,7 @@
           <a:p>
             <a:fld id="{55A75E61-B914-4C8C-B684-5570C87CAC21}" type="datetime1">
               <a:rPr lang="en-US" smtClean="0"/>
-              <a:t>5/20/2023</a:t>
+              <a:t>5/30/2023</a:t>
             </a:fld>
             <a:endParaRPr lang="en-US" dirty="0"/>
           </a:p>
@@ -3359,7 +3364,7 @@
           <a:p>
             <a:fld id="{B38565A8-EF2D-42DB-88ED-B874C45F84C6}" type="datetime1">
               <a:rPr lang="en-US" smtClean="0"/>
-              <a:t>5/20/2023</a:t>
+              <a:t>5/30/2023</a:t>
             </a:fld>
             <a:endParaRPr lang="en-US" dirty="0"/>
           </a:p>
@@ -3633,7 +3638,7 @@
           <a:p>
             <a:fld id="{F4809714-B15B-4C3A-B5D3-91C7E443D0A2}" type="datetime1">
               <a:rPr lang="en-US" smtClean="0"/>
-              <a:t>5/20/2023</a:t>
+              <a:t>5/30/2023</a:t>
             </a:fld>
             <a:endParaRPr lang="en-US" dirty="0"/>
           </a:p>
@@ -4405,7 +4410,7 @@
         <p:spPr>
           <a:xfrm>
             <a:off x="1026542" y="388188"/>
-            <a:ext cx="10584613" cy="5132717"/>
+            <a:ext cx="10584613" cy="5829732"/>
           </a:xfrm>
         </p:spPr>
         <p:txBody>
@@ -4482,16 +4487,32 @@
           <a:p>
             <a:pPr lvl="1"/>
             <a:r>
-              <a:rPr lang="fr-FR" dirty="0"/>
+              <a:rPr lang="fr-FR" dirty="0" smtClean="0"/>
               <a:t>Tests unitaires</a:t>
             </a:r>
+            <a:endParaRPr lang="fr-FR" dirty="0"/>
           </a:p>
           <a:p>
             <a:pPr lvl="1"/>
             <a:r>
-              <a:rPr lang="fr-FR" dirty="0"/>
+              <a:rPr lang="fr-FR" dirty="0" smtClean="0"/>
               <a:t>Système de logs</a:t>
             </a:r>
+          </a:p>
+          <a:p>
+            <a:pPr lvl="1"/>
+            <a:r>
+              <a:rPr lang="fr-FR" dirty="0" smtClean="0"/>
+              <a:t>Traduction</a:t>
+            </a:r>
+          </a:p>
+          <a:p>
+            <a:pPr lvl="1"/>
+            <a:r>
+              <a:rPr lang="fr-FR" dirty="0" smtClean="0"/>
+              <a:t>Responsive</a:t>
+            </a:r>
+            <a:endParaRPr lang="fr-FR" dirty="0"/>
           </a:p>
           <a:p>
             <a:r>

--- a/ressources/CDA_Projet_Repotech_Yoan_Deconinck.pptx
+++ b/ressources/CDA_Projet_Repotech_Yoan_Deconinck.pptx
@@ -5,13 +5,20 @@
     <p:sldMasterId id="2147483648" r:id="rId1"/>
   </p:sldMasterIdLst>
   <p:notesMasterIdLst>
-    <p:notesMasterId r:id="rId6"/>
+    <p:notesMasterId r:id="rId13"/>
   </p:notesMasterIdLst>
   <p:sldIdLst>
     <p:sldId id="256" r:id="rId2"/>
     <p:sldId id="259" r:id="rId3"/>
     <p:sldId id="258" r:id="rId4"/>
-    <p:sldId id="257" r:id="rId5"/>
+    <p:sldId id="262" r:id="rId5"/>
+    <p:sldId id="263" r:id="rId6"/>
+    <p:sldId id="257" r:id="rId7"/>
+    <p:sldId id="260" r:id="rId8"/>
+    <p:sldId id="264" r:id="rId9"/>
+    <p:sldId id="261" r:id="rId10"/>
+    <p:sldId id="265" r:id="rId11"/>
+    <p:sldId id="266" r:id="rId12"/>
   </p:sldIdLst>
   <p:sldSz cx="12192000" cy="6858000"/>
   <p:notesSz cx="6858000" cy="9144000"/>
@@ -200,7 +207,7 @@
           <a:p>
             <a:fld id="{9917A500-0574-4A15-95B2-4ED4DF856D10}" type="datetimeFigureOut">
               <a:rPr lang="fr-FR" smtClean="0"/>
-              <a:t>30/05/2023</a:t>
+              <a:t>01/06/2023</a:t>
             </a:fld>
             <a:endParaRPr lang="fr-FR"/>
           </a:p>
@@ -634,9 +641,9 @@
             </a:lvl1pPr>
           </a:lstStyle>
           <a:p>
-            <a:fld id="{ED6CC993-2B28-4027-9C2E-2CF98E7C4B19}" type="datetime1">
+            <a:fld id="{AE3BC510-9AD2-480F-946F-812144CA2311}" type="datetime1">
               <a:rPr lang="en-US" smtClean="0"/>
-              <a:t>5/30/2023</a:t>
+              <a:t>6/1/2023</a:t>
             </a:fld>
             <a:endParaRPr lang="en-US" dirty="0"/>
           </a:p>
@@ -960,9 +967,9 @@
           <a:bodyPr/>
           <a:lstStyle/>
           <a:p>
-            <a:fld id="{850E89D5-ABA1-49C9-940E-86C15CEF7E1C}" type="datetime1">
+            <a:fld id="{B724DF62-1B67-4E6D-BC76-5B2E23E31DE9}" type="datetime1">
               <a:rPr lang="en-US" smtClean="0"/>
-              <a:t>5/30/2023</a:t>
+              <a:t>6/1/2023</a:t>
             </a:fld>
             <a:endParaRPr lang="en-US" dirty="0"/>
           </a:p>
@@ -1135,9 +1142,9 @@
           <a:bodyPr/>
           <a:lstStyle/>
           <a:p>
-            <a:fld id="{4A6A397C-31A8-4F9E-B79F-01F91077CB1D}" type="datetime1">
+            <a:fld id="{45B7B551-8497-4EE7-80D0-C0C7AE0BDAC3}" type="datetime1">
               <a:rPr lang="en-US" smtClean="0"/>
-              <a:t>5/30/2023</a:t>
+              <a:t>6/1/2023</a:t>
             </a:fld>
             <a:endParaRPr lang="en-US" dirty="0"/>
           </a:p>
@@ -1300,9 +1307,9 @@
           <a:bodyPr/>
           <a:lstStyle/>
           <a:p>
-            <a:fld id="{B7805A9E-8D91-4660-B8A1-001854C0D031}" type="datetime1">
+            <a:fld id="{B95823FF-46D8-466B-9B25-3C04FE4DACFC}" type="datetime1">
               <a:rPr lang="en-US" smtClean="0"/>
-              <a:t>5/30/2023</a:t>
+              <a:t>6/1/2023</a:t>
             </a:fld>
             <a:endParaRPr lang="en-US" dirty="0"/>
           </a:p>
@@ -1572,9 +1579,9 @@
             </a:lvl1pPr>
           </a:lstStyle>
           <a:p>
-            <a:fld id="{2ED21B93-464C-4CEC-9B53-B3FC56813C7D}" type="datetime1">
+            <a:fld id="{3D542EFB-AC21-4098-8256-0FEB9F4F12AA}" type="datetime1">
               <a:rPr lang="en-US" smtClean="0"/>
-              <a:t>5/30/2023</a:t>
+              <a:t>6/1/2023</a:t>
             </a:fld>
             <a:endParaRPr lang="en-US" dirty="0"/>
           </a:p>
@@ -1962,9 +1969,9 @@
           <a:bodyPr/>
           <a:lstStyle/>
           <a:p>
-            <a:fld id="{CBB143BF-BC84-4BC5-B647-3F13EDFF2C98}" type="datetime1">
+            <a:fld id="{F885D306-C8A4-43A7-8353-0A2E8E90AB5C}" type="datetime1">
               <a:rPr lang="en-US" smtClean="0"/>
-              <a:t>5/30/2023</a:t>
+              <a:t>6/1/2023</a:t>
             </a:fld>
             <a:endParaRPr lang="en-US" dirty="0"/>
           </a:p>
@@ -2434,9 +2441,9 @@
           <a:bodyPr/>
           <a:lstStyle/>
           <a:p>
-            <a:fld id="{93FC52AA-EB4B-4FE7-AAF8-6863E3450A48}" type="datetime1">
+            <a:fld id="{2B6B083E-2F74-48BB-8EF9-49960B3F3058}" type="datetime1">
               <a:rPr lang="en-US" smtClean="0"/>
-              <a:t>5/30/2023</a:t>
+              <a:t>6/1/2023</a:t>
             </a:fld>
             <a:endParaRPr lang="en-US" dirty="0"/>
           </a:p>
@@ -2547,9 +2554,9 @@
           <a:bodyPr/>
           <a:lstStyle/>
           <a:p>
-            <a:fld id="{D8DB8F75-46AF-4010-9899-AEC7E48B0111}" type="datetime1">
+            <a:fld id="{9E13F5A8-DC50-4454-B8B2-A29ECA13C144}" type="datetime1">
               <a:rPr lang="en-US" smtClean="0"/>
-              <a:t>5/30/2023</a:t>
+              <a:t>6/1/2023</a:t>
             </a:fld>
             <a:endParaRPr lang="en-US" dirty="0"/>
           </a:p>
@@ -2637,9 +2644,9 @@
           <a:bodyPr/>
           <a:lstStyle/>
           <a:p>
-            <a:fld id="{ABFD5B3F-68C6-4121-8E2B-B45116874709}" type="datetime1">
+            <a:fld id="{3FDB2FD2-DBFA-4B64-B0A5-75D777391947}" type="datetime1">
               <a:rPr lang="en-US" smtClean="0"/>
-              <a:t>5/30/2023</a:t>
+              <a:t>6/1/2023</a:t>
             </a:fld>
             <a:endParaRPr lang="en-US" dirty="0"/>
           </a:p>
@@ -2978,9 +2985,9 @@
             </a:lvl1pPr>
           </a:lstStyle>
           <a:p>
-            <a:fld id="{55A75E61-B914-4C8C-B684-5570C87CAC21}" type="datetime1">
+            <a:fld id="{67A685A6-A975-4F33-8DCB-2917F2673AC4}" type="datetime1">
               <a:rPr lang="en-US" smtClean="0"/>
-              <a:t>5/30/2023</a:t>
+              <a:t>6/1/2023</a:t>
             </a:fld>
             <a:endParaRPr lang="en-US" dirty="0"/>
           </a:p>
@@ -3362,9 +3369,9 @@
             </a:lvl1pPr>
           </a:lstStyle>
           <a:p>
-            <a:fld id="{B38565A8-EF2D-42DB-88ED-B874C45F84C6}" type="datetime1">
+            <a:fld id="{66F5D41C-CC31-4372-9BD8-40139430872E}" type="datetime1">
               <a:rPr lang="en-US" smtClean="0"/>
-              <a:t>5/30/2023</a:t>
+              <a:t>6/1/2023</a:t>
             </a:fld>
             <a:endParaRPr lang="en-US" dirty="0"/>
           </a:p>
@@ -3636,9 +3643,9 @@
             </a:lvl1pPr>
           </a:lstStyle>
           <a:p>
-            <a:fld id="{F4809714-B15B-4C3A-B5D3-91C7E443D0A2}" type="datetime1">
+            <a:fld id="{0F1ED1E7-7202-47E9-92E6-A6625081A6C0}" type="datetime1">
               <a:rPr lang="en-US" smtClean="0"/>
-              <a:t>5/30/2023</a:t>
+              <a:t>6/1/2023</a:t>
             </a:fld>
             <a:endParaRPr lang="en-US" dirty="0"/>
           </a:p>
@@ -4081,7 +4088,7 @@
       </a:lvl9pPr>
     </p:otherStyle>
   </p:txStyles>
-  <p:extLst>
+  <p:extLst mod="1">
     <p:ext uri="{27BBF7A9-308A-43DC-89C8-2F10F3537804}">
       <p15:sldGuideLst xmlns:p15="http://schemas.microsoft.com/office/powerpoint/2012/main">
         <p15:guide id="3" orient="horz" pos="1368">
@@ -4283,6 +4290,193 @@
   <p:clrMapOvr>
     <a:masterClrMapping/>
   </p:clrMapOvr>
+  <p:timing>
+    <p:tnLst>
+      <p:par>
+        <p:cTn id="1" dur="indefinite" restart="never" nodeType="tmRoot"/>
+      </p:par>
+    </p:tnLst>
+  </p:timing>
+</p:sld>
+</file>
+
+<file path=ppt/slides/slide10.xml><?xml version="1.0" encoding="utf-8"?>
+<p:sld xmlns:a="http://schemas.openxmlformats.org/drawingml/2006/main" xmlns:r="http://schemas.openxmlformats.org/officeDocument/2006/relationships" xmlns:p="http://schemas.openxmlformats.org/presentationml/2006/main">
+  <p:cSld>
+    <p:spTree>
+      <p:nvGrpSpPr>
+        <p:cNvPr id="1" name=""/>
+        <p:cNvGrpSpPr/>
+        <p:nvPr/>
+      </p:nvGrpSpPr>
+      <p:grpSpPr>
+        <a:xfrm>
+          <a:off x="0" y="0"/>
+          <a:ext cx="0" cy="0"/>
+          <a:chOff x="0" y="0"/>
+          <a:chExt cx="0" cy="0"/>
+        </a:xfrm>
+      </p:grpSpPr>
+      <p:sp>
+        <p:nvSpPr>
+          <p:cNvPr id="2" name="Titre 1">
+            <a:extLst>
+              <a:ext uri="{FF2B5EF4-FFF2-40B4-BE49-F238E27FC236}">
+                <a16:creationId xmlns:a16="http://schemas.microsoft.com/office/drawing/2014/main" id="{3CCA4AA0-934F-8067-59A5-481C54A91E60}"/>
+              </a:ext>
+            </a:extLst>
+          </p:cNvPr>
+          <p:cNvSpPr>
+            <a:spLocks noGrp="1"/>
+          </p:cNvSpPr>
+          <p:nvPr>
+            <p:ph type="title"/>
+          </p:nvPr>
+        </p:nvSpPr>
+        <p:spPr/>
+        <p:txBody>
+          <a:bodyPr/>
+          <a:lstStyle/>
+          <a:p>
+            <a:r>
+              <a:rPr lang="fr-FR" dirty="0" smtClean="0"/>
+              <a:t>Tâches effectuées</a:t>
+            </a:r>
+            <a:endParaRPr lang="fr-FR" dirty="0"/>
+          </a:p>
+        </p:txBody>
+      </p:sp>
+      <p:sp>
+        <p:nvSpPr>
+          <p:cNvPr id="3" name="Espace réservé du numéro de diapositive 2"/>
+          <p:cNvSpPr>
+            <a:spLocks noGrp="1"/>
+          </p:cNvSpPr>
+          <p:nvPr>
+            <p:ph type="sldNum" sz="quarter" idx="12"/>
+          </p:nvPr>
+        </p:nvSpPr>
+        <p:spPr/>
+        <p:txBody>
+          <a:bodyPr/>
+          <a:lstStyle/>
+          <a:p>
+            <a:fld id="{69E57DC2-970A-4B3E-BB1C-7A09969E49DF}" type="slidenum">
+              <a:rPr lang="en-US" smtClean="0"/>
+              <a:pPr/>
+              <a:t>10</a:t>
+            </a:fld>
+            <a:endParaRPr lang="en-US" dirty="0"/>
+          </a:p>
+        </p:txBody>
+      </p:sp>
+    </p:spTree>
+    <p:extLst>
+      <p:ext uri="{BB962C8B-B14F-4D97-AF65-F5344CB8AC3E}">
+        <p14:creationId xmlns:p14="http://schemas.microsoft.com/office/powerpoint/2010/main" val="512589257"/>
+      </p:ext>
+    </p:extLst>
+  </p:cSld>
+  <p:clrMapOvr>
+    <a:masterClrMapping/>
+  </p:clrMapOvr>
+  <p:timing>
+    <p:tnLst>
+      <p:par>
+        <p:cTn id="1" dur="indefinite" restart="never" nodeType="tmRoot"/>
+      </p:par>
+    </p:tnLst>
+  </p:timing>
+</p:sld>
+</file>
+
+<file path=ppt/slides/slide11.xml><?xml version="1.0" encoding="utf-8"?>
+<p:sld xmlns:a="http://schemas.openxmlformats.org/drawingml/2006/main" xmlns:r="http://schemas.openxmlformats.org/officeDocument/2006/relationships" xmlns:p="http://schemas.openxmlformats.org/presentationml/2006/main">
+  <p:cSld>
+    <p:spTree>
+      <p:nvGrpSpPr>
+        <p:cNvPr id="1" name=""/>
+        <p:cNvGrpSpPr/>
+        <p:nvPr/>
+      </p:nvGrpSpPr>
+      <p:grpSpPr>
+        <a:xfrm>
+          <a:off x="0" y="0"/>
+          <a:ext cx="0" cy="0"/>
+          <a:chOff x="0" y="0"/>
+          <a:chExt cx="0" cy="0"/>
+        </a:xfrm>
+      </p:grpSpPr>
+      <p:sp>
+        <p:nvSpPr>
+          <p:cNvPr id="2" name="Titre 1">
+            <a:extLst>
+              <a:ext uri="{FF2B5EF4-FFF2-40B4-BE49-F238E27FC236}">
+                <a16:creationId xmlns:a16="http://schemas.microsoft.com/office/drawing/2014/main" id="{3CCA4AA0-934F-8067-59A5-481C54A91E60}"/>
+              </a:ext>
+            </a:extLst>
+          </p:cNvPr>
+          <p:cNvSpPr>
+            <a:spLocks noGrp="1"/>
+          </p:cNvSpPr>
+          <p:nvPr>
+            <p:ph type="title"/>
+          </p:nvPr>
+        </p:nvSpPr>
+        <p:spPr/>
+        <p:txBody>
+          <a:bodyPr/>
+          <a:lstStyle/>
+          <a:p>
+            <a:r>
+              <a:rPr lang="fr-FR" dirty="0" smtClean="0"/>
+              <a:t>conclusion</a:t>
+            </a:r>
+            <a:endParaRPr lang="fr-FR" dirty="0"/>
+          </a:p>
+        </p:txBody>
+      </p:sp>
+      <p:sp>
+        <p:nvSpPr>
+          <p:cNvPr id="3" name="Espace réservé du numéro de diapositive 2"/>
+          <p:cNvSpPr>
+            <a:spLocks noGrp="1"/>
+          </p:cNvSpPr>
+          <p:nvPr>
+            <p:ph type="sldNum" sz="quarter" idx="12"/>
+          </p:nvPr>
+        </p:nvSpPr>
+        <p:spPr/>
+        <p:txBody>
+          <a:bodyPr/>
+          <a:lstStyle/>
+          <a:p>
+            <a:fld id="{69E57DC2-970A-4B3E-BB1C-7A09969E49DF}" type="slidenum">
+              <a:rPr lang="en-US" smtClean="0"/>
+              <a:pPr/>
+              <a:t>11</a:t>
+            </a:fld>
+            <a:endParaRPr lang="en-US" dirty="0"/>
+          </a:p>
+        </p:txBody>
+      </p:sp>
+    </p:spTree>
+    <p:extLst>
+      <p:ext uri="{BB962C8B-B14F-4D97-AF65-F5344CB8AC3E}">
+        <p14:creationId xmlns:p14="http://schemas.microsoft.com/office/powerpoint/2010/main" val="832955557"/>
+      </p:ext>
+    </p:extLst>
+  </p:cSld>
+  <p:clrMapOvr>
+    <a:masterClrMapping/>
+  </p:clrMapOvr>
+  <p:timing>
+    <p:tnLst>
+      <p:par>
+        <p:cTn id="1" dur="indefinite" restart="never" nodeType="tmRoot"/>
+      </p:par>
+    </p:tnLst>
+  </p:timing>
 </p:sld>
 </file>
 
@@ -4333,13 +4527,7 @@
       </p:sp>
       <p:sp>
         <p:nvSpPr>
-          <p:cNvPr id="4" name="Espace réservé du numéro de diapositive 3">
-            <a:extLst>
-              <a:ext uri="{FF2B5EF4-FFF2-40B4-BE49-F238E27FC236}">
-                <a16:creationId xmlns:a16="http://schemas.microsoft.com/office/drawing/2014/main" id="{21FE3304-3D42-98B0-8B05-4B532C0D1749}"/>
-              </a:ext>
-            </a:extLst>
-          </p:cNvPr>
+          <p:cNvPr id="3" name="Espace réservé du numéro de diapositive 2"/>
           <p:cNvSpPr>
             <a:spLocks noGrp="1"/>
           </p:cNvSpPr>
@@ -4371,6 +4559,13 @@
   <p:clrMapOvr>
     <a:masterClrMapping/>
   </p:clrMapOvr>
+  <p:timing>
+    <p:tnLst>
+      <p:par>
+        <p:cTn id="1" dur="indefinite" restart="never" nodeType="tmRoot"/>
+      </p:par>
+    </p:tnLst>
+  </p:timing>
 </p:sld>
 </file>
 
@@ -4524,13 +4719,7 @@
       </p:sp>
       <p:sp>
         <p:nvSpPr>
-          <p:cNvPr id="4" name="Espace réservé du numéro de diapositive 3">
-            <a:extLst>
-              <a:ext uri="{FF2B5EF4-FFF2-40B4-BE49-F238E27FC236}">
-                <a16:creationId xmlns:a16="http://schemas.microsoft.com/office/drawing/2014/main" id="{122606E7-BA5A-B221-397D-BB97DC30A818}"/>
-              </a:ext>
-            </a:extLst>
-          </p:cNvPr>
+          <p:cNvPr id="2" name="Espace réservé du numéro de diapositive 1"/>
           <p:cNvSpPr>
             <a:spLocks noGrp="1"/>
           </p:cNvSpPr>
@@ -4561,6 +4750,13 @@
   <p:clrMapOvr>
     <a:masterClrMapping/>
   </p:clrMapOvr>
+  <p:timing>
+    <p:tnLst>
+      <p:par>
+        <p:cTn id="1" dur="indefinite" restart="never" nodeType="tmRoot"/>
+      </p:par>
+    </p:tnLst>
+  </p:timing>
 </p:sld>
 </file>
 
@@ -4586,6 +4782,186 @@
           <p:cNvPr id="2" name="Titre 1">
             <a:extLst>
               <a:ext uri="{FF2B5EF4-FFF2-40B4-BE49-F238E27FC236}">
+                <a16:creationId xmlns:a16="http://schemas.microsoft.com/office/drawing/2014/main" id="{3CCA4AA0-934F-8067-59A5-481C54A91E60}"/>
+              </a:ext>
+            </a:extLst>
+          </p:cNvPr>
+          <p:cNvSpPr>
+            <a:spLocks noGrp="1"/>
+          </p:cNvSpPr>
+          <p:nvPr>
+            <p:ph type="title"/>
+          </p:nvPr>
+        </p:nvSpPr>
+        <p:spPr/>
+        <p:txBody>
+          <a:bodyPr/>
+          <a:lstStyle/>
+          <a:p>
+            <a:r>
+              <a:rPr lang="fr-FR" dirty="0" smtClean="0"/>
+              <a:t>Remerciements</a:t>
+            </a:r>
+            <a:endParaRPr lang="fr-FR" dirty="0"/>
+          </a:p>
+        </p:txBody>
+      </p:sp>
+      <p:sp>
+        <p:nvSpPr>
+          <p:cNvPr id="3" name="Espace réservé du numéro de diapositive 2"/>
+          <p:cNvSpPr>
+            <a:spLocks noGrp="1"/>
+          </p:cNvSpPr>
+          <p:nvPr>
+            <p:ph type="sldNum" sz="quarter" idx="12"/>
+          </p:nvPr>
+        </p:nvSpPr>
+        <p:spPr/>
+        <p:txBody>
+          <a:bodyPr/>
+          <a:lstStyle/>
+          <a:p>
+            <a:fld id="{69E57DC2-970A-4B3E-BB1C-7A09969E49DF}" type="slidenum">
+              <a:rPr lang="en-US" smtClean="0"/>
+              <a:pPr/>
+              <a:t>4</a:t>
+            </a:fld>
+            <a:endParaRPr lang="en-US" dirty="0"/>
+          </a:p>
+        </p:txBody>
+      </p:sp>
+    </p:spTree>
+    <p:extLst>
+      <p:ext uri="{BB962C8B-B14F-4D97-AF65-F5344CB8AC3E}">
+        <p14:creationId xmlns:p14="http://schemas.microsoft.com/office/powerpoint/2010/main" val="813368215"/>
+      </p:ext>
+    </p:extLst>
+  </p:cSld>
+  <p:clrMapOvr>
+    <a:masterClrMapping/>
+  </p:clrMapOvr>
+  <p:timing>
+    <p:tnLst>
+      <p:par>
+        <p:cTn id="1" dur="indefinite" restart="never" nodeType="tmRoot"/>
+      </p:par>
+    </p:tnLst>
+  </p:timing>
+</p:sld>
+</file>
+
+<file path=ppt/slides/slide5.xml><?xml version="1.0" encoding="utf-8"?>
+<p:sld xmlns:a="http://schemas.openxmlformats.org/drawingml/2006/main" xmlns:r="http://schemas.openxmlformats.org/officeDocument/2006/relationships" xmlns:p="http://schemas.openxmlformats.org/presentationml/2006/main">
+  <p:cSld>
+    <p:spTree>
+      <p:nvGrpSpPr>
+        <p:cNvPr id="1" name=""/>
+        <p:cNvGrpSpPr/>
+        <p:nvPr/>
+      </p:nvGrpSpPr>
+      <p:grpSpPr>
+        <a:xfrm>
+          <a:off x="0" y="0"/>
+          <a:ext cx="0" cy="0"/>
+          <a:chOff x="0" y="0"/>
+          <a:chExt cx="0" cy="0"/>
+        </a:xfrm>
+      </p:grpSpPr>
+      <p:sp>
+        <p:nvSpPr>
+          <p:cNvPr id="2" name="Titre 1">
+            <a:extLst>
+              <a:ext uri="{FF2B5EF4-FFF2-40B4-BE49-F238E27FC236}">
+                <a16:creationId xmlns:a16="http://schemas.microsoft.com/office/drawing/2014/main" id="{3CCA4AA0-934F-8067-59A5-481C54A91E60}"/>
+              </a:ext>
+            </a:extLst>
+          </p:cNvPr>
+          <p:cNvSpPr>
+            <a:spLocks noGrp="1"/>
+          </p:cNvSpPr>
+          <p:nvPr>
+            <p:ph type="title"/>
+          </p:nvPr>
+        </p:nvSpPr>
+        <p:spPr/>
+        <p:txBody>
+          <a:bodyPr/>
+          <a:lstStyle/>
+          <a:p>
+            <a:r>
+              <a:rPr lang="fr-FR" dirty="0" smtClean="0"/>
+              <a:t>L’entreprise</a:t>
+            </a:r>
+            <a:endParaRPr lang="fr-FR" dirty="0"/>
+          </a:p>
+        </p:txBody>
+      </p:sp>
+      <p:sp>
+        <p:nvSpPr>
+          <p:cNvPr id="3" name="Espace réservé du numéro de diapositive 2"/>
+          <p:cNvSpPr>
+            <a:spLocks noGrp="1"/>
+          </p:cNvSpPr>
+          <p:nvPr>
+            <p:ph type="sldNum" sz="quarter" idx="12"/>
+          </p:nvPr>
+        </p:nvSpPr>
+        <p:spPr/>
+        <p:txBody>
+          <a:bodyPr/>
+          <a:lstStyle/>
+          <a:p>
+            <a:fld id="{69E57DC2-970A-4B3E-BB1C-7A09969E49DF}" type="slidenum">
+              <a:rPr lang="en-US" smtClean="0"/>
+              <a:pPr/>
+              <a:t>5</a:t>
+            </a:fld>
+            <a:endParaRPr lang="en-US" dirty="0"/>
+          </a:p>
+        </p:txBody>
+      </p:sp>
+    </p:spTree>
+    <p:extLst>
+      <p:ext uri="{BB962C8B-B14F-4D97-AF65-F5344CB8AC3E}">
+        <p14:creationId xmlns:p14="http://schemas.microsoft.com/office/powerpoint/2010/main" val="623883898"/>
+      </p:ext>
+    </p:extLst>
+  </p:cSld>
+  <p:clrMapOvr>
+    <a:masterClrMapping/>
+  </p:clrMapOvr>
+  <p:timing>
+    <p:tnLst>
+      <p:par>
+        <p:cTn id="1" dur="indefinite" restart="never" nodeType="tmRoot"/>
+      </p:par>
+    </p:tnLst>
+  </p:timing>
+</p:sld>
+</file>
+
+<file path=ppt/slides/slide6.xml><?xml version="1.0" encoding="utf-8"?>
+<p:sld xmlns:a="http://schemas.openxmlformats.org/drawingml/2006/main" xmlns:r="http://schemas.openxmlformats.org/officeDocument/2006/relationships" xmlns:p="http://schemas.openxmlformats.org/presentationml/2006/main">
+  <p:cSld>
+    <p:spTree>
+      <p:nvGrpSpPr>
+        <p:cNvPr id="1" name=""/>
+        <p:cNvGrpSpPr/>
+        <p:nvPr/>
+      </p:nvGrpSpPr>
+      <p:grpSpPr>
+        <a:xfrm>
+          <a:off x="0" y="0"/>
+          <a:ext cx="0" cy="0"/>
+          <a:chOff x="0" y="0"/>
+          <a:chExt cx="0" cy="0"/>
+        </a:xfrm>
+      </p:grpSpPr>
+      <p:sp>
+        <p:nvSpPr>
+          <p:cNvPr id="2" name="Titre 1">
+            <a:extLst>
+              <a:ext uri="{FF2B5EF4-FFF2-40B4-BE49-F238E27FC236}">
                 <a16:creationId xmlns:a16="http://schemas.microsoft.com/office/drawing/2014/main" id="{AE6FCE30-C681-8E0B-49EC-642B5A9FB5CD}"/>
               </a:ext>
             </a:extLst>
@@ -4597,12 +4973,21 @@
             <p:ph type="title"/>
           </p:nvPr>
         </p:nvSpPr>
-        <p:spPr/>
+        <p:spPr>
+          <a:xfrm>
+            <a:off x="4912820" y="355002"/>
+            <a:ext cx="7148946" cy="794478"/>
+          </a:xfrm>
+        </p:spPr>
         <p:txBody>
           <a:bodyPr/>
           <a:lstStyle/>
           <a:p>
-            <a:endParaRPr lang="fr-FR"/>
+            <a:r>
+              <a:rPr lang="fr-FR" dirty="0" smtClean="0"/>
+              <a:t>Présentation de l’entreprise</a:t>
+            </a:r>
+            <a:endParaRPr lang="fr-FR" dirty="0"/>
           </a:p>
         </p:txBody>
       </p:sp>
@@ -4627,39 +5012,80 @@
           <a:bodyPr/>
           <a:lstStyle/>
           <a:p>
-            <a:endParaRPr lang="fr-FR"/>
-          </a:p>
-        </p:txBody>
-      </p:sp>
-      <p:sp>
-        <p:nvSpPr>
-          <p:cNvPr id="4" name="Espace réservé du numéro de diapositive 3">
+            <a:r>
+              <a:rPr lang="fr-FR" dirty="0" smtClean="0"/>
+              <a:t>Fondé en 1992</a:t>
+            </a:r>
+          </a:p>
+          <a:p>
+            <a:r>
+              <a:rPr lang="fr-FR" dirty="0" smtClean="0"/>
+              <a:t>UMR du CNRS</a:t>
+            </a:r>
+            <a:endParaRPr lang="fr-FR" dirty="0" smtClean="0"/>
+          </a:p>
+          <a:p>
+            <a:r>
+              <a:rPr lang="fr-FR" dirty="0" smtClean="0"/>
+              <a:t>Fait parti du réseau RENATECH et RENATECH+ depuis 2003</a:t>
+            </a:r>
+            <a:endParaRPr lang="fr-FR" dirty="0"/>
+          </a:p>
+        </p:txBody>
+      </p:sp>
+      <p:sp>
+        <p:nvSpPr>
+          <p:cNvPr id="5" name="Espace réservé du numéro de diapositive 4"/>
+          <p:cNvSpPr>
+            <a:spLocks noGrp="1"/>
+          </p:cNvSpPr>
+          <p:nvPr>
+            <p:ph type="sldNum" sz="quarter" idx="12"/>
+          </p:nvPr>
+        </p:nvSpPr>
+        <p:spPr/>
+        <p:txBody>
+          <a:bodyPr/>
+          <a:lstStyle/>
+          <a:p>
+            <a:fld id="{69E57DC2-970A-4B3E-BB1C-7A09969E49DF}" type="slidenum">
+              <a:rPr lang="en-US" smtClean="0"/>
+              <a:t>6</a:t>
+            </a:fld>
+            <a:endParaRPr lang="en-US" dirty="0"/>
+          </a:p>
+        </p:txBody>
+      </p:sp>
+      <p:pic>
+        <p:nvPicPr>
+          <p:cNvPr id="6" name="Image 5">
             <a:extLst>
               <a:ext uri="{FF2B5EF4-FFF2-40B4-BE49-F238E27FC236}">
-                <a16:creationId xmlns:a16="http://schemas.microsoft.com/office/drawing/2014/main" id="{5250FEA3-D2F5-DBDD-447A-1ACAE1183999}"/>
+                <a16:creationId xmlns:a16="http://schemas.microsoft.com/office/drawing/2014/main" id="{777018A8-6C53-B0EF-D113-78AEFF6630A8}"/>
               </a:ext>
             </a:extLst>
           </p:cNvPr>
-          <p:cNvSpPr>
-            <a:spLocks noGrp="1"/>
-          </p:cNvSpPr>
-          <p:nvPr>
-            <p:ph type="sldNum" sz="quarter" idx="12"/>
-          </p:nvPr>
-        </p:nvSpPr>
-        <p:spPr/>
-        <p:txBody>
-          <a:bodyPr/>
-          <a:lstStyle/>
-          <a:p>
-            <a:fld id="{69E57DC2-970A-4B3E-BB1C-7A09969E49DF}" type="slidenum">
-              <a:rPr lang="en-US" smtClean="0"/>
-              <a:t>4</a:t>
-            </a:fld>
-            <a:endParaRPr lang="en-US" dirty="0"/>
-          </a:p>
-        </p:txBody>
-      </p:sp>
+          <p:cNvPicPr>
+            <a:picLocks noChangeAspect="1"/>
+          </p:cNvPicPr>
+          <p:nvPr/>
+        </p:nvPicPr>
+        <p:blipFill>
+          <a:blip r:embed="rId2"/>
+          <a:stretch>
+            <a:fillRect/>
+          </a:stretch>
+        </p:blipFill>
+        <p:spPr>
+          <a:xfrm>
+            <a:off x="887360" y="355002"/>
+            <a:ext cx="3882768" cy="1345012"/>
+          </a:xfrm>
+          <a:prstGeom prst="rect">
+            <a:avLst/>
+          </a:prstGeom>
+        </p:spPr>
+      </p:pic>
     </p:spTree>
     <p:extLst>
       <p:ext uri="{BB962C8B-B14F-4D97-AF65-F5344CB8AC3E}">
@@ -4670,6 +5096,1061 @@
   <p:clrMapOvr>
     <a:masterClrMapping/>
   </p:clrMapOvr>
+  <p:timing>
+    <p:tnLst>
+      <p:par>
+        <p:cTn id="1" dur="indefinite" restart="never" nodeType="tmRoot"/>
+      </p:par>
+    </p:tnLst>
+  </p:timing>
+</p:sld>
+</file>
+
+<file path=ppt/slides/slide7.xml><?xml version="1.0" encoding="utf-8"?>
+<p:sld xmlns:a="http://schemas.openxmlformats.org/drawingml/2006/main" xmlns:r="http://schemas.openxmlformats.org/officeDocument/2006/relationships" xmlns:p="http://schemas.openxmlformats.org/presentationml/2006/main">
+  <p:cSld>
+    <p:spTree>
+      <p:nvGrpSpPr>
+        <p:cNvPr id="1" name=""/>
+        <p:cNvGrpSpPr/>
+        <p:nvPr/>
+      </p:nvGrpSpPr>
+      <p:grpSpPr>
+        <a:xfrm>
+          <a:off x="0" y="0"/>
+          <a:ext cx="0" cy="0"/>
+          <a:chOff x="0" y="0"/>
+          <a:chExt cx="0" cy="0"/>
+        </a:xfrm>
+      </p:grpSpPr>
+      <p:sp>
+        <p:nvSpPr>
+          <p:cNvPr id="2" name="Titre 1"/>
+          <p:cNvSpPr>
+            <a:spLocks noGrp="1"/>
+          </p:cNvSpPr>
+          <p:nvPr>
+            <p:ph type="title"/>
+          </p:nvPr>
+        </p:nvSpPr>
+        <p:spPr>
+          <a:xfrm>
+            <a:off x="1180407" y="228600"/>
+            <a:ext cx="6093229" cy="702425"/>
+          </a:xfrm>
+        </p:spPr>
+        <p:txBody>
+          <a:bodyPr/>
+          <a:lstStyle/>
+          <a:p>
+            <a:r>
+              <a:rPr lang="fr-FR" dirty="0" smtClean="0"/>
+              <a:t>Présentation de l’équipe</a:t>
+            </a:r>
+            <a:endParaRPr lang="fr-FR" dirty="0"/>
+          </a:p>
+        </p:txBody>
+      </p:sp>
+      <p:sp>
+        <p:nvSpPr>
+          <p:cNvPr id="4" name="Espace réservé du numéro de diapositive 3"/>
+          <p:cNvSpPr>
+            <a:spLocks noGrp="1"/>
+          </p:cNvSpPr>
+          <p:nvPr>
+            <p:ph type="sldNum" sz="quarter" idx="12"/>
+          </p:nvPr>
+        </p:nvSpPr>
+        <p:spPr/>
+        <p:txBody>
+          <a:bodyPr/>
+          <a:lstStyle/>
+          <a:p>
+            <a:fld id="{69E57DC2-970A-4B3E-BB1C-7A09969E49DF}" type="slidenum">
+              <a:rPr lang="en-US" smtClean="0"/>
+              <a:t>7</a:t>
+            </a:fld>
+            <a:endParaRPr lang="en-US" dirty="0"/>
+          </a:p>
+        </p:txBody>
+      </p:sp>
+      <p:pic>
+        <p:nvPicPr>
+          <p:cNvPr id="5" name="Image 4" descr="Une image contenant texte, clipart&#10;&#10;Description générée automatiquement"/>
+          <p:cNvPicPr/>
+          <p:nvPr/>
+        </p:nvPicPr>
+        <p:blipFill>
+          <a:blip r:embed="rId2">
+            <a:extLst>
+              <a:ext uri="{28A0092B-C50C-407E-A947-70E740481C1C}">
+                <a14:useLocalDpi xmlns:a14="http://schemas.microsoft.com/office/drawing/2010/main" val="0"/>
+              </a:ext>
+            </a:extLst>
+          </a:blip>
+          <a:stretch>
+            <a:fillRect/>
+          </a:stretch>
+        </p:blipFill>
+        <p:spPr>
+          <a:xfrm>
+            <a:off x="5762625" y="1133850"/>
+            <a:ext cx="819150" cy="819150"/>
+          </a:xfrm>
+          <a:prstGeom prst="rect">
+            <a:avLst/>
+          </a:prstGeom>
+        </p:spPr>
+      </p:pic>
+      <p:pic>
+        <p:nvPicPr>
+          <p:cNvPr id="6" name="Image 5" descr="Une image contenant texte, clipart&#10;&#10;Description générée automatiquement"/>
+          <p:cNvPicPr/>
+          <p:nvPr/>
+        </p:nvPicPr>
+        <p:blipFill>
+          <a:blip r:embed="rId2">
+            <a:extLst>
+              <a:ext uri="{28A0092B-C50C-407E-A947-70E740481C1C}">
+                <a14:useLocalDpi xmlns:a14="http://schemas.microsoft.com/office/drawing/2010/main" val="0"/>
+              </a:ext>
+            </a:extLst>
+          </a:blip>
+          <a:stretch>
+            <a:fillRect/>
+          </a:stretch>
+        </p:blipFill>
+        <p:spPr>
+          <a:xfrm>
+            <a:off x="5762625" y="3019425"/>
+            <a:ext cx="819150" cy="819150"/>
+          </a:xfrm>
+          <a:prstGeom prst="rect">
+            <a:avLst/>
+          </a:prstGeom>
+        </p:spPr>
+      </p:pic>
+      <p:pic>
+        <p:nvPicPr>
+          <p:cNvPr id="7" name="Image 6" descr="Une image contenant texte, clipart&#10;&#10;Description générée automatiquement"/>
+          <p:cNvPicPr/>
+          <p:nvPr/>
+        </p:nvPicPr>
+        <p:blipFill>
+          <a:blip r:embed="rId2">
+            <a:extLst>
+              <a:ext uri="{28A0092B-C50C-407E-A947-70E740481C1C}">
+                <a14:useLocalDpi xmlns:a14="http://schemas.microsoft.com/office/drawing/2010/main" val="0"/>
+              </a:ext>
+            </a:extLst>
+          </a:blip>
+          <a:stretch>
+            <a:fillRect/>
+          </a:stretch>
+        </p:blipFill>
+        <p:spPr>
+          <a:xfrm>
+            <a:off x="3236941" y="3019425"/>
+            <a:ext cx="819150" cy="819150"/>
+          </a:xfrm>
+          <a:prstGeom prst="rect">
+            <a:avLst/>
+          </a:prstGeom>
+        </p:spPr>
+      </p:pic>
+      <p:pic>
+        <p:nvPicPr>
+          <p:cNvPr id="8" name="Image 7" descr="Une image contenant texte, clipart&#10;&#10;Description générée automatiquement"/>
+          <p:cNvPicPr/>
+          <p:nvPr/>
+        </p:nvPicPr>
+        <p:blipFill>
+          <a:blip r:embed="rId2">
+            <a:extLst>
+              <a:ext uri="{28A0092B-C50C-407E-A947-70E740481C1C}">
+                <a14:useLocalDpi xmlns:a14="http://schemas.microsoft.com/office/drawing/2010/main" val="0"/>
+              </a:ext>
+            </a:extLst>
+          </a:blip>
+          <a:stretch>
+            <a:fillRect/>
+          </a:stretch>
+        </p:blipFill>
+        <p:spPr>
+          <a:xfrm>
+            <a:off x="8288309" y="3019425"/>
+            <a:ext cx="819150" cy="819150"/>
+          </a:xfrm>
+          <a:prstGeom prst="rect">
+            <a:avLst/>
+          </a:prstGeom>
+        </p:spPr>
+      </p:pic>
+      <p:pic>
+        <p:nvPicPr>
+          <p:cNvPr id="9" name="Image 8" descr="Une image contenant texte&#10;&#10;Description générée automatiquement"/>
+          <p:cNvPicPr/>
+          <p:nvPr/>
+        </p:nvPicPr>
+        <p:blipFill>
+          <a:blip r:embed="rId3">
+            <a:extLst>
+              <a:ext uri="{28A0092B-C50C-407E-A947-70E740481C1C}">
+                <a14:useLocalDpi xmlns:a14="http://schemas.microsoft.com/office/drawing/2010/main" val="0"/>
+              </a:ext>
+            </a:extLst>
+          </a:blip>
+          <a:stretch>
+            <a:fillRect/>
+          </a:stretch>
+        </p:blipFill>
+        <p:spPr>
+          <a:xfrm>
+            <a:off x="4647287" y="4686298"/>
+            <a:ext cx="809625" cy="809625"/>
+          </a:xfrm>
+          <a:prstGeom prst="rect">
+            <a:avLst/>
+          </a:prstGeom>
+        </p:spPr>
+      </p:pic>
+      <p:pic>
+        <p:nvPicPr>
+          <p:cNvPr id="10" name="Image 9" descr="Une image contenant texte&#10;&#10;Description générée automatiquement"/>
+          <p:cNvPicPr/>
+          <p:nvPr/>
+        </p:nvPicPr>
+        <p:blipFill>
+          <a:blip r:embed="rId3">
+            <a:extLst>
+              <a:ext uri="{28A0092B-C50C-407E-A947-70E740481C1C}">
+                <a14:useLocalDpi xmlns:a14="http://schemas.microsoft.com/office/drawing/2010/main" val="0"/>
+              </a:ext>
+            </a:extLst>
+          </a:blip>
+          <a:stretch>
+            <a:fillRect/>
+          </a:stretch>
+        </p:blipFill>
+        <p:spPr>
+          <a:xfrm>
+            <a:off x="2315697" y="4686298"/>
+            <a:ext cx="809625" cy="809625"/>
+          </a:xfrm>
+          <a:prstGeom prst="rect">
+            <a:avLst/>
+          </a:prstGeom>
+        </p:spPr>
+      </p:pic>
+      <p:pic>
+        <p:nvPicPr>
+          <p:cNvPr id="11" name="Image 10" descr="Une image contenant texte&#10;&#10;Description générée automatiquement"/>
+          <p:cNvPicPr/>
+          <p:nvPr/>
+        </p:nvPicPr>
+        <p:blipFill>
+          <a:blip r:embed="rId3">
+            <a:extLst>
+              <a:ext uri="{28A0092B-C50C-407E-A947-70E740481C1C}">
+                <a14:useLocalDpi xmlns:a14="http://schemas.microsoft.com/office/drawing/2010/main" val="0"/>
+              </a:ext>
+            </a:extLst>
+          </a:blip>
+          <a:stretch>
+            <a:fillRect/>
+          </a:stretch>
+        </p:blipFill>
+        <p:spPr>
+          <a:xfrm>
+            <a:off x="6978877" y="4686298"/>
+            <a:ext cx="809625" cy="809625"/>
+          </a:xfrm>
+          <a:prstGeom prst="rect">
+            <a:avLst/>
+          </a:prstGeom>
+        </p:spPr>
+      </p:pic>
+      <p:pic>
+        <p:nvPicPr>
+          <p:cNvPr id="12" name="Image 11" descr="Une image contenant texte&#10;&#10;Description générée automatiquement"/>
+          <p:cNvPicPr/>
+          <p:nvPr/>
+        </p:nvPicPr>
+        <p:blipFill>
+          <a:blip r:embed="rId4">
+            <a:extLst>
+              <a:ext uri="{28A0092B-C50C-407E-A947-70E740481C1C}">
+                <a14:useLocalDpi xmlns:a14="http://schemas.microsoft.com/office/drawing/2010/main" val="0"/>
+              </a:ext>
+            </a:extLst>
+          </a:blip>
+          <a:stretch>
+            <a:fillRect/>
+          </a:stretch>
+        </p:blipFill>
+        <p:spPr>
+          <a:xfrm>
+            <a:off x="9310467" y="4691060"/>
+            <a:ext cx="800100" cy="800100"/>
+          </a:xfrm>
+          <a:prstGeom prst="rect">
+            <a:avLst/>
+          </a:prstGeom>
+        </p:spPr>
+      </p:pic>
+      <p:sp>
+        <p:nvSpPr>
+          <p:cNvPr id="13" name="Zone de texte 2"/>
+          <p:cNvSpPr txBox="1">
+            <a:spLocks noChangeArrowheads="1"/>
+          </p:cNvSpPr>
+          <p:nvPr/>
+        </p:nvSpPr>
+        <p:spPr bwMode="auto">
+          <a:xfrm>
+            <a:off x="5456912" y="2078411"/>
+            <a:ext cx="1524000" cy="730250"/>
+          </a:xfrm>
+          <a:prstGeom prst="rect">
+            <a:avLst/>
+          </a:prstGeom>
+          <a:noFill/>
+          <a:ln w="9525">
+            <a:noFill/>
+            <a:miter lim="800000"/>
+            <a:headEnd/>
+            <a:tailEnd/>
+          </a:ln>
+        </p:spPr>
+        <p:txBody>
+          <a:bodyPr rot="0" vert="horz" wrap="square" lIns="91440" tIns="45720" rIns="91440" bIns="45720" anchor="t" anchorCtr="0">
+            <a:spAutoFit/>
+          </a:bodyPr>
+          <a:lstStyle/>
+          <a:p>
+            <a:pPr algn="ctr">
+              <a:lnSpc>
+                <a:spcPct val="110000"/>
+              </a:lnSpc>
+              <a:spcAft>
+                <a:spcPts val="600"/>
+              </a:spcAft>
+            </a:pPr>
+            <a:r>
+              <a:rPr lang="fr-FR" sz="1400" b="1" dirty="0">
+                <a:effectLst/>
+                <a:latin typeface="Calibri" panose="020F0502020204030204" pitchFamily="34" charset="0"/>
+                <a:ea typeface="Yu Mincho"/>
+                <a:cs typeface="Times New Roman" panose="02020603050405020304" pitchFamily="18" charset="0"/>
+              </a:rPr>
+              <a:t>Benjamin LECHA</a:t>
+            </a:r>
+            <a:endParaRPr lang="fr-FR" sz="1050" dirty="0">
+              <a:effectLst/>
+              <a:latin typeface="Calibri" panose="020F0502020204030204" pitchFamily="34" charset="0"/>
+              <a:ea typeface="Yu Mincho"/>
+              <a:cs typeface="Times New Roman" panose="02020603050405020304" pitchFamily="18" charset="0"/>
+            </a:endParaRPr>
+          </a:p>
+          <a:p>
+            <a:pPr algn="ctr">
+              <a:lnSpc>
+                <a:spcPct val="110000"/>
+              </a:lnSpc>
+              <a:spcAft>
+                <a:spcPts val="600"/>
+              </a:spcAft>
+            </a:pPr>
+            <a:r>
+              <a:rPr lang="fr-FR" sz="1400" i="1" dirty="0">
+                <a:effectLst/>
+                <a:latin typeface="Calibri" panose="020F0502020204030204" pitchFamily="34" charset="0"/>
+                <a:ea typeface="Yu Mincho"/>
+                <a:cs typeface="Times New Roman" panose="02020603050405020304" pitchFamily="18" charset="0"/>
+              </a:rPr>
+              <a:t>Chef de projet</a:t>
+            </a:r>
+            <a:endParaRPr lang="fr-FR" sz="1050" dirty="0">
+              <a:effectLst/>
+              <a:latin typeface="Calibri" panose="020F0502020204030204" pitchFamily="34" charset="0"/>
+              <a:ea typeface="Yu Mincho"/>
+              <a:cs typeface="Times New Roman" panose="02020603050405020304" pitchFamily="18" charset="0"/>
+            </a:endParaRPr>
+          </a:p>
+        </p:txBody>
+      </p:sp>
+      <p:sp>
+        <p:nvSpPr>
+          <p:cNvPr id="14" name="Zone de texte 2"/>
+          <p:cNvSpPr txBox="1">
+            <a:spLocks noChangeArrowheads="1"/>
+          </p:cNvSpPr>
+          <p:nvPr/>
+        </p:nvSpPr>
+        <p:spPr bwMode="auto">
+          <a:xfrm>
+            <a:off x="2808316" y="3956048"/>
+            <a:ext cx="1676400" cy="730250"/>
+          </a:xfrm>
+          <a:prstGeom prst="rect">
+            <a:avLst/>
+          </a:prstGeom>
+          <a:noFill/>
+          <a:ln w="9525">
+            <a:noFill/>
+            <a:miter lim="800000"/>
+            <a:headEnd/>
+            <a:tailEnd/>
+          </a:ln>
+        </p:spPr>
+        <p:txBody>
+          <a:bodyPr rot="0" vert="horz" wrap="square" lIns="91440" tIns="45720" rIns="91440" bIns="45720" anchor="t" anchorCtr="0">
+            <a:spAutoFit/>
+          </a:bodyPr>
+          <a:lstStyle/>
+          <a:p>
+            <a:pPr algn="ctr">
+              <a:lnSpc>
+                <a:spcPct val="110000"/>
+              </a:lnSpc>
+              <a:spcAft>
+                <a:spcPts val="600"/>
+              </a:spcAft>
+            </a:pPr>
+            <a:r>
+              <a:rPr lang="fr-FR" sz="1400" b="1">
+                <a:effectLst/>
+                <a:latin typeface="Calibri" panose="020F0502020204030204" pitchFamily="34" charset="0"/>
+                <a:ea typeface="Yu Mincho"/>
+                <a:cs typeface="Times New Roman" panose="02020603050405020304" pitchFamily="18" charset="0"/>
+              </a:rPr>
+              <a:t>Billel GUERBOUKHA</a:t>
+            </a:r>
+            <a:endParaRPr lang="fr-FR" sz="1050">
+              <a:effectLst/>
+              <a:latin typeface="Calibri" panose="020F0502020204030204" pitchFamily="34" charset="0"/>
+              <a:ea typeface="Yu Mincho"/>
+              <a:cs typeface="Times New Roman" panose="02020603050405020304" pitchFamily="18" charset="0"/>
+            </a:endParaRPr>
+          </a:p>
+          <a:p>
+            <a:pPr algn="ctr">
+              <a:lnSpc>
+                <a:spcPct val="110000"/>
+              </a:lnSpc>
+              <a:spcAft>
+                <a:spcPts val="600"/>
+              </a:spcAft>
+            </a:pPr>
+            <a:r>
+              <a:rPr lang="fr-FR" sz="1400" i="1">
+                <a:effectLst/>
+                <a:latin typeface="Calibri" panose="020F0502020204030204" pitchFamily="34" charset="0"/>
+                <a:ea typeface="Yu Mincho"/>
+                <a:cs typeface="Times New Roman" panose="02020603050405020304" pitchFamily="18" charset="0"/>
+              </a:rPr>
+              <a:t>Développeur</a:t>
+            </a:r>
+            <a:endParaRPr lang="fr-FR" sz="1050">
+              <a:effectLst/>
+              <a:latin typeface="Calibri" panose="020F0502020204030204" pitchFamily="34" charset="0"/>
+              <a:ea typeface="Yu Mincho"/>
+              <a:cs typeface="Times New Roman" panose="02020603050405020304" pitchFamily="18" charset="0"/>
+            </a:endParaRPr>
+          </a:p>
+        </p:txBody>
+      </p:sp>
+      <p:sp>
+        <p:nvSpPr>
+          <p:cNvPr id="15" name="Zone de texte 2"/>
+          <p:cNvSpPr txBox="1">
+            <a:spLocks noChangeArrowheads="1"/>
+          </p:cNvSpPr>
+          <p:nvPr/>
+        </p:nvSpPr>
+        <p:spPr bwMode="auto">
+          <a:xfrm>
+            <a:off x="5410200" y="3956047"/>
+            <a:ext cx="1524000" cy="730250"/>
+          </a:xfrm>
+          <a:prstGeom prst="rect">
+            <a:avLst/>
+          </a:prstGeom>
+          <a:noFill/>
+          <a:ln w="9525">
+            <a:noFill/>
+            <a:miter lim="800000"/>
+            <a:headEnd/>
+            <a:tailEnd/>
+          </a:ln>
+        </p:spPr>
+        <p:txBody>
+          <a:bodyPr rot="0" vert="horz" wrap="square" lIns="91440" tIns="45720" rIns="91440" bIns="45720" anchor="t" anchorCtr="0">
+            <a:spAutoFit/>
+          </a:bodyPr>
+          <a:lstStyle/>
+          <a:p>
+            <a:pPr algn="ctr">
+              <a:lnSpc>
+                <a:spcPct val="110000"/>
+              </a:lnSpc>
+              <a:spcAft>
+                <a:spcPts val="600"/>
+              </a:spcAft>
+            </a:pPr>
+            <a:r>
+              <a:rPr lang="fr-FR" sz="1400" b="1">
+                <a:effectLst/>
+                <a:latin typeface="Calibri" panose="020F0502020204030204" pitchFamily="34" charset="0"/>
+                <a:ea typeface="Yu Mincho"/>
+                <a:cs typeface="Times New Roman" panose="02020603050405020304" pitchFamily="18" charset="0"/>
+              </a:rPr>
+              <a:t>Dino El HANI</a:t>
+            </a:r>
+            <a:endParaRPr lang="fr-FR" sz="1050">
+              <a:effectLst/>
+              <a:latin typeface="Calibri" panose="020F0502020204030204" pitchFamily="34" charset="0"/>
+              <a:ea typeface="Yu Mincho"/>
+              <a:cs typeface="Times New Roman" panose="02020603050405020304" pitchFamily="18" charset="0"/>
+            </a:endParaRPr>
+          </a:p>
+          <a:p>
+            <a:pPr algn="ctr">
+              <a:lnSpc>
+                <a:spcPct val="110000"/>
+              </a:lnSpc>
+              <a:spcAft>
+                <a:spcPts val="600"/>
+              </a:spcAft>
+            </a:pPr>
+            <a:r>
+              <a:rPr lang="fr-FR" sz="1400" i="1">
+                <a:effectLst/>
+                <a:latin typeface="Calibri" panose="020F0502020204030204" pitchFamily="34" charset="0"/>
+                <a:ea typeface="Yu Mincho"/>
+                <a:cs typeface="Times New Roman" panose="02020603050405020304" pitchFamily="18" charset="0"/>
+              </a:rPr>
+              <a:t>Développeur</a:t>
+            </a:r>
+            <a:endParaRPr lang="fr-FR" sz="1050">
+              <a:effectLst/>
+              <a:latin typeface="Calibri" panose="020F0502020204030204" pitchFamily="34" charset="0"/>
+              <a:ea typeface="Yu Mincho"/>
+              <a:cs typeface="Times New Roman" panose="02020603050405020304" pitchFamily="18" charset="0"/>
+            </a:endParaRPr>
+          </a:p>
+        </p:txBody>
+      </p:sp>
+      <p:sp>
+        <p:nvSpPr>
+          <p:cNvPr id="16" name="Zone de texte 2"/>
+          <p:cNvSpPr txBox="1">
+            <a:spLocks noChangeArrowheads="1"/>
+          </p:cNvSpPr>
+          <p:nvPr/>
+        </p:nvSpPr>
+        <p:spPr bwMode="auto">
+          <a:xfrm>
+            <a:off x="7826346" y="3954563"/>
+            <a:ext cx="1743075" cy="730250"/>
+          </a:xfrm>
+          <a:prstGeom prst="rect">
+            <a:avLst/>
+          </a:prstGeom>
+          <a:noFill/>
+          <a:ln w="9525">
+            <a:noFill/>
+            <a:miter lim="800000"/>
+            <a:headEnd/>
+            <a:tailEnd/>
+          </a:ln>
+        </p:spPr>
+        <p:txBody>
+          <a:bodyPr rot="0" vert="horz" wrap="square" lIns="91440" tIns="45720" rIns="91440" bIns="45720" anchor="t" anchorCtr="0">
+            <a:spAutoFit/>
+          </a:bodyPr>
+          <a:lstStyle/>
+          <a:p>
+            <a:pPr algn="ctr">
+              <a:lnSpc>
+                <a:spcPct val="110000"/>
+              </a:lnSpc>
+              <a:spcAft>
+                <a:spcPts val="600"/>
+              </a:spcAft>
+            </a:pPr>
+            <a:r>
+              <a:rPr lang="fr-FR" sz="1400" b="1">
+                <a:effectLst/>
+                <a:latin typeface="Calibri" panose="020F0502020204030204" pitchFamily="34" charset="0"/>
+                <a:ea typeface="Yu Mincho"/>
+                <a:cs typeface="Times New Roman" panose="02020603050405020304" pitchFamily="18" charset="0"/>
+              </a:rPr>
+              <a:t>Nicolas GOGUILLON</a:t>
+            </a:r>
+            <a:endParaRPr lang="fr-FR" sz="1050">
+              <a:effectLst/>
+              <a:latin typeface="Calibri" panose="020F0502020204030204" pitchFamily="34" charset="0"/>
+              <a:ea typeface="Yu Mincho"/>
+              <a:cs typeface="Times New Roman" panose="02020603050405020304" pitchFamily="18" charset="0"/>
+            </a:endParaRPr>
+          </a:p>
+          <a:p>
+            <a:pPr algn="ctr">
+              <a:lnSpc>
+                <a:spcPct val="110000"/>
+              </a:lnSpc>
+              <a:spcAft>
+                <a:spcPts val="600"/>
+              </a:spcAft>
+            </a:pPr>
+            <a:r>
+              <a:rPr lang="fr-FR" sz="1400" i="1">
+                <a:effectLst/>
+                <a:latin typeface="Calibri" panose="020F0502020204030204" pitchFamily="34" charset="0"/>
+                <a:ea typeface="Yu Mincho"/>
+                <a:cs typeface="Times New Roman" panose="02020603050405020304" pitchFamily="18" charset="0"/>
+              </a:rPr>
+              <a:t>Développeur</a:t>
+            </a:r>
+            <a:endParaRPr lang="fr-FR" sz="1050">
+              <a:effectLst/>
+              <a:latin typeface="Calibri" panose="020F0502020204030204" pitchFamily="34" charset="0"/>
+              <a:ea typeface="Yu Mincho"/>
+              <a:cs typeface="Times New Roman" panose="02020603050405020304" pitchFamily="18" charset="0"/>
+            </a:endParaRPr>
+          </a:p>
+        </p:txBody>
+      </p:sp>
+      <p:sp>
+        <p:nvSpPr>
+          <p:cNvPr id="17" name="Zone de texte 2"/>
+          <p:cNvSpPr txBox="1">
+            <a:spLocks noChangeArrowheads="1"/>
+          </p:cNvSpPr>
+          <p:nvPr/>
+        </p:nvSpPr>
+        <p:spPr bwMode="auto">
+          <a:xfrm>
+            <a:off x="1958509" y="5719330"/>
+            <a:ext cx="1524000" cy="415290"/>
+          </a:xfrm>
+          <a:prstGeom prst="rect">
+            <a:avLst/>
+          </a:prstGeom>
+          <a:noFill/>
+          <a:ln w="9525">
+            <a:noFill/>
+            <a:miter lim="800000"/>
+            <a:headEnd/>
+            <a:tailEnd/>
+          </a:ln>
+        </p:spPr>
+        <p:txBody>
+          <a:bodyPr rot="0" vert="horz" wrap="square" lIns="91440" tIns="45720" rIns="91440" bIns="45720" anchor="t" anchorCtr="0">
+            <a:spAutoFit/>
+          </a:bodyPr>
+          <a:lstStyle/>
+          <a:p>
+            <a:pPr algn="ctr">
+              <a:lnSpc>
+                <a:spcPct val="110000"/>
+              </a:lnSpc>
+              <a:spcAft>
+                <a:spcPts val="600"/>
+              </a:spcAft>
+            </a:pPr>
+            <a:r>
+              <a:rPr lang="fr-FR" sz="1400" b="1">
+                <a:effectLst/>
+                <a:latin typeface="Calibri" panose="020F0502020204030204" pitchFamily="34" charset="0"/>
+                <a:ea typeface="Yu Mincho"/>
+                <a:cs typeface="Times New Roman" panose="02020603050405020304" pitchFamily="18" charset="0"/>
+              </a:rPr>
+              <a:t>Yoan DECONINCK</a:t>
+            </a:r>
+            <a:endParaRPr lang="fr-FR" sz="1050">
+              <a:effectLst/>
+              <a:latin typeface="Calibri" panose="020F0502020204030204" pitchFamily="34" charset="0"/>
+              <a:ea typeface="Yu Mincho"/>
+              <a:cs typeface="Times New Roman" panose="02020603050405020304" pitchFamily="18" charset="0"/>
+            </a:endParaRPr>
+          </a:p>
+        </p:txBody>
+      </p:sp>
+      <p:sp>
+        <p:nvSpPr>
+          <p:cNvPr id="18" name="Zone de texte 2"/>
+          <p:cNvSpPr txBox="1">
+            <a:spLocks noChangeArrowheads="1"/>
+          </p:cNvSpPr>
+          <p:nvPr/>
+        </p:nvSpPr>
+        <p:spPr bwMode="auto">
+          <a:xfrm>
+            <a:off x="4290099" y="5719330"/>
+            <a:ext cx="1524000" cy="415290"/>
+          </a:xfrm>
+          <a:prstGeom prst="rect">
+            <a:avLst/>
+          </a:prstGeom>
+          <a:noFill/>
+          <a:ln w="9525">
+            <a:noFill/>
+            <a:miter lim="800000"/>
+            <a:headEnd/>
+            <a:tailEnd/>
+          </a:ln>
+        </p:spPr>
+        <p:txBody>
+          <a:bodyPr rot="0" vert="horz" wrap="square" lIns="91440" tIns="45720" rIns="91440" bIns="45720" anchor="t" anchorCtr="0">
+            <a:spAutoFit/>
+          </a:bodyPr>
+          <a:lstStyle/>
+          <a:p>
+            <a:pPr algn="ctr">
+              <a:lnSpc>
+                <a:spcPct val="110000"/>
+              </a:lnSpc>
+              <a:spcAft>
+                <a:spcPts val="600"/>
+              </a:spcAft>
+            </a:pPr>
+            <a:r>
+              <a:rPr lang="fr-FR" sz="1400" b="1">
+                <a:effectLst/>
+                <a:latin typeface="Calibri" panose="020F0502020204030204" pitchFamily="34" charset="0"/>
+                <a:ea typeface="Yu Mincho"/>
+                <a:cs typeface="Times New Roman" panose="02020603050405020304" pitchFamily="18" charset="0"/>
+              </a:rPr>
+              <a:t>Antoine LEVA</a:t>
+            </a:r>
+            <a:endParaRPr lang="fr-FR" sz="1050">
+              <a:effectLst/>
+              <a:latin typeface="Calibri" panose="020F0502020204030204" pitchFamily="34" charset="0"/>
+              <a:ea typeface="Yu Mincho"/>
+              <a:cs typeface="Times New Roman" panose="02020603050405020304" pitchFamily="18" charset="0"/>
+            </a:endParaRPr>
+          </a:p>
+        </p:txBody>
+      </p:sp>
+      <p:sp>
+        <p:nvSpPr>
+          <p:cNvPr id="19" name="Zone de texte 2"/>
+          <p:cNvSpPr txBox="1">
+            <a:spLocks noChangeArrowheads="1"/>
+          </p:cNvSpPr>
+          <p:nvPr/>
+        </p:nvSpPr>
+        <p:spPr bwMode="auto">
+          <a:xfrm>
+            <a:off x="6621689" y="5734191"/>
+            <a:ext cx="1524000" cy="415290"/>
+          </a:xfrm>
+          <a:prstGeom prst="rect">
+            <a:avLst/>
+          </a:prstGeom>
+          <a:noFill/>
+          <a:ln w="9525">
+            <a:noFill/>
+            <a:miter lim="800000"/>
+            <a:headEnd/>
+            <a:tailEnd/>
+          </a:ln>
+        </p:spPr>
+        <p:txBody>
+          <a:bodyPr rot="0" vert="horz" wrap="square" lIns="91440" tIns="45720" rIns="91440" bIns="45720" anchor="t" anchorCtr="0">
+            <a:spAutoFit/>
+          </a:bodyPr>
+          <a:lstStyle/>
+          <a:p>
+            <a:pPr algn="ctr">
+              <a:lnSpc>
+                <a:spcPct val="110000"/>
+              </a:lnSpc>
+              <a:spcAft>
+                <a:spcPts val="600"/>
+              </a:spcAft>
+            </a:pPr>
+            <a:r>
+              <a:rPr lang="fr-FR" sz="1400" b="1">
+                <a:effectLst/>
+                <a:latin typeface="Calibri" panose="020F0502020204030204" pitchFamily="34" charset="0"/>
+                <a:ea typeface="Yu Mincho"/>
+                <a:cs typeface="Times New Roman" panose="02020603050405020304" pitchFamily="18" charset="0"/>
+              </a:rPr>
+              <a:t>Julien PRONIER</a:t>
+            </a:r>
+            <a:endParaRPr lang="fr-FR" sz="1050">
+              <a:effectLst/>
+              <a:latin typeface="Calibri" panose="020F0502020204030204" pitchFamily="34" charset="0"/>
+              <a:ea typeface="Yu Mincho"/>
+              <a:cs typeface="Times New Roman" panose="02020603050405020304" pitchFamily="18" charset="0"/>
+            </a:endParaRPr>
+          </a:p>
+        </p:txBody>
+      </p:sp>
+      <p:sp>
+        <p:nvSpPr>
+          <p:cNvPr id="20" name="Zone de texte 2"/>
+          <p:cNvSpPr txBox="1">
+            <a:spLocks noChangeArrowheads="1"/>
+          </p:cNvSpPr>
+          <p:nvPr/>
+        </p:nvSpPr>
+        <p:spPr bwMode="auto">
+          <a:xfrm>
+            <a:off x="8948517" y="5717705"/>
+            <a:ext cx="1524000" cy="415290"/>
+          </a:xfrm>
+          <a:prstGeom prst="rect">
+            <a:avLst/>
+          </a:prstGeom>
+          <a:noFill/>
+          <a:ln w="9525">
+            <a:noFill/>
+            <a:miter lim="800000"/>
+            <a:headEnd/>
+            <a:tailEnd/>
+          </a:ln>
+        </p:spPr>
+        <p:txBody>
+          <a:bodyPr rot="0" vert="horz" wrap="square" lIns="91440" tIns="45720" rIns="91440" bIns="45720" anchor="t" anchorCtr="0">
+            <a:spAutoFit/>
+          </a:bodyPr>
+          <a:lstStyle/>
+          <a:p>
+            <a:pPr algn="ctr">
+              <a:lnSpc>
+                <a:spcPct val="110000"/>
+              </a:lnSpc>
+              <a:spcAft>
+                <a:spcPts val="600"/>
+              </a:spcAft>
+            </a:pPr>
+            <a:r>
+              <a:rPr lang="fr-FR" sz="1400" b="1">
+                <a:effectLst/>
+                <a:latin typeface="Calibri" panose="020F0502020204030204" pitchFamily="34" charset="0"/>
+                <a:ea typeface="Yu Mincho"/>
+                <a:cs typeface="Times New Roman" panose="02020603050405020304" pitchFamily="18" charset="0"/>
+              </a:rPr>
+              <a:t>Lucie CAUDRON</a:t>
+            </a:r>
+            <a:endParaRPr lang="fr-FR" sz="1050">
+              <a:effectLst/>
+              <a:latin typeface="Calibri" panose="020F0502020204030204" pitchFamily="34" charset="0"/>
+              <a:ea typeface="Yu Mincho"/>
+              <a:cs typeface="Times New Roman" panose="02020603050405020304" pitchFamily="18" charset="0"/>
+            </a:endParaRPr>
+          </a:p>
+        </p:txBody>
+      </p:sp>
+    </p:spTree>
+    <p:extLst>
+      <p:ext uri="{BB962C8B-B14F-4D97-AF65-F5344CB8AC3E}">
+        <p14:creationId xmlns:p14="http://schemas.microsoft.com/office/powerpoint/2010/main" val="3340940663"/>
+      </p:ext>
+    </p:extLst>
+  </p:cSld>
+  <p:clrMapOvr>
+    <a:masterClrMapping/>
+  </p:clrMapOvr>
+  <p:timing>
+    <p:tnLst>
+      <p:par>
+        <p:cTn id="1" dur="indefinite" restart="never" nodeType="tmRoot"/>
+      </p:par>
+    </p:tnLst>
+  </p:timing>
+</p:sld>
+</file>
+
+<file path=ppt/slides/slide8.xml><?xml version="1.0" encoding="utf-8"?>
+<p:sld xmlns:a="http://schemas.openxmlformats.org/drawingml/2006/main" xmlns:r="http://schemas.openxmlformats.org/officeDocument/2006/relationships" xmlns:p="http://schemas.openxmlformats.org/presentationml/2006/main">
+  <p:cSld>
+    <p:spTree>
+      <p:nvGrpSpPr>
+        <p:cNvPr id="1" name=""/>
+        <p:cNvGrpSpPr/>
+        <p:nvPr/>
+      </p:nvGrpSpPr>
+      <p:grpSpPr>
+        <a:xfrm>
+          <a:off x="0" y="0"/>
+          <a:ext cx="0" cy="0"/>
+          <a:chOff x="0" y="0"/>
+          <a:chExt cx="0" cy="0"/>
+        </a:xfrm>
+      </p:grpSpPr>
+      <p:sp>
+        <p:nvSpPr>
+          <p:cNvPr id="2" name="Titre 1">
+            <a:extLst>
+              <a:ext uri="{FF2B5EF4-FFF2-40B4-BE49-F238E27FC236}">
+                <a16:creationId xmlns:a16="http://schemas.microsoft.com/office/drawing/2014/main" id="{3CCA4AA0-934F-8067-59A5-481C54A91E60}"/>
+              </a:ext>
+            </a:extLst>
+          </p:cNvPr>
+          <p:cNvSpPr>
+            <a:spLocks noGrp="1"/>
+          </p:cNvSpPr>
+          <p:nvPr>
+            <p:ph type="title"/>
+          </p:nvPr>
+        </p:nvSpPr>
+        <p:spPr/>
+        <p:txBody>
+          <a:bodyPr/>
+          <a:lstStyle/>
+          <a:p>
+            <a:r>
+              <a:rPr lang="fr-FR" dirty="0" smtClean="0"/>
+              <a:t>Environnement de travail</a:t>
+            </a:r>
+            <a:endParaRPr lang="fr-FR" dirty="0"/>
+          </a:p>
+        </p:txBody>
+      </p:sp>
+      <p:sp>
+        <p:nvSpPr>
+          <p:cNvPr id="3" name="Espace réservé du numéro de diapositive 2"/>
+          <p:cNvSpPr>
+            <a:spLocks noGrp="1"/>
+          </p:cNvSpPr>
+          <p:nvPr>
+            <p:ph type="sldNum" sz="quarter" idx="12"/>
+          </p:nvPr>
+        </p:nvSpPr>
+        <p:spPr/>
+        <p:txBody>
+          <a:bodyPr/>
+          <a:lstStyle/>
+          <a:p>
+            <a:fld id="{69E57DC2-970A-4B3E-BB1C-7A09969E49DF}" type="slidenum">
+              <a:rPr lang="en-US" smtClean="0"/>
+              <a:pPr/>
+              <a:t>8</a:t>
+            </a:fld>
+            <a:endParaRPr lang="en-US" dirty="0"/>
+          </a:p>
+        </p:txBody>
+      </p:sp>
+    </p:spTree>
+    <p:extLst>
+      <p:ext uri="{BB962C8B-B14F-4D97-AF65-F5344CB8AC3E}">
+        <p14:creationId xmlns:p14="http://schemas.microsoft.com/office/powerpoint/2010/main" val="624091243"/>
+      </p:ext>
+    </p:extLst>
+  </p:cSld>
+  <p:clrMapOvr>
+    <a:masterClrMapping/>
+  </p:clrMapOvr>
+  <p:timing>
+    <p:tnLst>
+      <p:par>
+        <p:cTn id="1" dur="indefinite" restart="never" nodeType="tmRoot"/>
+      </p:par>
+    </p:tnLst>
+  </p:timing>
+</p:sld>
+</file>
+
+<file path=ppt/slides/slide9.xml><?xml version="1.0" encoding="utf-8"?>
+<p:sld xmlns:a="http://schemas.openxmlformats.org/drawingml/2006/main" xmlns:r="http://schemas.openxmlformats.org/officeDocument/2006/relationships" xmlns:p="http://schemas.openxmlformats.org/presentationml/2006/main">
+  <p:cSld>
+    <p:spTree>
+      <p:nvGrpSpPr>
+        <p:cNvPr id="1" name=""/>
+        <p:cNvGrpSpPr/>
+        <p:nvPr/>
+      </p:nvGrpSpPr>
+      <p:grpSpPr>
+        <a:xfrm>
+          <a:off x="0" y="0"/>
+          <a:ext cx="0" cy="0"/>
+          <a:chOff x="0" y="0"/>
+          <a:chExt cx="0" cy="0"/>
+        </a:xfrm>
+      </p:grpSpPr>
+      <p:sp>
+        <p:nvSpPr>
+          <p:cNvPr id="2" name="Titre 1"/>
+          <p:cNvSpPr>
+            <a:spLocks noGrp="1"/>
+          </p:cNvSpPr>
+          <p:nvPr>
+            <p:ph type="title"/>
+          </p:nvPr>
+        </p:nvSpPr>
+        <p:spPr/>
+        <p:txBody>
+          <a:bodyPr/>
+          <a:lstStyle/>
+          <a:p>
+            <a:endParaRPr lang="fr-FR"/>
+          </a:p>
+        </p:txBody>
+      </p:sp>
+      <p:sp>
+        <p:nvSpPr>
+          <p:cNvPr id="3" name="Espace réservé du contenu 2"/>
+          <p:cNvSpPr>
+            <a:spLocks noGrp="1"/>
+          </p:cNvSpPr>
+          <p:nvPr>
+            <p:ph idx="1"/>
+          </p:nvPr>
+        </p:nvSpPr>
+        <p:spPr/>
+        <p:txBody>
+          <a:bodyPr/>
+          <a:lstStyle/>
+          <a:p>
+            <a:endParaRPr lang="fr-FR"/>
+          </a:p>
+        </p:txBody>
+      </p:sp>
+      <p:sp>
+        <p:nvSpPr>
+          <p:cNvPr id="4" name="Espace réservé du numéro de diapositive 3"/>
+          <p:cNvSpPr>
+            <a:spLocks noGrp="1"/>
+          </p:cNvSpPr>
+          <p:nvPr>
+            <p:ph type="sldNum" sz="quarter" idx="12"/>
+          </p:nvPr>
+        </p:nvSpPr>
+        <p:spPr/>
+        <p:txBody>
+          <a:bodyPr/>
+          <a:lstStyle/>
+          <a:p>
+            <a:fld id="{69E57DC2-970A-4B3E-BB1C-7A09969E49DF}" type="slidenum">
+              <a:rPr lang="en-US" smtClean="0"/>
+              <a:t>9</a:t>
+            </a:fld>
+            <a:endParaRPr lang="en-US" dirty="0"/>
+          </a:p>
+        </p:txBody>
+      </p:sp>
+    </p:spTree>
+    <p:extLst>
+      <p:ext uri="{BB962C8B-B14F-4D97-AF65-F5344CB8AC3E}">
+        <p14:creationId xmlns:p14="http://schemas.microsoft.com/office/powerpoint/2010/main" val="3489389299"/>
+      </p:ext>
+    </p:extLst>
+  </p:cSld>
+  <p:clrMapOvr>
+    <a:masterClrMapping/>
+  </p:clrMapOvr>
+  <p:timing>
+    <p:tnLst>
+      <p:par>
+        <p:cTn id="1" dur="indefinite" restart="never" nodeType="tmRoot"/>
+      </p:par>
+    </p:tnLst>
+  </p:timing>
 </p:sld>
 </file>
 

--- a/ressources/CDA_Projet_Repotech_Yoan_Deconinck.pptx
+++ b/ressources/CDA_Projet_Repotech_Yoan_Deconinck.pptx
@@ -5,7 +5,7 @@
     <p:sldMasterId id="2147483648" r:id="rId1"/>
   </p:sldMasterIdLst>
   <p:notesMasterIdLst>
-    <p:notesMasterId r:id="rId13"/>
+    <p:notesMasterId r:id="rId20"/>
   </p:notesMasterIdLst>
   <p:sldIdLst>
     <p:sldId id="256" r:id="rId2"/>
@@ -17,8 +17,15 @@
     <p:sldId id="260" r:id="rId8"/>
     <p:sldId id="264" r:id="rId9"/>
     <p:sldId id="261" r:id="rId10"/>
-    <p:sldId id="265" r:id="rId11"/>
-    <p:sldId id="266" r:id="rId12"/>
+    <p:sldId id="267" r:id="rId11"/>
+    <p:sldId id="265" r:id="rId12"/>
+    <p:sldId id="268" r:id="rId13"/>
+    <p:sldId id="269" r:id="rId14"/>
+    <p:sldId id="270" r:id="rId15"/>
+    <p:sldId id="271" r:id="rId16"/>
+    <p:sldId id="272" r:id="rId17"/>
+    <p:sldId id="273" r:id="rId18"/>
+    <p:sldId id="266" r:id="rId19"/>
   </p:sldIdLst>
   <p:sldSz cx="12192000" cy="6858000"/>
   <p:notesSz cx="6858000" cy="9144000"/>
@@ -207,7 +214,7 @@
           <a:p>
             <a:fld id="{9917A500-0574-4A15-95B2-4ED4DF856D10}" type="datetimeFigureOut">
               <a:rPr lang="fr-FR" smtClean="0"/>
-              <a:t>01/06/2023</a:t>
+              <a:t>02/06/2023</a:t>
             </a:fld>
             <a:endParaRPr lang="fr-FR"/>
           </a:p>
@@ -643,7 +650,7 @@
           <a:p>
             <a:fld id="{AE3BC510-9AD2-480F-946F-812144CA2311}" type="datetime1">
               <a:rPr lang="en-US" smtClean="0"/>
-              <a:t>6/1/2023</a:t>
+              <a:t>6/2/2023</a:t>
             </a:fld>
             <a:endParaRPr lang="en-US" dirty="0"/>
           </a:p>
@@ -969,7 +976,7 @@
           <a:p>
             <a:fld id="{B724DF62-1B67-4E6D-BC76-5B2E23E31DE9}" type="datetime1">
               <a:rPr lang="en-US" smtClean="0"/>
-              <a:t>6/1/2023</a:t>
+              <a:t>6/2/2023</a:t>
             </a:fld>
             <a:endParaRPr lang="en-US" dirty="0"/>
           </a:p>
@@ -1144,7 +1151,7 @@
           <a:p>
             <a:fld id="{45B7B551-8497-4EE7-80D0-C0C7AE0BDAC3}" type="datetime1">
               <a:rPr lang="en-US" smtClean="0"/>
-              <a:t>6/1/2023</a:t>
+              <a:t>6/2/2023</a:t>
             </a:fld>
             <a:endParaRPr lang="en-US" dirty="0"/>
           </a:p>
@@ -1309,7 +1316,7 @@
           <a:p>
             <a:fld id="{B95823FF-46D8-466B-9B25-3C04FE4DACFC}" type="datetime1">
               <a:rPr lang="en-US" smtClean="0"/>
-              <a:t>6/1/2023</a:t>
+              <a:t>6/2/2023</a:t>
             </a:fld>
             <a:endParaRPr lang="en-US" dirty="0"/>
           </a:p>
@@ -1581,7 +1588,7 @@
           <a:p>
             <a:fld id="{3D542EFB-AC21-4098-8256-0FEB9F4F12AA}" type="datetime1">
               <a:rPr lang="en-US" smtClean="0"/>
-              <a:t>6/1/2023</a:t>
+              <a:t>6/2/2023</a:t>
             </a:fld>
             <a:endParaRPr lang="en-US" dirty="0"/>
           </a:p>
@@ -1971,7 +1978,7 @@
           <a:p>
             <a:fld id="{F885D306-C8A4-43A7-8353-0A2E8E90AB5C}" type="datetime1">
               <a:rPr lang="en-US" smtClean="0"/>
-              <a:t>6/1/2023</a:t>
+              <a:t>6/2/2023</a:t>
             </a:fld>
             <a:endParaRPr lang="en-US" dirty="0"/>
           </a:p>
@@ -2443,7 +2450,7 @@
           <a:p>
             <a:fld id="{2B6B083E-2F74-48BB-8EF9-49960B3F3058}" type="datetime1">
               <a:rPr lang="en-US" smtClean="0"/>
-              <a:t>6/1/2023</a:t>
+              <a:t>6/2/2023</a:t>
             </a:fld>
             <a:endParaRPr lang="en-US" dirty="0"/>
           </a:p>
@@ -2556,7 +2563,7 @@
           <a:p>
             <a:fld id="{9E13F5A8-DC50-4454-B8B2-A29ECA13C144}" type="datetime1">
               <a:rPr lang="en-US" smtClean="0"/>
-              <a:t>6/1/2023</a:t>
+              <a:t>6/2/2023</a:t>
             </a:fld>
             <a:endParaRPr lang="en-US" dirty="0"/>
           </a:p>
@@ -2646,7 +2653,7 @@
           <a:p>
             <a:fld id="{3FDB2FD2-DBFA-4B64-B0A5-75D777391947}" type="datetime1">
               <a:rPr lang="en-US" smtClean="0"/>
-              <a:t>6/1/2023</a:t>
+              <a:t>6/2/2023</a:t>
             </a:fld>
             <a:endParaRPr lang="en-US" dirty="0"/>
           </a:p>
@@ -2987,7 +2994,7 @@
           <a:p>
             <a:fld id="{67A685A6-A975-4F33-8DCB-2917F2673AC4}" type="datetime1">
               <a:rPr lang="en-US" smtClean="0"/>
-              <a:t>6/1/2023</a:t>
+              <a:t>6/2/2023</a:t>
             </a:fld>
             <a:endParaRPr lang="en-US" dirty="0"/>
           </a:p>
@@ -3371,7 +3378,7 @@
           <a:p>
             <a:fld id="{66F5D41C-CC31-4372-9BD8-40139430872E}" type="datetime1">
               <a:rPr lang="en-US" smtClean="0"/>
-              <a:t>6/1/2023</a:t>
+              <a:t>6/2/2023</a:t>
             </a:fld>
             <a:endParaRPr lang="en-US" dirty="0"/>
           </a:p>
@@ -3645,7 +3652,7 @@
           <a:p>
             <a:fld id="{0F1ED1E7-7202-47E9-92E6-A6625081A6C0}" type="datetime1">
               <a:rPr lang="en-US" smtClean="0"/>
-              <a:t>6/1/2023</a:t>
+              <a:t>6/2/2023</a:t>
             </a:fld>
             <a:endParaRPr lang="en-US" dirty="0"/>
           </a:p>
@@ -4170,7 +4177,12 @@
             <p:ph type="ctrTitle"/>
           </p:nvPr>
         </p:nvSpPr>
-        <p:spPr/>
+        <p:spPr>
+          <a:xfrm>
+            <a:off x="1915128" y="2380770"/>
+            <a:ext cx="8361229" cy="1381215"/>
+          </a:xfrm>
+        </p:spPr>
         <p:txBody>
           <a:bodyPr/>
           <a:lstStyle/>
@@ -4205,7 +4217,7 @@
         </p:nvSpPr>
         <p:spPr>
           <a:xfrm>
-            <a:off x="2679906" y="3956279"/>
+            <a:off x="2679906" y="3798332"/>
             <a:ext cx="6831673" cy="624347"/>
           </a:xfrm>
         </p:spPr>
@@ -4214,8 +4226,12 @@
           <a:lstStyle/>
           <a:p>
             <a:r>
+              <a:rPr lang="fr-FR" dirty="0" smtClean="0"/>
+              <a:t>Présentation par </a:t>
+            </a:r>
+            <a:r>
               <a:rPr lang="fr-FR" dirty="0"/>
-              <a:t>Présentation Yoan DECONINCK</a:t>
+              <a:t>Yoan DECONINCK</a:t>
             </a:r>
           </a:p>
         </p:txBody>
@@ -4242,7 +4258,7 @@
         </p:blipFill>
         <p:spPr>
           <a:xfrm>
-            <a:off x="1262310" y="1227792"/>
+            <a:off x="1303875" y="1252731"/>
             <a:ext cx="2835192" cy="982126"/>
           </a:xfrm>
           <a:prstGeom prst="rect">
@@ -4272,7 +4288,7 @@
         </p:blipFill>
         <p:spPr>
           <a:xfrm>
-            <a:off x="8234193" y="4268452"/>
+            <a:off x="8184315" y="4226887"/>
             <a:ext cx="2902509" cy="1513284"/>
           </a:xfrm>
           <a:prstGeom prst="rect">
@@ -4319,6 +4335,101 @@
       </p:grpSpPr>
       <p:sp>
         <p:nvSpPr>
+          <p:cNvPr id="2" name="Titre 1"/>
+          <p:cNvSpPr>
+            <a:spLocks noGrp="1"/>
+          </p:cNvSpPr>
+          <p:nvPr>
+            <p:ph type="title"/>
+          </p:nvPr>
+        </p:nvSpPr>
+        <p:spPr/>
+        <p:txBody>
+          <a:bodyPr/>
+          <a:lstStyle/>
+          <a:p>
+            <a:r>
+              <a:rPr lang="fr-FR" dirty="0" smtClean="0"/>
+              <a:t>Moyens Technologiques</a:t>
+            </a:r>
+            <a:endParaRPr lang="fr-FR" dirty="0"/>
+          </a:p>
+        </p:txBody>
+      </p:sp>
+      <p:sp>
+        <p:nvSpPr>
+          <p:cNvPr id="3" name="Espace réservé du contenu 2"/>
+          <p:cNvSpPr>
+            <a:spLocks noGrp="1"/>
+          </p:cNvSpPr>
+          <p:nvPr>
+            <p:ph idx="1"/>
+          </p:nvPr>
+        </p:nvSpPr>
+        <p:spPr/>
+        <p:txBody>
+          <a:bodyPr/>
+          <a:lstStyle/>
+          <a:p>
+            <a:endParaRPr lang="fr-FR"/>
+          </a:p>
+        </p:txBody>
+      </p:sp>
+      <p:sp>
+        <p:nvSpPr>
+          <p:cNvPr id="4" name="Espace réservé du numéro de diapositive 3"/>
+          <p:cNvSpPr>
+            <a:spLocks noGrp="1"/>
+          </p:cNvSpPr>
+          <p:nvPr>
+            <p:ph type="sldNum" sz="quarter" idx="12"/>
+          </p:nvPr>
+        </p:nvSpPr>
+        <p:spPr/>
+        <p:txBody>
+          <a:bodyPr/>
+          <a:lstStyle/>
+          <a:p>
+            <a:fld id="{69E57DC2-970A-4B3E-BB1C-7A09969E49DF}" type="slidenum">
+              <a:rPr lang="en-US" smtClean="0"/>
+              <a:t>10</a:t>
+            </a:fld>
+            <a:endParaRPr lang="en-US" dirty="0"/>
+          </a:p>
+        </p:txBody>
+      </p:sp>
+    </p:spTree>
+    <p:extLst>
+      <p:ext uri="{BB962C8B-B14F-4D97-AF65-F5344CB8AC3E}">
+        <p14:creationId xmlns:p14="http://schemas.microsoft.com/office/powerpoint/2010/main" val="3243767939"/>
+      </p:ext>
+    </p:extLst>
+  </p:cSld>
+  <p:clrMapOvr>
+    <a:masterClrMapping/>
+  </p:clrMapOvr>
+</p:sld>
+</file>
+
+<file path=ppt/slides/slide11.xml><?xml version="1.0" encoding="utf-8"?>
+<p:sld xmlns:a="http://schemas.openxmlformats.org/drawingml/2006/main" xmlns:r="http://schemas.openxmlformats.org/officeDocument/2006/relationships" xmlns:p="http://schemas.openxmlformats.org/presentationml/2006/main">
+  <p:cSld>
+    <p:spTree>
+      <p:nvGrpSpPr>
+        <p:cNvPr id="1" name=""/>
+        <p:cNvGrpSpPr/>
+        <p:nvPr/>
+      </p:nvGrpSpPr>
+      <p:grpSpPr>
+        <a:xfrm>
+          <a:off x="0" y="0"/>
+          <a:ext cx="0" cy="0"/>
+          <a:chOff x="0" y="0"/>
+          <a:chExt cx="0" cy="0"/>
+        </a:xfrm>
+      </p:grpSpPr>
+      <p:sp>
+        <p:nvSpPr>
           <p:cNvPr id="2" name="Titre 1">
             <a:extLst>
               <a:ext uri="{FF2B5EF4-FFF2-40B4-BE49-F238E27FC236}">
@@ -4364,7 +4475,7 @@
             <a:fld id="{69E57DC2-970A-4B3E-BB1C-7A09969E49DF}" type="slidenum">
               <a:rPr lang="en-US" smtClean="0"/>
               <a:pPr/>
-              <a:t>10</a:t>
+              <a:t>11</a:t>
             </a:fld>
             <a:endParaRPr lang="en-US" dirty="0"/>
           </a:p>
@@ -4390,7 +4501,7 @@
 </p:sld>
 </file>
 
-<file path=ppt/slides/slide11.xml><?xml version="1.0" encoding="utf-8"?>
+<file path=ppt/slides/slide12.xml><?xml version="1.0" encoding="utf-8"?>
 <p:sld xmlns:a="http://schemas.openxmlformats.org/drawingml/2006/main" xmlns:r="http://schemas.openxmlformats.org/officeDocument/2006/relationships" xmlns:p="http://schemas.openxmlformats.org/presentationml/2006/main">
   <p:cSld>
     <p:spTree>
@@ -4409,6 +4520,576 @@
       </p:grpSpPr>
       <p:sp>
         <p:nvSpPr>
+          <p:cNvPr id="2" name="Titre 1"/>
+          <p:cNvSpPr>
+            <a:spLocks noGrp="1"/>
+          </p:cNvSpPr>
+          <p:nvPr>
+            <p:ph type="title"/>
+          </p:nvPr>
+        </p:nvSpPr>
+        <p:spPr/>
+        <p:txBody>
+          <a:bodyPr/>
+          <a:lstStyle/>
+          <a:p>
+            <a:r>
+              <a:rPr lang="fr-FR" dirty="0" smtClean="0"/>
+              <a:t>Duplication de projet</a:t>
+            </a:r>
+            <a:endParaRPr lang="fr-FR" dirty="0"/>
+          </a:p>
+        </p:txBody>
+      </p:sp>
+      <p:sp>
+        <p:nvSpPr>
+          <p:cNvPr id="3" name="Espace réservé du contenu 2"/>
+          <p:cNvSpPr>
+            <a:spLocks noGrp="1"/>
+          </p:cNvSpPr>
+          <p:nvPr>
+            <p:ph idx="1"/>
+          </p:nvPr>
+        </p:nvSpPr>
+        <p:spPr/>
+        <p:txBody>
+          <a:bodyPr/>
+          <a:lstStyle/>
+          <a:p>
+            <a:endParaRPr lang="fr-FR"/>
+          </a:p>
+        </p:txBody>
+      </p:sp>
+      <p:sp>
+        <p:nvSpPr>
+          <p:cNvPr id="4" name="Espace réservé du numéro de diapositive 3"/>
+          <p:cNvSpPr>
+            <a:spLocks noGrp="1"/>
+          </p:cNvSpPr>
+          <p:nvPr>
+            <p:ph type="sldNum" sz="quarter" idx="12"/>
+          </p:nvPr>
+        </p:nvSpPr>
+        <p:spPr/>
+        <p:txBody>
+          <a:bodyPr/>
+          <a:lstStyle/>
+          <a:p>
+            <a:fld id="{69E57DC2-970A-4B3E-BB1C-7A09969E49DF}" type="slidenum">
+              <a:rPr lang="en-US" smtClean="0"/>
+              <a:t>12</a:t>
+            </a:fld>
+            <a:endParaRPr lang="en-US" dirty="0"/>
+          </a:p>
+        </p:txBody>
+      </p:sp>
+    </p:spTree>
+    <p:extLst>
+      <p:ext uri="{BB962C8B-B14F-4D97-AF65-F5344CB8AC3E}">
+        <p14:creationId xmlns:p14="http://schemas.microsoft.com/office/powerpoint/2010/main" val="3200713016"/>
+      </p:ext>
+    </p:extLst>
+  </p:cSld>
+  <p:clrMapOvr>
+    <a:masterClrMapping/>
+  </p:clrMapOvr>
+</p:sld>
+</file>
+
+<file path=ppt/slides/slide13.xml><?xml version="1.0" encoding="utf-8"?>
+<p:sld xmlns:a="http://schemas.openxmlformats.org/drawingml/2006/main" xmlns:r="http://schemas.openxmlformats.org/officeDocument/2006/relationships" xmlns:p="http://schemas.openxmlformats.org/presentationml/2006/main">
+  <p:cSld>
+    <p:spTree>
+      <p:nvGrpSpPr>
+        <p:cNvPr id="1" name=""/>
+        <p:cNvGrpSpPr/>
+        <p:nvPr/>
+      </p:nvGrpSpPr>
+      <p:grpSpPr>
+        <a:xfrm>
+          <a:off x="0" y="0"/>
+          <a:ext cx="0" cy="0"/>
+          <a:chOff x="0" y="0"/>
+          <a:chExt cx="0" cy="0"/>
+        </a:xfrm>
+      </p:grpSpPr>
+      <p:sp>
+        <p:nvSpPr>
+          <p:cNvPr id="2" name="Titre 1"/>
+          <p:cNvSpPr>
+            <a:spLocks noGrp="1"/>
+          </p:cNvSpPr>
+          <p:nvPr>
+            <p:ph type="title"/>
+          </p:nvPr>
+        </p:nvSpPr>
+        <p:spPr/>
+        <p:txBody>
+          <a:bodyPr/>
+          <a:lstStyle/>
+          <a:p>
+            <a:r>
+              <a:rPr lang="fr-FR" dirty="0" smtClean="0"/>
+              <a:t>Relance par mail</a:t>
+            </a:r>
+            <a:endParaRPr lang="fr-FR" dirty="0"/>
+          </a:p>
+        </p:txBody>
+      </p:sp>
+      <p:sp>
+        <p:nvSpPr>
+          <p:cNvPr id="3" name="Espace réservé du contenu 2"/>
+          <p:cNvSpPr>
+            <a:spLocks noGrp="1"/>
+          </p:cNvSpPr>
+          <p:nvPr>
+            <p:ph idx="1"/>
+          </p:nvPr>
+        </p:nvSpPr>
+        <p:spPr/>
+        <p:txBody>
+          <a:bodyPr/>
+          <a:lstStyle/>
+          <a:p>
+            <a:endParaRPr lang="fr-FR"/>
+          </a:p>
+        </p:txBody>
+      </p:sp>
+      <p:sp>
+        <p:nvSpPr>
+          <p:cNvPr id="4" name="Espace réservé du numéro de diapositive 3"/>
+          <p:cNvSpPr>
+            <a:spLocks noGrp="1"/>
+          </p:cNvSpPr>
+          <p:nvPr>
+            <p:ph type="sldNum" sz="quarter" idx="12"/>
+          </p:nvPr>
+        </p:nvSpPr>
+        <p:spPr/>
+        <p:txBody>
+          <a:bodyPr/>
+          <a:lstStyle/>
+          <a:p>
+            <a:fld id="{69E57DC2-970A-4B3E-BB1C-7A09969E49DF}" type="slidenum">
+              <a:rPr lang="en-US" smtClean="0"/>
+              <a:t>13</a:t>
+            </a:fld>
+            <a:endParaRPr lang="en-US" dirty="0"/>
+          </a:p>
+        </p:txBody>
+      </p:sp>
+    </p:spTree>
+    <p:extLst>
+      <p:ext uri="{BB962C8B-B14F-4D97-AF65-F5344CB8AC3E}">
+        <p14:creationId xmlns:p14="http://schemas.microsoft.com/office/powerpoint/2010/main" val="4098781809"/>
+      </p:ext>
+    </p:extLst>
+  </p:cSld>
+  <p:clrMapOvr>
+    <a:masterClrMapping/>
+  </p:clrMapOvr>
+</p:sld>
+</file>
+
+<file path=ppt/slides/slide14.xml><?xml version="1.0" encoding="utf-8"?>
+<p:sld xmlns:a="http://schemas.openxmlformats.org/drawingml/2006/main" xmlns:r="http://schemas.openxmlformats.org/officeDocument/2006/relationships" xmlns:p="http://schemas.openxmlformats.org/presentationml/2006/main">
+  <p:cSld>
+    <p:spTree>
+      <p:nvGrpSpPr>
+        <p:cNvPr id="1" name=""/>
+        <p:cNvGrpSpPr/>
+        <p:nvPr/>
+      </p:nvGrpSpPr>
+      <p:grpSpPr>
+        <a:xfrm>
+          <a:off x="0" y="0"/>
+          <a:ext cx="0" cy="0"/>
+          <a:chOff x="0" y="0"/>
+          <a:chExt cx="0" cy="0"/>
+        </a:xfrm>
+      </p:grpSpPr>
+      <p:sp>
+        <p:nvSpPr>
+          <p:cNvPr id="2" name="Titre 1"/>
+          <p:cNvSpPr>
+            <a:spLocks noGrp="1"/>
+          </p:cNvSpPr>
+          <p:nvPr>
+            <p:ph type="title"/>
+          </p:nvPr>
+        </p:nvSpPr>
+        <p:spPr/>
+        <p:txBody>
+          <a:bodyPr/>
+          <a:lstStyle/>
+          <a:p>
+            <a:r>
+              <a:rPr lang="fr-FR" dirty="0" smtClean="0"/>
+              <a:t>Tests unitaires</a:t>
+            </a:r>
+            <a:endParaRPr lang="fr-FR" dirty="0"/>
+          </a:p>
+        </p:txBody>
+      </p:sp>
+      <p:sp>
+        <p:nvSpPr>
+          <p:cNvPr id="3" name="Espace réservé du contenu 2"/>
+          <p:cNvSpPr>
+            <a:spLocks noGrp="1"/>
+          </p:cNvSpPr>
+          <p:nvPr>
+            <p:ph idx="1"/>
+          </p:nvPr>
+        </p:nvSpPr>
+        <p:spPr/>
+        <p:txBody>
+          <a:bodyPr/>
+          <a:lstStyle/>
+          <a:p>
+            <a:endParaRPr lang="fr-FR"/>
+          </a:p>
+        </p:txBody>
+      </p:sp>
+      <p:sp>
+        <p:nvSpPr>
+          <p:cNvPr id="4" name="Espace réservé du numéro de diapositive 3"/>
+          <p:cNvSpPr>
+            <a:spLocks noGrp="1"/>
+          </p:cNvSpPr>
+          <p:nvPr>
+            <p:ph type="sldNum" sz="quarter" idx="12"/>
+          </p:nvPr>
+        </p:nvSpPr>
+        <p:spPr/>
+        <p:txBody>
+          <a:bodyPr/>
+          <a:lstStyle/>
+          <a:p>
+            <a:fld id="{69E57DC2-970A-4B3E-BB1C-7A09969E49DF}" type="slidenum">
+              <a:rPr lang="en-US" smtClean="0"/>
+              <a:t>14</a:t>
+            </a:fld>
+            <a:endParaRPr lang="en-US" dirty="0"/>
+          </a:p>
+        </p:txBody>
+      </p:sp>
+    </p:spTree>
+    <p:extLst>
+      <p:ext uri="{BB962C8B-B14F-4D97-AF65-F5344CB8AC3E}">
+        <p14:creationId xmlns:p14="http://schemas.microsoft.com/office/powerpoint/2010/main" val="3253596041"/>
+      </p:ext>
+    </p:extLst>
+  </p:cSld>
+  <p:clrMapOvr>
+    <a:masterClrMapping/>
+  </p:clrMapOvr>
+</p:sld>
+</file>
+
+<file path=ppt/slides/slide15.xml><?xml version="1.0" encoding="utf-8"?>
+<p:sld xmlns:a="http://schemas.openxmlformats.org/drawingml/2006/main" xmlns:r="http://schemas.openxmlformats.org/officeDocument/2006/relationships" xmlns:p="http://schemas.openxmlformats.org/presentationml/2006/main">
+  <p:cSld>
+    <p:spTree>
+      <p:nvGrpSpPr>
+        <p:cNvPr id="1" name=""/>
+        <p:cNvGrpSpPr/>
+        <p:nvPr/>
+      </p:nvGrpSpPr>
+      <p:grpSpPr>
+        <a:xfrm>
+          <a:off x="0" y="0"/>
+          <a:ext cx="0" cy="0"/>
+          <a:chOff x="0" y="0"/>
+          <a:chExt cx="0" cy="0"/>
+        </a:xfrm>
+      </p:grpSpPr>
+      <p:sp>
+        <p:nvSpPr>
+          <p:cNvPr id="2" name="Titre 1"/>
+          <p:cNvSpPr>
+            <a:spLocks noGrp="1"/>
+          </p:cNvSpPr>
+          <p:nvPr>
+            <p:ph type="title"/>
+          </p:nvPr>
+        </p:nvSpPr>
+        <p:spPr/>
+        <p:txBody>
+          <a:bodyPr/>
+          <a:lstStyle/>
+          <a:p>
+            <a:r>
+              <a:rPr lang="fr-FR" dirty="0" smtClean="0"/>
+              <a:t>Système de logs</a:t>
+            </a:r>
+            <a:endParaRPr lang="fr-FR" dirty="0"/>
+          </a:p>
+        </p:txBody>
+      </p:sp>
+      <p:sp>
+        <p:nvSpPr>
+          <p:cNvPr id="3" name="Espace réservé du contenu 2"/>
+          <p:cNvSpPr>
+            <a:spLocks noGrp="1"/>
+          </p:cNvSpPr>
+          <p:nvPr>
+            <p:ph idx="1"/>
+          </p:nvPr>
+        </p:nvSpPr>
+        <p:spPr/>
+        <p:txBody>
+          <a:bodyPr/>
+          <a:lstStyle/>
+          <a:p>
+            <a:endParaRPr lang="fr-FR"/>
+          </a:p>
+        </p:txBody>
+      </p:sp>
+      <p:sp>
+        <p:nvSpPr>
+          <p:cNvPr id="4" name="Espace réservé du numéro de diapositive 3"/>
+          <p:cNvSpPr>
+            <a:spLocks noGrp="1"/>
+          </p:cNvSpPr>
+          <p:nvPr>
+            <p:ph type="sldNum" sz="quarter" idx="12"/>
+          </p:nvPr>
+        </p:nvSpPr>
+        <p:spPr/>
+        <p:txBody>
+          <a:bodyPr/>
+          <a:lstStyle/>
+          <a:p>
+            <a:fld id="{69E57DC2-970A-4B3E-BB1C-7A09969E49DF}" type="slidenum">
+              <a:rPr lang="en-US" smtClean="0"/>
+              <a:t>15</a:t>
+            </a:fld>
+            <a:endParaRPr lang="en-US" dirty="0"/>
+          </a:p>
+        </p:txBody>
+      </p:sp>
+    </p:spTree>
+    <p:extLst>
+      <p:ext uri="{BB962C8B-B14F-4D97-AF65-F5344CB8AC3E}">
+        <p14:creationId xmlns:p14="http://schemas.microsoft.com/office/powerpoint/2010/main" val="1383161176"/>
+      </p:ext>
+    </p:extLst>
+  </p:cSld>
+  <p:clrMapOvr>
+    <a:masterClrMapping/>
+  </p:clrMapOvr>
+</p:sld>
+</file>
+
+<file path=ppt/slides/slide16.xml><?xml version="1.0" encoding="utf-8"?>
+<p:sld xmlns:a="http://schemas.openxmlformats.org/drawingml/2006/main" xmlns:r="http://schemas.openxmlformats.org/officeDocument/2006/relationships" xmlns:p="http://schemas.openxmlformats.org/presentationml/2006/main">
+  <p:cSld>
+    <p:spTree>
+      <p:nvGrpSpPr>
+        <p:cNvPr id="1" name=""/>
+        <p:cNvGrpSpPr/>
+        <p:nvPr/>
+      </p:nvGrpSpPr>
+      <p:grpSpPr>
+        <a:xfrm>
+          <a:off x="0" y="0"/>
+          <a:ext cx="0" cy="0"/>
+          <a:chOff x="0" y="0"/>
+          <a:chExt cx="0" cy="0"/>
+        </a:xfrm>
+      </p:grpSpPr>
+      <p:sp>
+        <p:nvSpPr>
+          <p:cNvPr id="2" name="Titre 1"/>
+          <p:cNvSpPr>
+            <a:spLocks noGrp="1"/>
+          </p:cNvSpPr>
+          <p:nvPr>
+            <p:ph type="title"/>
+          </p:nvPr>
+        </p:nvSpPr>
+        <p:spPr/>
+        <p:txBody>
+          <a:bodyPr/>
+          <a:lstStyle/>
+          <a:p>
+            <a:r>
+              <a:rPr lang="fr-FR" dirty="0" smtClean="0"/>
+              <a:t>Traduction</a:t>
+            </a:r>
+            <a:endParaRPr lang="fr-FR" dirty="0"/>
+          </a:p>
+        </p:txBody>
+      </p:sp>
+      <p:sp>
+        <p:nvSpPr>
+          <p:cNvPr id="3" name="Espace réservé du contenu 2"/>
+          <p:cNvSpPr>
+            <a:spLocks noGrp="1"/>
+          </p:cNvSpPr>
+          <p:nvPr>
+            <p:ph idx="1"/>
+          </p:nvPr>
+        </p:nvSpPr>
+        <p:spPr/>
+        <p:txBody>
+          <a:bodyPr/>
+          <a:lstStyle/>
+          <a:p>
+            <a:endParaRPr lang="fr-FR"/>
+          </a:p>
+        </p:txBody>
+      </p:sp>
+      <p:sp>
+        <p:nvSpPr>
+          <p:cNvPr id="4" name="Espace réservé du numéro de diapositive 3"/>
+          <p:cNvSpPr>
+            <a:spLocks noGrp="1"/>
+          </p:cNvSpPr>
+          <p:nvPr>
+            <p:ph type="sldNum" sz="quarter" idx="12"/>
+          </p:nvPr>
+        </p:nvSpPr>
+        <p:spPr/>
+        <p:txBody>
+          <a:bodyPr/>
+          <a:lstStyle/>
+          <a:p>
+            <a:fld id="{69E57DC2-970A-4B3E-BB1C-7A09969E49DF}" type="slidenum">
+              <a:rPr lang="en-US" smtClean="0"/>
+              <a:t>16</a:t>
+            </a:fld>
+            <a:endParaRPr lang="en-US" dirty="0"/>
+          </a:p>
+        </p:txBody>
+      </p:sp>
+    </p:spTree>
+    <p:extLst>
+      <p:ext uri="{BB962C8B-B14F-4D97-AF65-F5344CB8AC3E}">
+        <p14:creationId xmlns:p14="http://schemas.microsoft.com/office/powerpoint/2010/main" val="4157047504"/>
+      </p:ext>
+    </p:extLst>
+  </p:cSld>
+  <p:clrMapOvr>
+    <a:masterClrMapping/>
+  </p:clrMapOvr>
+</p:sld>
+</file>
+
+<file path=ppt/slides/slide17.xml><?xml version="1.0" encoding="utf-8"?>
+<p:sld xmlns:a="http://schemas.openxmlformats.org/drawingml/2006/main" xmlns:r="http://schemas.openxmlformats.org/officeDocument/2006/relationships" xmlns:p="http://schemas.openxmlformats.org/presentationml/2006/main">
+  <p:cSld>
+    <p:spTree>
+      <p:nvGrpSpPr>
+        <p:cNvPr id="1" name=""/>
+        <p:cNvGrpSpPr/>
+        <p:nvPr/>
+      </p:nvGrpSpPr>
+      <p:grpSpPr>
+        <a:xfrm>
+          <a:off x="0" y="0"/>
+          <a:ext cx="0" cy="0"/>
+          <a:chOff x="0" y="0"/>
+          <a:chExt cx="0" cy="0"/>
+        </a:xfrm>
+      </p:grpSpPr>
+      <p:sp>
+        <p:nvSpPr>
+          <p:cNvPr id="2" name="Titre 1"/>
+          <p:cNvSpPr>
+            <a:spLocks noGrp="1"/>
+          </p:cNvSpPr>
+          <p:nvPr>
+            <p:ph type="title"/>
+          </p:nvPr>
+        </p:nvSpPr>
+        <p:spPr/>
+        <p:txBody>
+          <a:bodyPr/>
+          <a:lstStyle/>
+          <a:p>
+            <a:r>
+              <a:rPr lang="fr-FR" dirty="0" smtClean="0"/>
+              <a:t>Responsive</a:t>
+            </a:r>
+            <a:endParaRPr lang="fr-FR" dirty="0"/>
+          </a:p>
+        </p:txBody>
+      </p:sp>
+      <p:sp>
+        <p:nvSpPr>
+          <p:cNvPr id="3" name="Espace réservé du contenu 2"/>
+          <p:cNvSpPr>
+            <a:spLocks noGrp="1"/>
+          </p:cNvSpPr>
+          <p:nvPr>
+            <p:ph idx="1"/>
+          </p:nvPr>
+        </p:nvSpPr>
+        <p:spPr/>
+        <p:txBody>
+          <a:bodyPr/>
+          <a:lstStyle/>
+          <a:p>
+            <a:endParaRPr lang="fr-FR"/>
+          </a:p>
+        </p:txBody>
+      </p:sp>
+      <p:sp>
+        <p:nvSpPr>
+          <p:cNvPr id="4" name="Espace réservé du numéro de diapositive 3"/>
+          <p:cNvSpPr>
+            <a:spLocks noGrp="1"/>
+          </p:cNvSpPr>
+          <p:nvPr>
+            <p:ph type="sldNum" sz="quarter" idx="12"/>
+          </p:nvPr>
+        </p:nvSpPr>
+        <p:spPr/>
+        <p:txBody>
+          <a:bodyPr/>
+          <a:lstStyle/>
+          <a:p>
+            <a:fld id="{69E57DC2-970A-4B3E-BB1C-7A09969E49DF}" type="slidenum">
+              <a:rPr lang="en-US" smtClean="0"/>
+              <a:t>17</a:t>
+            </a:fld>
+            <a:endParaRPr lang="en-US" dirty="0"/>
+          </a:p>
+        </p:txBody>
+      </p:sp>
+    </p:spTree>
+    <p:extLst>
+      <p:ext uri="{BB962C8B-B14F-4D97-AF65-F5344CB8AC3E}">
+        <p14:creationId xmlns:p14="http://schemas.microsoft.com/office/powerpoint/2010/main" val="1521388961"/>
+      </p:ext>
+    </p:extLst>
+  </p:cSld>
+  <p:clrMapOvr>
+    <a:masterClrMapping/>
+  </p:clrMapOvr>
+</p:sld>
+</file>
+
+<file path=ppt/slides/slide18.xml><?xml version="1.0" encoding="utf-8"?>
+<p:sld xmlns:a="http://schemas.openxmlformats.org/drawingml/2006/main" xmlns:r="http://schemas.openxmlformats.org/officeDocument/2006/relationships" xmlns:p="http://schemas.openxmlformats.org/presentationml/2006/main">
+  <p:cSld>
+    <p:spTree>
+      <p:nvGrpSpPr>
+        <p:cNvPr id="1" name=""/>
+        <p:cNvGrpSpPr/>
+        <p:nvPr/>
+      </p:nvGrpSpPr>
+      <p:grpSpPr>
+        <a:xfrm>
+          <a:off x="0" y="0"/>
+          <a:ext cx="0" cy="0"/>
+          <a:chOff x="0" y="0"/>
+          <a:chExt cx="0" cy="0"/>
+        </a:xfrm>
+      </p:grpSpPr>
+      <p:sp>
+        <p:nvSpPr>
           <p:cNvPr id="2" name="Titre 1">
             <a:extLst>
               <a:ext uri="{FF2B5EF4-FFF2-40B4-BE49-F238E27FC236}">
@@ -4454,7 +5135,7 @@
             <a:fld id="{69E57DC2-970A-4B3E-BB1C-7A09969E49DF}" type="slidenum">
               <a:rPr lang="en-US" smtClean="0"/>
               <a:pPr/>
-              <a:t>11</a:t>
+              <a:t>18</a:t>
             </a:fld>
             <a:endParaRPr lang="en-US" dirty="0"/>
           </a:p>
@@ -5022,7 +5703,6 @@
               <a:rPr lang="fr-FR" dirty="0" smtClean="0"/>
               <a:t>UMR du CNRS</a:t>
             </a:r>
-            <a:endParaRPr lang="fr-FR" dirty="0" smtClean="0"/>
           </a:p>
           <a:p>
             <a:r>
@@ -6088,7 +6768,11 @@
           <a:bodyPr/>
           <a:lstStyle/>
           <a:p>
-            <a:endParaRPr lang="fr-FR"/>
+            <a:r>
+              <a:rPr lang="fr-FR" dirty="0" smtClean="0"/>
+              <a:t>Moyens Techniques</a:t>
+            </a:r>
+            <a:endParaRPr lang="fr-FR" dirty="0"/>
           </a:p>
         </p:txBody>
       </p:sp>

--- a/ressources/CDA_Projet_Repotech_Yoan_Deconinck.pptx
+++ b/ressources/CDA_Projet_Repotech_Yoan_Deconinck.pptx
@@ -5,7 +5,7 @@
     <p:sldMasterId id="2147483648" r:id="rId1"/>
   </p:sldMasterIdLst>
   <p:notesMasterIdLst>
-    <p:notesMasterId r:id="rId20"/>
+    <p:notesMasterId r:id="rId21"/>
   </p:notesMasterIdLst>
   <p:sldIdLst>
     <p:sldId id="256" r:id="rId2"/>
@@ -19,13 +19,14 @@
     <p:sldId id="261" r:id="rId10"/>
     <p:sldId id="267" r:id="rId11"/>
     <p:sldId id="265" r:id="rId12"/>
-    <p:sldId id="268" r:id="rId13"/>
-    <p:sldId id="269" r:id="rId14"/>
-    <p:sldId id="270" r:id="rId15"/>
-    <p:sldId id="271" r:id="rId16"/>
-    <p:sldId id="272" r:id="rId17"/>
-    <p:sldId id="273" r:id="rId18"/>
-    <p:sldId id="266" r:id="rId19"/>
+    <p:sldId id="274" r:id="rId13"/>
+    <p:sldId id="268" r:id="rId14"/>
+    <p:sldId id="269" r:id="rId15"/>
+    <p:sldId id="270" r:id="rId16"/>
+    <p:sldId id="271" r:id="rId17"/>
+    <p:sldId id="272" r:id="rId18"/>
+    <p:sldId id="273" r:id="rId19"/>
+    <p:sldId id="266" r:id="rId20"/>
   </p:sldIdLst>
   <p:sldSz cx="12192000" cy="6858000"/>
   <p:notesSz cx="6858000" cy="9144000"/>
@@ -214,7 +215,7 @@
           <a:p>
             <a:fld id="{9917A500-0574-4A15-95B2-4ED4DF856D10}" type="datetimeFigureOut">
               <a:rPr lang="fr-FR" smtClean="0"/>
-              <a:t>02/06/2023</a:t>
+              <a:t>04/06/2023</a:t>
             </a:fld>
             <a:endParaRPr lang="fr-FR"/>
           </a:p>
@@ -650,7 +651,7 @@
           <a:p>
             <a:fld id="{AE3BC510-9AD2-480F-946F-812144CA2311}" type="datetime1">
               <a:rPr lang="en-US" smtClean="0"/>
-              <a:t>6/2/2023</a:t>
+              <a:t>6/4/2023</a:t>
             </a:fld>
             <a:endParaRPr lang="en-US" dirty="0"/>
           </a:p>
@@ -976,7 +977,7 @@
           <a:p>
             <a:fld id="{B724DF62-1B67-4E6D-BC76-5B2E23E31DE9}" type="datetime1">
               <a:rPr lang="en-US" smtClean="0"/>
-              <a:t>6/2/2023</a:t>
+              <a:t>6/4/2023</a:t>
             </a:fld>
             <a:endParaRPr lang="en-US" dirty="0"/>
           </a:p>
@@ -1151,7 +1152,7 @@
           <a:p>
             <a:fld id="{45B7B551-8497-4EE7-80D0-C0C7AE0BDAC3}" type="datetime1">
               <a:rPr lang="en-US" smtClean="0"/>
-              <a:t>6/2/2023</a:t>
+              <a:t>6/4/2023</a:t>
             </a:fld>
             <a:endParaRPr lang="en-US" dirty="0"/>
           </a:p>
@@ -1316,7 +1317,7 @@
           <a:p>
             <a:fld id="{B95823FF-46D8-466B-9B25-3C04FE4DACFC}" type="datetime1">
               <a:rPr lang="en-US" smtClean="0"/>
-              <a:t>6/2/2023</a:t>
+              <a:t>6/4/2023</a:t>
             </a:fld>
             <a:endParaRPr lang="en-US" dirty="0"/>
           </a:p>
@@ -1588,7 +1589,7 @@
           <a:p>
             <a:fld id="{3D542EFB-AC21-4098-8256-0FEB9F4F12AA}" type="datetime1">
               <a:rPr lang="en-US" smtClean="0"/>
-              <a:t>6/2/2023</a:t>
+              <a:t>6/4/2023</a:t>
             </a:fld>
             <a:endParaRPr lang="en-US" dirty="0"/>
           </a:p>
@@ -1978,7 +1979,7 @@
           <a:p>
             <a:fld id="{F885D306-C8A4-43A7-8353-0A2E8E90AB5C}" type="datetime1">
               <a:rPr lang="en-US" smtClean="0"/>
-              <a:t>6/2/2023</a:t>
+              <a:t>6/4/2023</a:t>
             </a:fld>
             <a:endParaRPr lang="en-US" dirty="0"/>
           </a:p>
@@ -2450,7 +2451,7 @@
           <a:p>
             <a:fld id="{2B6B083E-2F74-48BB-8EF9-49960B3F3058}" type="datetime1">
               <a:rPr lang="en-US" smtClean="0"/>
-              <a:t>6/2/2023</a:t>
+              <a:t>6/4/2023</a:t>
             </a:fld>
             <a:endParaRPr lang="en-US" dirty="0"/>
           </a:p>
@@ -2563,7 +2564,7 @@
           <a:p>
             <a:fld id="{9E13F5A8-DC50-4454-B8B2-A29ECA13C144}" type="datetime1">
               <a:rPr lang="en-US" smtClean="0"/>
-              <a:t>6/2/2023</a:t>
+              <a:t>6/4/2023</a:t>
             </a:fld>
             <a:endParaRPr lang="en-US" dirty="0"/>
           </a:p>
@@ -2653,7 +2654,7 @@
           <a:p>
             <a:fld id="{3FDB2FD2-DBFA-4B64-B0A5-75D777391947}" type="datetime1">
               <a:rPr lang="en-US" smtClean="0"/>
-              <a:t>6/2/2023</a:t>
+              <a:t>6/4/2023</a:t>
             </a:fld>
             <a:endParaRPr lang="en-US" dirty="0"/>
           </a:p>
@@ -2994,7 +2995,7 @@
           <a:p>
             <a:fld id="{67A685A6-A975-4F33-8DCB-2917F2673AC4}" type="datetime1">
               <a:rPr lang="en-US" smtClean="0"/>
-              <a:t>6/2/2023</a:t>
+              <a:t>6/4/2023</a:t>
             </a:fld>
             <a:endParaRPr lang="en-US" dirty="0"/>
           </a:p>
@@ -3378,7 +3379,7 @@
           <a:p>
             <a:fld id="{66F5D41C-CC31-4372-9BD8-40139430872E}" type="datetime1">
               <a:rPr lang="en-US" smtClean="0"/>
-              <a:t>6/2/2023</a:t>
+              <a:t>6/4/2023</a:t>
             </a:fld>
             <a:endParaRPr lang="en-US" dirty="0"/>
           </a:p>
@@ -3652,7 +3653,7 @@
           <a:p>
             <a:fld id="{0F1ED1E7-7202-47E9-92E6-A6625081A6C0}" type="datetime1">
               <a:rPr lang="en-US" smtClean="0"/>
-              <a:t>6/2/2023</a:t>
+              <a:t>6/4/2023</a:t>
             </a:fld>
             <a:endParaRPr lang="en-US" dirty="0"/>
           </a:p>
@@ -4095,7 +4096,7 @@
       </a:lvl9pPr>
     </p:otherStyle>
   </p:txStyles>
-  <p:extLst mod="1">
+  <p:extLst>
     <p:ext uri="{27BBF7A9-308A-43DC-89C8-2F10F3537804}">
       <p15:sldGuideLst xmlns:p15="http://schemas.microsoft.com/office/powerpoint/2012/main">
         <p15:guide id="3" orient="horz" pos="1368">
@@ -4226,12 +4227,8 @@
           <a:lstStyle/>
           <a:p>
             <a:r>
-              <a:rPr lang="fr-FR" dirty="0" smtClean="0"/>
-              <a:t>Présentation par </a:t>
-            </a:r>
-            <a:r>
               <a:rPr lang="fr-FR" dirty="0"/>
-              <a:t>Yoan DECONINCK</a:t>
+              <a:t>Présentation par Yoan DECONINCK</a:t>
             </a:r>
           </a:p>
         </p:txBody>
@@ -4306,13 +4303,6 @@
   <p:clrMapOvr>
     <a:masterClrMapping/>
   </p:clrMapOvr>
-  <p:timing>
-    <p:tnLst>
-      <p:par>
-        <p:cTn id="1" dur="indefinite" restart="never" nodeType="tmRoot"/>
-      </p:par>
-    </p:tnLst>
-  </p:timing>
 </p:sld>
 </file>
 
@@ -4349,29 +4339,9 @@
           <a:lstStyle/>
           <a:p>
             <a:r>
-              <a:rPr lang="fr-FR" dirty="0" smtClean="0"/>
+              <a:rPr lang="fr-FR" dirty="0"/>
               <a:t>Moyens Technologiques</a:t>
             </a:r>
-            <a:endParaRPr lang="fr-FR" dirty="0"/>
-          </a:p>
-        </p:txBody>
-      </p:sp>
-      <p:sp>
-        <p:nvSpPr>
-          <p:cNvPr id="3" name="Espace réservé du contenu 2"/>
-          <p:cNvSpPr>
-            <a:spLocks noGrp="1"/>
-          </p:cNvSpPr>
-          <p:nvPr>
-            <p:ph idx="1"/>
-          </p:nvPr>
-        </p:nvSpPr>
-        <p:spPr/>
-        <p:txBody>
-          <a:bodyPr/>
-          <a:lstStyle/>
-          <a:p>
-            <a:endParaRPr lang="fr-FR"/>
           </a:p>
         </p:txBody>
       </p:sp>
@@ -4398,6 +4368,366 @@
           </a:p>
         </p:txBody>
       </p:sp>
+      <p:pic>
+        <p:nvPicPr>
+          <p:cNvPr id="7" name="Image 6">
+            <a:extLst>
+              <a:ext uri="{FF2B5EF4-FFF2-40B4-BE49-F238E27FC236}">
+                <a16:creationId xmlns:a16="http://schemas.microsoft.com/office/drawing/2014/main" id="{DF3D403B-132B-6584-2BE3-E22C42DE6C9D}"/>
+              </a:ext>
+            </a:extLst>
+          </p:cNvPr>
+          <p:cNvPicPr>
+            <a:picLocks noChangeAspect="1"/>
+          </p:cNvPicPr>
+          <p:nvPr/>
+        </p:nvPicPr>
+        <p:blipFill>
+          <a:blip r:embed="rId2" cstate="print">
+            <a:extLst>
+              <a:ext uri="{28A0092B-C50C-407E-A947-70E740481C1C}">
+                <a14:useLocalDpi xmlns:a14="http://schemas.microsoft.com/office/drawing/2010/main" val="0"/>
+              </a:ext>
+            </a:extLst>
+          </a:blip>
+          <a:stretch>
+            <a:fillRect/>
+          </a:stretch>
+        </p:blipFill>
+        <p:spPr>
+          <a:xfrm>
+            <a:off x="7769467" y="1437308"/>
+            <a:ext cx="1558290" cy="1333500"/>
+          </a:xfrm>
+          <a:prstGeom prst="rect">
+            <a:avLst/>
+          </a:prstGeom>
+        </p:spPr>
+      </p:pic>
+      <p:pic>
+        <p:nvPicPr>
+          <p:cNvPr id="8" name="Image 7">
+            <a:extLst>
+              <a:ext uri="{FF2B5EF4-FFF2-40B4-BE49-F238E27FC236}">
+                <a16:creationId xmlns:a16="http://schemas.microsoft.com/office/drawing/2014/main" id="{CEB15694-D6AB-A31D-539E-7A27EBCD7CAC}"/>
+              </a:ext>
+            </a:extLst>
+          </p:cNvPr>
+          <p:cNvPicPr>
+            <a:picLocks noChangeAspect="1"/>
+          </p:cNvPicPr>
+          <p:nvPr/>
+        </p:nvPicPr>
+        <p:blipFill>
+          <a:blip r:embed="rId3">
+            <a:extLst>
+              <a:ext uri="{28A0092B-C50C-407E-A947-70E740481C1C}">
+                <a14:useLocalDpi xmlns:a14="http://schemas.microsoft.com/office/drawing/2010/main" val="0"/>
+              </a:ext>
+            </a:extLst>
+          </a:blip>
+          <a:stretch>
+            <a:fillRect/>
+          </a:stretch>
+        </p:blipFill>
+        <p:spPr>
+          <a:xfrm>
+            <a:off x="10337169" y="1053451"/>
+            <a:ext cx="1524000" cy="2101215"/>
+          </a:xfrm>
+          <a:prstGeom prst="rect">
+            <a:avLst/>
+          </a:prstGeom>
+        </p:spPr>
+      </p:pic>
+      <p:pic>
+        <p:nvPicPr>
+          <p:cNvPr id="9" name="Image 8">
+            <a:extLst>
+              <a:ext uri="{FF2B5EF4-FFF2-40B4-BE49-F238E27FC236}">
+                <a16:creationId xmlns:a16="http://schemas.microsoft.com/office/drawing/2014/main" id="{74554E19-5DD7-DF7E-9892-953E4171A59F}"/>
+              </a:ext>
+            </a:extLst>
+          </p:cNvPr>
+          <p:cNvPicPr>
+            <a:picLocks noChangeAspect="1"/>
+          </p:cNvPicPr>
+          <p:nvPr/>
+        </p:nvPicPr>
+        <p:blipFill>
+          <a:blip r:embed="rId4">
+            <a:extLst>
+              <a:ext uri="{28A0092B-C50C-407E-A947-70E740481C1C}">
+                <a14:useLocalDpi xmlns:a14="http://schemas.microsoft.com/office/drawing/2010/main" val="0"/>
+              </a:ext>
+            </a:extLst>
+          </a:blip>
+          <a:stretch>
+            <a:fillRect/>
+          </a:stretch>
+        </p:blipFill>
+        <p:spPr>
+          <a:xfrm>
+            <a:off x="1196788" y="3553032"/>
+            <a:ext cx="3333750" cy="838200"/>
+          </a:xfrm>
+          <a:prstGeom prst="rect">
+            <a:avLst/>
+          </a:prstGeom>
+        </p:spPr>
+      </p:pic>
+      <p:pic>
+        <p:nvPicPr>
+          <p:cNvPr id="10" name="Image 9">
+            <a:extLst>
+              <a:ext uri="{FF2B5EF4-FFF2-40B4-BE49-F238E27FC236}">
+                <a16:creationId xmlns:a16="http://schemas.microsoft.com/office/drawing/2014/main" id="{BD5FC607-347F-F601-F316-70A809BF88BF}"/>
+              </a:ext>
+            </a:extLst>
+          </p:cNvPr>
+          <p:cNvPicPr>
+            <a:picLocks noChangeAspect="1"/>
+          </p:cNvPicPr>
+          <p:nvPr/>
+        </p:nvPicPr>
+        <p:blipFill>
+          <a:blip r:embed="rId5" cstate="print">
+            <a:extLst>
+              <a:ext uri="{28A0092B-C50C-407E-A947-70E740481C1C}">
+                <a14:useLocalDpi xmlns:a14="http://schemas.microsoft.com/office/drawing/2010/main" val="0"/>
+              </a:ext>
+            </a:extLst>
+          </a:blip>
+          <a:stretch>
+            <a:fillRect/>
+          </a:stretch>
+        </p:blipFill>
+        <p:spPr>
+          <a:xfrm>
+            <a:off x="5404590" y="3193096"/>
+            <a:ext cx="1343025" cy="1343025"/>
+          </a:xfrm>
+          <a:prstGeom prst="rect">
+            <a:avLst/>
+          </a:prstGeom>
+        </p:spPr>
+      </p:pic>
+      <p:pic>
+        <p:nvPicPr>
+          <p:cNvPr id="11" name="Image 10">
+            <a:extLst>
+              <a:ext uri="{FF2B5EF4-FFF2-40B4-BE49-F238E27FC236}">
+                <a16:creationId xmlns:a16="http://schemas.microsoft.com/office/drawing/2014/main" id="{8E432E4B-AE1F-AF29-7097-F2B7C9BB61D0}"/>
+              </a:ext>
+            </a:extLst>
+          </p:cNvPr>
+          <p:cNvPicPr>
+            <a:picLocks noChangeAspect="1"/>
+          </p:cNvPicPr>
+          <p:nvPr/>
+        </p:nvPicPr>
+        <p:blipFill>
+          <a:blip r:embed="rId6" cstate="print">
+            <a:extLst>
+              <a:ext uri="{28A0092B-C50C-407E-A947-70E740481C1C}">
+                <a14:useLocalDpi xmlns:a14="http://schemas.microsoft.com/office/drawing/2010/main" val="0"/>
+              </a:ext>
+            </a:extLst>
+          </a:blip>
+          <a:stretch>
+            <a:fillRect/>
+          </a:stretch>
+        </p:blipFill>
+        <p:spPr>
+          <a:xfrm>
+            <a:off x="7202600" y="3154666"/>
+            <a:ext cx="917575" cy="1295400"/>
+          </a:xfrm>
+          <a:prstGeom prst="rect">
+            <a:avLst/>
+          </a:prstGeom>
+        </p:spPr>
+      </p:pic>
+      <p:pic>
+        <p:nvPicPr>
+          <p:cNvPr id="12" name="Image 11">
+            <a:extLst>
+              <a:ext uri="{FF2B5EF4-FFF2-40B4-BE49-F238E27FC236}">
+                <a16:creationId xmlns:a16="http://schemas.microsoft.com/office/drawing/2014/main" id="{0EDCBB4C-E29E-0453-3B5A-3C17FD5EE9CC}"/>
+              </a:ext>
+            </a:extLst>
+          </p:cNvPr>
+          <p:cNvPicPr>
+            <a:picLocks noChangeAspect="1"/>
+          </p:cNvPicPr>
+          <p:nvPr/>
+        </p:nvPicPr>
+        <p:blipFill>
+          <a:blip r:embed="rId7">
+            <a:extLst>
+              <a:ext uri="{28A0092B-C50C-407E-A947-70E740481C1C}">
+                <a14:useLocalDpi xmlns:a14="http://schemas.microsoft.com/office/drawing/2010/main" val="0"/>
+              </a:ext>
+            </a:extLst>
+          </a:blip>
+          <a:stretch>
+            <a:fillRect/>
+          </a:stretch>
+        </p:blipFill>
+        <p:spPr>
+          <a:xfrm>
+            <a:off x="9291516" y="2945330"/>
+            <a:ext cx="2457450" cy="2457450"/>
+          </a:xfrm>
+          <a:prstGeom prst="rect">
+            <a:avLst/>
+          </a:prstGeom>
+        </p:spPr>
+      </p:pic>
+      <p:pic>
+        <p:nvPicPr>
+          <p:cNvPr id="13" name="Image 12">
+            <a:extLst>
+              <a:ext uri="{FF2B5EF4-FFF2-40B4-BE49-F238E27FC236}">
+                <a16:creationId xmlns:a16="http://schemas.microsoft.com/office/drawing/2014/main" id="{4A8AB373-F645-68C2-AFA4-F99B5849D0AF}"/>
+              </a:ext>
+            </a:extLst>
+          </p:cNvPr>
+          <p:cNvPicPr>
+            <a:picLocks noChangeAspect="1"/>
+          </p:cNvPicPr>
+          <p:nvPr/>
+        </p:nvPicPr>
+        <p:blipFill>
+          <a:blip r:embed="rId8">
+            <a:extLst>
+              <a:ext uri="{28A0092B-C50C-407E-A947-70E740481C1C}">
+                <a14:useLocalDpi xmlns:a14="http://schemas.microsoft.com/office/drawing/2010/main" val="0"/>
+              </a:ext>
+            </a:extLst>
+          </a:blip>
+          <a:stretch>
+            <a:fillRect/>
+          </a:stretch>
+        </p:blipFill>
+        <p:spPr>
+          <a:xfrm>
+            <a:off x="4443594" y="4916280"/>
+            <a:ext cx="1323975" cy="1323975"/>
+          </a:xfrm>
+          <a:prstGeom prst="rect">
+            <a:avLst/>
+          </a:prstGeom>
+        </p:spPr>
+      </p:pic>
+      <p:pic>
+        <p:nvPicPr>
+          <p:cNvPr id="14" name="Image 13">
+            <a:extLst>
+              <a:ext uri="{FF2B5EF4-FFF2-40B4-BE49-F238E27FC236}">
+                <a16:creationId xmlns:a16="http://schemas.microsoft.com/office/drawing/2014/main" id="{6E857840-02E3-AB66-34B5-A3F6E31C7FDF}"/>
+              </a:ext>
+            </a:extLst>
+          </p:cNvPr>
+          <p:cNvPicPr>
+            <a:picLocks noChangeAspect="1"/>
+          </p:cNvPicPr>
+          <p:nvPr/>
+        </p:nvPicPr>
+        <p:blipFill>
+          <a:blip r:embed="rId9" cstate="print">
+            <a:extLst>
+              <a:ext uri="{28A0092B-C50C-407E-A947-70E740481C1C}">
+                <a14:useLocalDpi xmlns:a14="http://schemas.microsoft.com/office/drawing/2010/main" val="0"/>
+              </a:ext>
+            </a:extLst>
+          </a:blip>
+          <a:stretch>
+            <a:fillRect/>
+          </a:stretch>
+        </p:blipFill>
+        <p:spPr>
+          <a:xfrm>
+            <a:off x="6241601" y="5053272"/>
+            <a:ext cx="1571625" cy="1076325"/>
+          </a:xfrm>
+          <a:prstGeom prst="rect">
+            <a:avLst/>
+          </a:prstGeom>
+        </p:spPr>
+      </p:pic>
+      <p:pic>
+        <p:nvPicPr>
+          <p:cNvPr id="15" name="Image 14">
+            <a:extLst>
+              <a:ext uri="{FF2B5EF4-FFF2-40B4-BE49-F238E27FC236}">
+                <a16:creationId xmlns:a16="http://schemas.microsoft.com/office/drawing/2014/main" id="{E9AD3EFF-2B43-60F6-F469-F74235421506}"/>
+              </a:ext>
+            </a:extLst>
+          </p:cNvPr>
+          <p:cNvPicPr>
+            <a:picLocks noChangeAspect="1"/>
+          </p:cNvPicPr>
+          <p:nvPr/>
+        </p:nvPicPr>
+        <p:blipFill>
+          <a:blip r:embed="rId10" cstate="print">
+            <a:extLst>
+              <a:ext uri="{28A0092B-C50C-407E-A947-70E740481C1C}">
+                <a14:useLocalDpi xmlns:a14="http://schemas.microsoft.com/office/drawing/2010/main" val="0"/>
+              </a:ext>
+            </a:extLst>
+          </a:blip>
+          <a:stretch>
+            <a:fillRect/>
+          </a:stretch>
+        </p:blipFill>
+        <p:spPr>
+          <a:xfrm>
+            <a:off x="1223304" y="1665604"/>
+            <a:ext cx="2085975" cy="1172845"/>
+          </a:xfrm>
+          <a:prstGeom prst="rect">
+            <a:avLst/>
+          </a:prstGeom>
+        </p:spPr>
+      </p:pic>
+      <p:pic>
+        <p:nvPicPr>
+          <p:cNvPr id="16" name="Image 15">
+            <a:extLst>
+              <a:ext uri="{FF2B5EF4-FFF2-40B4-BE49-F238E27FC236}">
+                <a16:creationId xmlns:a16="http://schemas.microsoft.com/office/drawing/2014/main" id="{9C68738B-DD50-74A5-059D-42B6F6950D57}"/>
+              </a:ext>
+            </a:extLst>
+          </p:cNvPr>
+          <p:cNvPicPr>
+            <a:picLocks noChangeAspect="1"/>
+          </p:cNvPicPr>
+          <p:nvPr/>
+        </p:nvPicPr>
+        <p:blipFill>
+          <a:blip r:embed="rId11" cstate="print">
+            <a:extLst>
+              <a:ext uri="{28A0092B-C50C-407E-A947-70E740481C1C}">
+                <a14:useLocalDpi xmlns:a14="http://schemas.microsoft.com/office/drawing/2010/main" val="0"/>
+              </a:ext>
+            </a:extLst>
+          </a:blip>
+          <a:stretch>
+            <a:fillRect/>
+          </a:stretch>
+        </p:blipFill>
+        <p:spPr>
+          <a:xfrm>
+            <a:off x="4020991" y="1589035"/>
+            <a:ext cx="2553335" cy="1000125"/>
+          </a:xfrm>
+          <a:prstGeom prst="rect">
+            <a:avLst/>
+          </a:prstGeom>
+        </p:spPr>
+      </p:pic>
     </p:spTree>
     <p:extLst>
       <p:ext uri="{BB962C8B-B14F-4D97-AF65-F5344CB8AC3E}">
@@ -4408,6 +4738,530 @@
   <p:clrMapOvr>
     <a:masterClrMapping/>
   </p:clrMapOvr>
+  <p:timing>
+    <p:tnLst>
+      <p:par>
+        <p:cTn id="1" dur="indefinite" restart="never" nodeType="tmRoot">
+          <p:childTnLst>
+            <p:seq concurrent="1" nextAc="seek">
+              <p:cTn id="2" dur="indefinite" nodeType="mainSeq">
+                <p:childTnLst>
+                  <p:par>
+                    <p:cTn id="3" fill="hold">
+                      <p:stCondLst>
+                        <p:cond delay="indefinite"/>
+                      </p:stCondLst>
+                      <p:childTnLst>
+                        <p:par>
+                          <p:cTn id="4" fill="hold">
+                            <p:stCondLst>
+                              <p:cond delay="0"/>
+                            </p:stCondLst>
+                            <p:childTnLst>
+                              <p:par>
+                                <p:cTn id="5" presetID="10" presetClass="entr" presetSubtype="0" fill="hold" nodeType="clickEffect">
+                                  <p:stCondLst>
+                                    <p:cond delay="0"/>
+                                  </p:stCondLst>
+                                  <p:childTnLst>
+                                    <p:set>
+                                      <p:cBhvr>
+                                        <p:cTn id="6" dur="1" fill="hold">
+                                          <p:stCondLst>
+                                            <p:cond delay="0"/>
+                                          </p:stCondLst>
+                                        </p:cTn>
+                                        <p:tgtEl>
+                                          <p:spTgt spid="15"/>
+                                        </p:tgtEl>
+                                        <p:attrNameLst>
+                                          <p:attrName>style.visibility</p:attrName>
+                                        </p:attrNameLst>
+                                      </p:cBhvr>
+                                      <p:to>
+                                        <p:strVal val="visible"/>
+                                      </p:to>
+                                    </p:set>
+                                    <p:animEffect transition="in" filter="fade">
+                                      <p:cBhvr>
+                                        <p:cTn id="7" dur="500"/>
+                                        <p:tgtEl>
+                                          <p:spTgt spid="15"/>
+                                        </p:tgtEl>
+                                      </p:cBhvr>
+                                    </p:animEffect>
+                                  </p:childTnLst>
+                                </p:cTn>
+                              </p:par>
+                              <p:par>
+                                <p:cTn id="8" presetID="10" presetClass="entr" presetSubtype="0" fill="hold" nodeType="withEffect">
+                                  <p:stCondLst>
+                                    <p:cond delay="0"/>
+                                  </p:stCondLst>
+                                  <p:childTnLst>
+                                    <p:set>
+                                      <p:cBhvr>
+                                        <p:cTn id="9" dur="1" fill="hold">
+                                          <p:stCondLst>
+                                            <p:cond delay="0"/>
+                                          </p:stCondLst>
+                                        </p:cTn>
+                                        <p:tgtEl>
+                                          <p:spTgt spid="16"/>
+                                        </p:tgtEl>
+                                        <p:attrNameLst>
+                                          <p:attrName>style.visibility</p:attrName>
+                                        </p:attrNameLst>
+                                      </p:cBhvr>
+                                      <p:to>
+                                        <p:strVal val="visible"/>
+                                      </p:to>
+                                    </p:set>
+                                    <p:animEffect transition="in" filter="fade">
+                                      <p:cBhvr>
+                                        <p:cTn id="10" dur="500"/>
+                                        <p:tgtEl>
+                                          <p:spTgt spid="16"/>
+                                        </p:tgtEl>
+                                      </p:cBhvr>
+                                    </p:animEffect>
+                                  </p:childTnLst>
+                                </p:cTn>
+                              </p:par>
+                            </p:childTnLst>
+                          </p:cTn>
+                        </p:par>
+                      </p:childTnLst>
+                    </p:cTn>
+                  </p:par>
+                  <p:par>
+                    <p:cTn id="11" fill="hold">
+                      <p:stCondLst>
+                        <p:cond delay="indefinite"/>
+                      </p:stCondLst>
+                      <p:childTnLst>
+                        <p:par>
+                          <p:cTn id="12" fill="hold">
+                            <p:stCondLst>
+                              <p:cond delay="0"/>
+                            </p:stCondLst>
+                            <p:childTnLst>
+                              <p:par>
+                                <p:cTn id="13" presetID="10" presetClass="entr" presetSubtype="0" fill="hold" nodeType="clickEffect">
+                                  <p:stCondLst>
+                                    <p:cond delay="0"/>
+                                  </p:stCondLst>
+                                  <p:childTnLst>
+                                    <p:set>
+                                      <p:cBhvr>
+                                        <p:cTn id="14" dur="1" fill="hold">
+                                          <p:stCondLst>
+                                            <p:cond delay="0"/>
+                                          </p:stCondLst>
+                                        </p:cTn>
+                                        <p:tgtEl>
+                                          <p:spTgt spid="7"/>
+                                        </p:tgtEl>
+                                        <p:attrNameLst>
+                                          <p:attrName>style.visibility</p:attrName>
+                                        </p:attrNameLst>
+                                      </p:cBhvr>
+                                      <p:to>
+                                        <p:strVal val="visible"/>
+                                      </p:to>
+                                    </p:set>
+                                    <p:animEffect transition="in" filter="fade">
+                                      <p:cBhvr>
+                                        <p:cTn id="15" dur="500"/>
+                                        <p:tgtEl>
+                                          <p:spTgt spid="7"/>
+                                        </p:tgtEl>
+                                      </p:cBhvr>
+                                    </p:animEffect>
+                                  </p:childTnLst>
+                                </p:cTn>
+                              </p:par>
+                            </p:childTnLst>
+                          </p:cTn>
+                        </p:par>
+                      </p:childTnLst>
+                    </p:cTn>
+                  </p:par>
+                  <p:par>
+                    <p:cTn id="16" fill="hold">
+                      <p:stCondLst>
+                        <p:cond delay="indefinite"/>
+                      </p:stCondLst>
+                      <p:childTnLst>
+                        <p:par>
+                          <p:cTn id="17" fill="hold">
+                            <p:stCondLst>
+                              <p:cond delay="0"/>
+                            </p:stCondLst>
+                            <p:childTnLst>
+                              <p:par>
+                                <p:cTn id="18" presetID="10" presetClass="entr" presetSubtype="0" fill="hold" nodeType="clickEffect">
+                                  <p:stCondLst>
+                                    <p:cond delay="0"/>
+                                  </p:stCondLst>
+                                  <p:childTnLst>
+                                    <p:set>
+                                      <p:cBhvr>
+                                        <p:cTn id="19" dur="1" fill="hold">
+                                          <p:stCondLst>
+                                            <p:cond delay="0"/>
+                                          </p:stCondLst>
+                                        </p:cTn>
+                                        <p:tgtEl>
+                                          <p:spTgt spid="8"/>
+                                        </p:tgtEl>
+                                        <p:attrNameLst>
+                                          <p:attrName>style.visibility</p:attrName>
+                                        </p:attrNameLst>
+                                      </p:cBhvr>
+                                      <p:to>
+                                        <p:strVal val="visible"/>
+                                      </p:to>
+                                    </p:set>
+                                    <p:animEffect transition="in" filter="fade">
+                                      <p:cBhvr>
+                                        <p:cTn id="20" dur="500"/>
+                                        <p:tgtEl>
+                                          <p:spTgt spid="8"/>
+                                        </p:tgtEl>
+                                      </p:cBhvr>
+                                    </p:animEffect>
+                                  </p:childTnLst>
+                                </p:cTn>
+                              </p:par>
+                            </p:childTnLst>
+                          </p:cTn>
+                        </p:par>
+                      </p:childTnLst>
+                    </p:cTn>
+                  </p:par>
+                  <p:par>
+                    <p:cTn id="21" fill="hold">
+                      <p:stCondLst>
+                        <p:cond delay="indefinite"/>
+                      </p:stCondLst>
+                      <p:childTnLst>
+                        <p:par>
+                          <p:cTn id="22" fill="hold">
+                            <p:stCondLst>
+                              <p:cond delay="0"/>
+                            </p:stCondLst>
+                            <p:childTnLst>
+                              <p:par>
+                                <p:cTn id="23" presetID="10" presetClass="entr" presetSubtype="0" fill="hold" nodeType="clickEffect">
+                                  <p:stCondLst>
+                                    <p:cond delay="0"/>
+                                  </p:stCondLst>
+                                  <p:childTnLst>
+                                    <p:set>
+                                      <p:cBhvr>
+                                        <p:cTn id="24" dur="1" fill="hold">
+                                          <p:stCondLst>
+                                            <p:cond delay="0"/>
+                                          </p:stCondLst>
+                                        </p:cTn>
+                                        <p:tgtEl>
+                                          <p:spTgt spid="9"/>
+                                        </p:tgtEl>
+                                        <p:attrNameLst>
+                                          <p:attrName>style.visibility</p:attrName>
+                                        </p:attrNameLst>
+                                      </p:cBhvr>
+                                      <p:to>
+                                        <p:strVal val="visible"/>
+                                      </p:to>
+                                    </p:set>
+                                    <p:animEffect transition="in" filter="fade">
+                                      <p:cBhvr>
+                                        <p:cTn id="25" dur="500"/>
+                                        <p:tgtEl>
+                                          <p:spTgt spid="9"/>
+                                        </p:tgtEl>
+                                      </p:cBhvr>
+                                    </p:animEffect>
+                                  </p:childTnLst>
+                                </p:cTn>
+                              </p:par>
+                            </p:childTnLst>
+                          </p:cTn>
+                        </p:par>
+                      </p:childTnLst>
+                    </p:cTn>
+                  </p:par>
+                  <p:par>
+                    <p:cTn id="26" fill="hold">
+                      <p:stCondLst>
+                        <p:cond delay="indefinite"/>
+                      </p:stCondLst>
+                      <p:childTnLst>
+                        <p:par>
+                          <p:cTn id="27" fill="hold">
+                            <p:stCondLst>
+                              <p:cond delay="0"/>
+                            </p:stCondLst>
+                            <p:childTnLst>
+                              <p:par>
+                                <p:cTn id="28" presetID="10" presetClass="entr" presetSubtype="0" fill="hold" nodeType="clickEffect">
+                                  <p:stCondLst>
+                                    <p:cond delay="0"/>
+                                  </p:stCondLst>
+                                  <p:childTnLst>
+                                    <p:set>
+                                      <p:cBhvr>
+                                        <p:cTn id="29" dur="1" fill="hold">
+                                          <p:stCondLst>
+                                            <p:cond delay="0"/>
+                                          </p:stCondLst>
+                                        </p:cTn>
+                                        <p:tgtEl>
+                                          <p:spTgt spid="10"/>
+                                        </p:tgtEl>
+                                        <p:attrNameLst>
+                                          <p:attrName>style.visibility</p:attrName>
+                                        </p:attrNameLst>
+                                      </p:cBhvr>
+                                      <p:to>
+                                        <p:strVal val="visible"/>
+                                      </p:to>
+                                    </p:set>
+                                    <p:animEffect transition="in" filter="fade">
+                                      <p:cBhvr>
+                                        <p:cTn id="30" dur="500"/>
+                                        <p:tgtEl>
+                                          <p:spTgt spid="10"/>
+                                        </p:tgtEl>
+                                      </p:cBhvr>
+                                    </p:animEffect>
+                                  </p:childTnLst>
+                                </p:cTn>
+                              </p:par>
+                              <p:par>
+                                <p:cTn id="31" presetID="10" presetClass="entr" presetSubtype="0" fill="hold" nodeType="withEffect">
+                                  <p:stCondLst>
+                                    <p:cond delay="0"/>
+                                  </p:stCondLst>
+                                  <p:childTnLst>
+                                    <p:set>
+                                      <p:cBhvr>
+                                        <p:cTn id="32" dur="1" fill="hold">
+                                          <p:stCondLst>
+                                            <p:cond delay="0"/>
+                                          </p:stCondLst>
+                                        </p:cTn>
+                                        <p:tgtEl>
+                                          <p:spTgt spid="11"/>
+                                        </p:tgtEl>
+                                        <p:attrNameLst>
+                                          <p:attrName>style.visibility</p:attrName>
+                                        </p:attrNameLst>
+                                      </p:cBhvr>
+                                      <p:to>
+                                        <p:strVal val="visible"/>
+                                      </p:to>
+                                    </p:set>
+                                    <p:animEffect transition="in" filter="fade">
+                                      <p:cBhvr>
+                                        <p:cTn id="33" dur="500"/>
+                                        <p:tgtEl>
+                                          <p:spTgt spid="11"/>
+                                        </p:tgtEl>
+                                      </p:cBhvr>
+                                    </p:animEffect>
+                                  </p:childTnLst>
+                                </p:cTn>
+                              </p:par>
+                            </p:childTnLst>
+                          </p:cTn>
+                        </p:par>
+                      </p:childTnLst>
+                    </p:cTn>
+                  </p:par>
+                  <p:par>
+                    <p:cTn id="34" fill="hold">
+                      <p:stCondLst>
+                        <p:cond delay="indefinite"/>
+                      </p:stCondLst>
+                      <p:childTnLst>
+                        <p:par>
+                          <p:cTn id="35" fill="hold">
+                            <p:stCondLst>
+                              <p:cond delay="0"/>
+                            </p:stCondLst>
+                            <p:childTnLst>
+                              <p:par>
+                                <p:cTn id="36" presetID="10" presetClass="entr" presetSubtype="0" fill="hold" nodeType="clickEffect">
+                                  <p:stCondLst>
+                                    <p:cond delay="0"/>
+                                  </p:stCondLst>
+                                  <p:childTnLst>
+                                    <p:set>
+                                      <p:cBhvr>
+                                        <p:cTn id="37" dur="1" fill="hold">
+                                          <p:stCondLst>
+                                            <p:cond delay="0"/>
+                                          </p:stCondLst>
+                                        </p:cTn>
+                                        <p:tgtEl>
+                                          <p:spTgt spid="12"/>
+                                        </p:tgtEl>
+                                        <p:attrNameLst>
+                                          <p:attrName>style.visibility</p:attrName>
+                                        </p:attrNameLst>
+                                      </p:cBhvr>
+                                      <p:to>
+                                        <p:strVal val="visible"/>
+                                      </p:to>
+                                    </p:set>
+                                    <p:animEffect transition="in" filter="fade">
+                                      <p:cBhvr>
+                                        <p:cTn id="38" dur="500"/>
+                                        <p:tgtEl>
+                                          <p:spTgt spid="12"/>
+                                        </p:tgtEl>
+                                      </p:cBhvr>
+                                    </p:animEffect>
+                                  </p:childTnLst>
+                                </p:cTn>
+                              </p:par>
+                            </p:childTnLst>
+                          </p:cTn>
+                        </p:par>
+                      </p:childTnLst>
+                    </p:cTn>
+                  </p:par>
+                  <p:par>
+                    <p:cTn id="39" fill="hold">
+                      <p:stCondLst>
+                        <p:cond delay="indefinite"/>
+                      </p:stCondLst>
+                      <p:childTnLst>
+                        <p:par>
+                          <p:cTn id="40" fill="hold">
+                            <p:stCondLst>
+                              <p:cond delay="0"/>
+                            </p:stCondLst>
+                            <p:childTnLst>
+                              <p:par>
+                                <p:cTn id="41" presetID="10" presetClass="entr" presetSubtype="0" fill="hold" nodeType="clickEffect">
+                                  <p:stCondLst>
+                                    <p:cond delay="0"/>
+                                  </p:stCondLst>
+                                  <p:childTnLst>
+                                    <p:set>
+                                      <p:cBhvr>
+                                        <p:cTn id="42" dur="1" fill="hold">
+                                          <p:stCondLst>
+                                            <p:cond delay="0"/>
+                                          </p:stCondLst>
+                                        </p:cTn>
+                                        <p:tgtEl>
+                                          <p:spTgt spid="13"/>
+                                        </p:tgtEl>
+                                        <p:attrNameLst>
+                                          <p:attrName>style.visibility</p:attrName>
+                                        </p:attrNameLst>
+                                      </p:cBhvr>
+                                      <p:to>
+                                        <p:strVal val="visible"/>
+                                      </p:to>
+                                    </p:set>
+                                    <p:animEffect transition="in" filter="fade">
+                                      <p:cBhvr>
+                                        <p:cTn id="43" dur="500"/>
+                                        <p:tgtEl>
+                                          <p:spTgt spid="13"/>
+                                        </p:tgtEl>
+                                      </p:cBhvr>
+                                    </p:animEffect>
+                                  </p:childTnLst>
+                                </p:cTn>
+                              </p:par>
+                            </p:childTnLst>
+                          </p:cTn>
+                        </p:par>
+                      </p:childTnLst>
+                    </p:cTn>
+                  </p:par>
+                  <p:par>
+                    <p:cTn id="44" fill="hold">
+                      <p:stCondLst>
+                        <p:cond delay="indefinite"/>
+                      </p:stCondLst>
+                      <p:childTnLst>
+                        <p:par>
+                          <p:cTn id="45" fill="hold">
+                            <p:stCondLst>
+                              <p:cond delay="0"/>
+                            </p:stCondLst>
+                            <p:childTnLst>
+                              <p:par>
+                                <p:cTn id="46" presetID="10" presetClass="entr" presetSubtype="0" fill="hold" nodeType="clickEffect">
+                                  <p:stCondLst>
+                                    <p:cond delay="0"/>
+                                  </p:stCondLst>
+                                  <p:childTnLst>
+                                    <p:set>
+                                      <p:cBhvr>
+                                        <p:cTn id="47" dur="1" fill="hold">
+                                          <p:stCondLst>
+                                            <p:cond delay="0"/>
+                                          </p:stCondLst>
+                                        </p:cTn>
+                                        <p:tgtEl>
+                                          <p:spTgt spid="14"/>
+                                        </p:tgtEl>
+                                        <p:attrNameLst>
+                                          <p:attrName>style.visibility</p:attrName>
+                                        </p:attrNameLst>
+                                      </p:cBhvr>
+                                      <p:to>
+                                        <p:strVal val="visible"/>
+                                      </p:to>
+                                    </p:set>
+                                    <p:animEffect transition="in" filter="fade">
+                                      <p:cBhvr>
+                                        <p:cTn id="48" dur="500"/>
+                                        <p:tgtEl>
+                                          <p:spTgt spid="14"/>
+                                        </p:tgtEl>
+                                      </p:cBhvr>
+                                    </p:animEffect>
+                                  </p:childTnLst>
+                                </p:cTn>
+                              </p:par>
+                            </p:childTnLst>
+                          </p:cTn>
+                        </p:par>
+                      </p:childTnLst>
+                    </p:cTn>
+                  </p:par>
+                </p:childTnLst>
+              </p:cTn>
+              <p:prevCondLst>
+                <p:cond evt="onPrev" delay="0">
+                  <p:tgtEl>
+                    <p:sldTgt/>
+                  </p:tgtEl>
+                </p:cond>
+              </p:prevCondLst>
+              <p:nextCondLst>
+                <p:cond evt="onNext" delay="0">
+                  <p:tgtEl>
+                    <p:sldTgt/>
+                  </p:tgtEl>
+                </p:cond>
+              </p:nextCondLst>
+            </p:seq>
+          </p:childTnLst>
+        </p:cTn>
+      </p:par>
+    </p:tnLst>
+  </p:timing>
 </p:sld>
 </file>
 
@@ -4450,8 +5304,12 @@
           <a:lstStyle/>
           <a:p>
             <a:r>
-              <a:rPr lang="fr-FR" dirty="0" smtClean="0"/>
-              <a:t>Tâches effectuées</a:t>
+              <a:rPr lang="fr-FR" dirty="0"/>
+              <a:t>Présentation du projet </a:t>
+            </a:r>
+            <a:r>
+              <a:rPr lang="fr-FR" dirty="0" err="1"/>
+              <a:t>repotech</a:t>
             </a:r>
             <a:endParaRPr lang="fr-FR" dirty="0"/>
           </a:p>
@@ -4491,13 +5349,6 @@
   <p:clrMapOvr>
     <a:masterClrMapping/>
   </p:clrMapOvr>
-  <p:timing>
-    <p:tnLst>
-      <p:par>
-        <p:cTn id="1" dur="indefinite" restart="never" nodeType="tmRoot"/>
-      </p:par>
-    </p:tnLst>
-  </p:timing>
 </p:sld>
 </file>
 
@@ -4520,7 +5371,13 @@
       </p:grpSpPr>
       <p:sp>
         <p:nvSpPr>
-          <p:cNvPr id="2" name="Titre 1"/>
+          <p:cNvPr id="2" name="Titre 1">
+            <a:extLst>
+              <a:ext uri="{FF2B5EF4-FFF2-40B4-BE49-F238E27FC236}">
+                <a16:creationId xmlns:a16="http://schemas.microsoft.com/office/drawing/2014/main" id="{3CCA4AA0-934F-8067-59A5-481C54A91E60}"/>
+              </a:ext>
+            </a:extLst>
+          </p:cNvPr>
           <p:cNvSpPr>
             <a:spLocks noGrp="1"/>
           </p:cNvSpPr>
@@ -4534,35 +5391,15 @@
           <a:lstStyle/>
           <a:p>
             <a:r>
-              <a:rPr lang="fr-FR" dirty="0" smtClean="0"/>
-              <a:t>Duplication de projet</a:t>
-            </a:r>
-            <a:endParaRPr lang="fr-FR" dirty="0"/>
-          </a:p>
-        </p:txBody>
-      </p:sp>
-      <p:sp>
-        <p:nvSpPr>
-          <p:cNvPr id="3" name="Espace réservé du contenu 2"/>
-          <p:cNvSpPr>
-            <a:spLocks noGrp="1"/>
-          </p:cNvSpPr>
-          <p:nvPr>
-            <p:ph idx="1"/>
-          </p:nvPr>
-        </p:nvSpPr>
-        <p:spPr/>
-        <p:txBody>
-          <a:bodyPr/>
-          <a:lstStyle/>
-          <a:p>
-            <a:endParaRPr lang="fr-FR"/>
-          </a:p>
-        </p:txBody>
-      </p:sp>
-      <p:sp>
-        <p:nvSpPr>
-          <p:cNvPr id="4" name="Espace réservé du numéro de diapositive 3"/>
+              <a:rPr lang="fr-FR" dirty="0"/>
+              <a:t>Tâches effectuées</a:t>
+            </a:r>
+          </a:p>
+        </p:txBody>
+      </p:sp>
+      <p:sp>
+        <p:nvSpPr>
+          <p:cNvPr id="3" name="Espace réservé du numéro de diapositive 2"/>
           <p:cNvSpPr>
             <a:spLocks noGrp="1"/>
           </p:cNvSpPr>
@@ -4577,6 +5414,7 @@
           <a:p>
             <a:fld id="{69E57DC2-970A-4B3E-BB1C-7A09969E49DF}" type="slidenum">
               <a:rPr lang="en-US" smtClean="0"/>
+              <a:pPr/>
               <a:t>12</a:t>
             </a:fld>
             <a:endParaRPr lang="en-US" dirty="0"/>
@@ -4586,7 +5424,7 @@
     </p:spTree>
     <p:extLst>
       <p:ext uri="{BB962C8B-B14F-4D97-AF65-F5344CB8AC3E}">
-        <p14:creationId xmlns:p14="http://schemas.microsoft.com/office/powerpoint/2010/main" val="3200713016"/>
+        <p14:creationId xmlns:p14="http://schemas.microsoft.com/office/powerpoint/2010/main" val="2361756634"/>
       </p:ext>
     </p:extLst>
   </p:cSld>
@@ -4629,10 +5467,9 @@
           <a:lstStyle/>
           <a:p>
             <a:r>
-              <a:rPr lang="fr-FR" dirty="0" smtClean="0"/>
-              <a:t>Relance par mail</a:t>
-            </a:r>
-            <a:endParaRPr lang="fr-FR" dirty="0"/>
+              <a:rPr lang="fr-FR" dirty="0"/>
+              <a:t>Duplication de projet</a:t>
+            </a:r>
           </a:p>
         </p:txBody>
       </p:sp>
@@ -4681,7 +5518,7 @@
     </p:spTree>
     <p:extLst>
       <p:ext uri="{BB962C8B-B14F-4D97-AF65-F5344CB8AC3E}">
-        <p14:creationId xmlns:p14="http://schemas.microsoft.com/office/powerpoint/2010/main" val="4098781809"/>
+        <p14:creationId xmlns:p14="http://schemas.microsoft.com/office/powerpoint/2010/main" val="3200713016"/>
       </p:ext>
     </p:extLst>
   </p:cSld>
@@ -4724,10 +5561,9 @@
           <a:lstStyle/>
           <a:p>
             <a:r>
-              <a:rPr lang="fr-FR" dirty="0" smtClean="0"/>
-              <a:t>Tests unitaires</a:t>
-            </a:r>
-            <a:endParaRPr lang="fr-FR" dirty="0"/>
+              <a:rPr lang="fr-FR" dirty="0"/>
+              <a:t>Relance par mail</a:t>
+            </a:r>
           </a:p>
         </p:txBody>
       </p:sp>
@@ -4776,7 +5612,7 @@
     </p:spTree>
     <p:extLst>
       <p:ext uri="{BB962C8B-B14F-4D97-AF65-F5344CB8AC3E}">
-        <p14:creationId xmlns:p14="http://schemas.microsoft.com/office/powerpoint/2010/main" val="3253596041"/>
+        <p14:creationId xmlns:p14="http://schemas.microsoft.com/office/powerpoint/2010/main" val="4098781809"/>
       </p:ext>
     </p:extLst>
   </p:cSld>
@@ -4819,10 +5655,9 @@
           <a:lstStyle/>
           <a:p>
             <a:r>
-              <a:rPr lang="fr-FR" dirty="0" smtClean="0"/>
-              <a:t>Système de logs</a:t>
-            </a:r>
-            <a:endParaRPr lang="fr-FR" dirty="0"/>
+              <a:rPr lang="fr-FR" dirty="0"/>
+              <a:t>Tests unitaires</a:t>
+            </a:r>
           </a:p>
         </p:txBody>
       </p:sp>
@@ -4871,7 +5706,7 @@
     </p:spTree>
     <p:extLst>
       <p:ext uri="{BB962C8B-B14F-4D97-AF65-F5344CB8AC3E}">
-        <p14:creationId xmlns:p14="http://schemas.microsoft.com/office/powerpoint/2010/main" val="1383161176"/>
+        <p14:creationId xmlns:p14="http://schemas.microsoft.com/office/powerpoint/2010/main" val="3253596041"/>
       </p:ext>
     </p:extLst>
   </p:cSld>
@@ -4914,10 +5749,9 @@
           <a:lstStyle/>
           <a:p>
             <a:r>
-              <a:rPr lang="fr-FR" dirty="0" smtClean="0"/>
-              <a:t>Traduction</a:t>
-            </a:r>
-            <a:endParaRPr lang="fr-FR" dirty="0"/>
+              <a:rPr lang="fr-FR" dirty="0"/>
+              <a:t>Système de logs</a:t>
+            </a:r>
           </a:p>
         </p:txBody>
       </p:sp>
@@ -4966,7 +5800,7 @@
     </p:spTree>
     <p:extLst>
       <p:ext uri="{BB962C8B-B14F-4D97-AF65-F5344CB8AC3E}">
-        <p14:creationId xmlns:p14="http://schemas.microsoft.com/office/powerpoint/2010/main" val="4157047504"/>
+        <p14:creationId xmlns:p14="http://schemas.microsoft.com/office/powerpoint/2010/main" val="1383161176"/>
       </p:ext>
     </p:extLst>
   </p:cSld>
@@ -5009,10 +5843,9 @@
           <a:lstStyle/>
           <a:p>
             <a:r>
-              <a:rPr lang="fr-FR" dirty="0" smtClean="0"/>
-              <a:t>Responsive</a:t>
-            </a:r>
-            <a:endParaRPr lang="fr-FR" dirty="0"/>
+              <a:rPr lang="fr-FR" dirty="0"/>
+              <a:t>Traduction</a:t>
+            </a:r>
           </a:p>
         </p:txBody>
       </p:sp>
@@ -5061,7 +5894,7 @@
     </p:spTree>
     <p:extLst>
       <p:ext uri="{BB962C8B-B14F-4D97-AF65-F5344CB8AC3E}">
-        <p14:creationId xmlns:p14="http://schemas.microsoft.com/office/powerpoint/2010/main" val="1521388961"/>
+        <p14:creationId xmlns:p14="http://schemas.microsoft.com/office/powerpoint/2010/main" val="4157047504"/>
       </p:ext>
     </p:extLst>
   </p:cSld>
@@ -5090,6 +5923,100 @@
       </p:grpSpPr>
       <p:sp>
         <p:nvSpPr>
+          <p:cNvPr id="2" name="Titre 1"/>
+          <p:cNvSpPr>
+            <a:spLocks noGrp="1"/>
+          </p:cNvSpPr>
+          <p:nvPr>
+            <p:ph type="title"/>
+          </p:nvPr>
+        </p:nvSpPr>
+        <p:spPr/>
+        <p:txBody>
+          <a:bodyPr/>
+          <a:lstStyle/>
+          <a:p>
+            <a:r>
+              <a:rPr lang="fr-FR" dirty="0"/>
+              <a:t>Responsive</a:t>
+            </a:r>
+          </a:p>
+        </p:txBody>
+      </p:sp>
+      <p:sp>
+        <p:nvSpPr>
+          <p:cNvPr id="3" name="Espace réservé du contenu 2"/>
+          <p:cNvSpPr>
+            <a:spLocks noGrp="1"/>
+          </p:cNvSpPr>
+          <p:nvPr>
+            <p:ph idx="1"/>
+          </p:nvPr>
+        </p:nvSpPr>
+        <p:spPr/>
+        <p:txBody>
+          <a:bodyPr/>
+          <a:lstStyle/>
+          <a:p>
+            <a:endParaRPr lang="fr-FR"/>
+          </a:p>
+        </p:txBody>
+      </p:sp>
+      <p:sp>
+        <p:nvSpPr>
+          <p:cNvPr id="4" name="Espace réservé du numéro de diapositive 3"/>
+          <p:cNvSpPr>
+            <a:spLocks noGrp="1"/>
+          </p:cNvSpPr>
+          <p:nvPr>
+            <p:ph type="sldNum" sz="quarter" idx="12"/>
+          </p:nvPr>
+        </p:nvSpPr>
+        <p:spPr/>
+        <p:txBody>
+          <a:bodyPr/>
+          <a:lstStyle/>
+          <a:p>
+            <a:fld id="{69E57DC2-970A-4B3E-BB1C-7A09969E49DF}" type="slidenum">
+              <a:rPr lang="en-US" smtClean="0"/>
+              <a:t>18</a:t>
+            </a:fld>
+            <a:endParaRPr lang="en-US" dirty="0"/>
+          </a:p>
+        </p:txBody>
+      </p:sp>
+    </p:spTree>
+    <p:extLst>
+      <p:ext uri="{BB962C8B-B14F-4D97-AF65-F5344CB8AC3E}">
+        <p14:creationId xmlns:p14="http://schemas.microsoft.com/office/powerpoint/2010/main" val="1521388961"/>
+      </p:ext>
+    </p:extLst>
+  </p:cSld>
+  <p:clrMapOvr>
+    <a:masterClrMapping/>
+  </p:clrMapOvr>
+</p:sld>
+</file>
+
+<file path=ppt/slides/slide19.xml><?xml version="1.0" encoding="utf-8"?>
+<p:sld xmlns:a="http://schemas.openxmlformats.org/drawingml/2006/main" xmlns:r="http://schemas.openxmlformats.org/officeDocument/2006/relationships" xmlns:p="http://schemas.openxmlformats.org/presentationml/2006/main">
+  <p:cSld>
+    <p:spTree>
+      <p:nvGrpSpPr>
+        <p:cNvPr id="1" name=""/>
+        <p:cNvGrpSpPr/>
+        <p:nvPr/>
+      </p:nvGrpSpPr>
+      <p:grpSpPr>
+        <a:xfrm>
+          <a:off x="0" y="0"/>
+          <a:ext cx="0" cy="0"/>
+          <a:chOff x="0" y="0"/>
+          <a:chExt cx="0" cy="0"/>
+        </a:xfrm>
+      </p:grpSpPr>
+      <p:sp>
+        <p:nvSpPr>
           <p:cNvPr id="2" name="Titre 1">
             <a:extLst>
               <a:ext uri="{FF2B5EF4-FFF2-40B4-BE49-F238E27FC236}">
@@ -5110,10 +6037,9 @@
           <a:lstStyle/>
           <a:p>
             <a:r>
-              <a:rPr lang="fr-FR" dirty="0" smtClean="0"/>
+              <a:rPr lang="fr-FR" dirty="0"/>
               <a:t>conclusion</a:t>
             </a:r>
-            <a:endParaRPr lang="fr-FR" dirty="0"/>
           </a:p>
         </p:txBody>
       </p:sp>
@@ -5135,7 +6061,7 @@
             <a:fld id="{69E57DC2-970A-4B3E-BB1C-7A09969E49DF}" type="slidenum">
               <a:rPr lang="en-US" smtClean="0"/>
               <a:pPr/>
-              <a:t>18</a:t>
+              <a:t>19</a:t>
             </a:fld>
             <a:endParaRPr lang="en-US" dirty="0"/>
           </a:p>
@@ -5151,13 +6077,6 @@
   <p:clrMapOvr>
     <a:masterClrMapping/>
   </p:clrMapOvr>
-  <p:timing>
-    <p:tnLst>
-      <p:par>
-        <p:cTn id="1" dur="indefinite" restart="never" nodeType="tmRoot"/>
-      </p:par>
-    </p:tnLst>
-  </p:timing>
 </p:sld>
 </file>
 
@@ -5240,13 +6159,6 @@
   <p:clrMapOvr>
     <a:masterClrMapping/>
   </p:clrMapOvr>
-  <p:timing>
-    <p:tnLst>
-      <p:par>
-        <p:cTn id="1" dur="indefinite" restart="never" nodeType="tmRoot"/>
-      </p:par>
-    </p:tnLst>
-  </p:timing>
 </p:sld>
 </file>
 
@@ -5291,7 +6203,7 @@
         </p:spPr>
         <p:txBody>
           <a:bodyPr>
-            <a:normAutofit lnSpcReduction="10000"/>
+            <a:normAutofit fontScale="92500" lnSpcReduction="10000"/>
           </a:bodyPr>
           <a:lstStyle/>
           <a:p>
@@ -5343,6 +6255,17 @@
           <a:p>
             <a:r>
               <a:rPr lang="fr-FR" dirty="0"/>
+              <a:t>Présentation du projet </a:t>
+            </a:r>
+            <a:r>
+              <a:rPr lang="fr-FR" dirty="0" err="1"/>
+              <a:t>Repotech</a:t>
+            </a:r>
+            <a:endParaRPr lang="fr-FR" dirty="0"/>
+          </a:p>
+          <a:p>
+            <a:r>
+              <a:rPr lang="fr-FR" dirty="0"/>
               <a:t>Tâches effectuées</a:t>
             </a:r>
           </a:p>
@@ -5357,38 +6280,36 @@
             <a:pPr lvl="1"/>
             <a:r>
               <a:rPr lang="fr-FR" dirty="0"/>
+              <a:t>Tests unitaires</a:t>
+            </a:r>
+          </a:p>
+          <a:p>
+            <a:pPr lvl="1"/>
+            <a:r>
+              <a:rPr lang="fr-FR" dirty="0"/>
+              <a:t>Système de logs</a:t>
+            </a:r>
+          </a:p>
+          <a:p>
+            <a:pPr lvl="1"/>
+            <a:r>
+              <a:rPr lang="fr-FR" dirty="0"/>
               <a:t>Relance par mail</a:t>
             </a:r>
           </a:p>
           <a:p>
             <a:pPr lvl="1"/>
             <a:r>
-              <a:rPr lang="fr-FR" dirty="0" smtClean="0"/>
-              <a:t>Tests unitaires</a:t>
-            </a:r>
-            <a:endParaRPr lang="fr-FR" dirty="0"/>
+              <a:rPr lang="fr-FR" dirty="0"/>
+              <a:t>Traduction</a:t>
+            </a:r>
           </a:p>
           <a:p>
             <a:pPr lvl="1"/>
             <a:r>
-              <a:rPr lang="fr-FR" dirty="0" smtClean="0"/>
-              <a:t>Système de logs</a:t>
-            </a:r>
-          </a:p>
-          <a:p>
-            <a:pPr lvl="1"/>
-            <a:r>
-              <a:rPr lang="fr-FR" dirty="0" smtClean="0"/>
-              <a:t>Traduction</a:t>
-            </a:r>
-          </a:p>
-          <a:p>
-            <a:pPr lvl="1"/>
-            <a:r>
-              <a:rPr lang="fr-FR" dirty="0" smtClean="0"/>
+              <a:rPr lang="fr-FR" dirty="0"/>
               <a:t>Responsive</a:t>
             </a:r>
-            <a:endParaRPr lang="fr-FR" dirty="0"/>
           </a:p>
           <a:p>
             <a:r>
@@ -5431,13 +6352,6 @@
   <p:clrMapOvr>
     <a:masterClrMapping/>
   </p:clrMapOvr>
-  <p:timing>
-    <p:tnLst>
-      <p:par>
-        <p:cTn id="1" dur="indefinite" restart="never" nodeType="tmRoot"/>
-      </p:par>
-    </p:tnLst>
-  </p:timing>
 </p:sld>
 </file>
 
@@ -5480,10 +6394,9 @@
           <a:lstStyle/>
           <a:p>
             <a:r>
-              <a:rPr lang="fr-FR" dirty="0" smtClean="0"/>
+              <a:rPr lang="fr-FR" dirty="0"/>
               <a:t>Remerciements</a:t>
             </a:r>
-            <a:endParaRPr lang="fr-FR" dirty="0"/>
           </a:p>
         </p:txBody>
       </p:sp>
@@ -5521,13 +6434,6 @@
   <p:clrMapOvr>
     <a:masterClrMapping/>
   </p:clrMapOvr>
-  <p:timing>
-    <p:tnLst>
-      <p:par>
-        <p:cTn id="1" dur="indefinite" restart="never" nodeType="tmRoot"/>
-      </p:par>
-    </p:tnLst>
-  </p:timing>
 </p:sld>
 </file>
 
@@ -5570,10 +6476,9 @@
           <a:lstStyle/>
           <a:p>
             <a:r>
-              <a:rPr lang="fr-FR" dirty="0" smtClean="0"/>
+              <a:rPr lang="fr-FR" dirty="0"/>
               <a:t>L’entreprise</a:t>
             </a:r>
-            <a:endParaRPr lang="fr-FR" dirty="0"/>
           </a:p>
         </p:txBody>
       </p:sp>
@@ -5611,13 +6516,6 @@
   <p:clrMapOvr>
     <a:masterClrMapping/>
   </p:clrMapOvr>
-  <p:timing>
-    <p:tnLst>
-      <p:par>
-        <p:cTn id="1" dur="indefinite" restart="never" nodeType="tmRoot"/>
-      </p:par>
-    </p:tnLst>
-  </p:timing>
 </p:sld>
 </file>
 
@@ -5665,10 +6563,9 @@
           <a:lstStyle/>
           <a:p>
             <a:r>
-              <a:rPr lang="fr-FR" dirty="0" smtClean="0"/>
+              <a:rPr lang="fr-FR" dirty="0"/>
               <a:t>Présentation de l’entreprise</a:t>
             </a:r>
-            <a:endParaRPr lang="fr-FR" dirty="0"/>
           </a:p>
         </p:txBody>
       </p:sp>
@@ -5694,22 +6591,21 @@
           <a:lstStyle/>
           <a:p>
             <a:r>
-              <a:rPr lang="fr-FR" dirty="0" smtClean="0"/>
+              <a:rPr lang="fr-FR" dirty="0"/>
               <a:t>Fondé en 1992</a:t>
             </a:r>
           </a:p>
           <a:p>
             <a:r>
-              <a:rPr lang="fr-FR" dirty="0" smtClean="0"/>
+              <a:rPr lang="fr-FR" dirty="0"/>
               <a:t>UMR du CNRS</a:t>
             </a:r>
           </a:p>
           <a:p>
             <a:r>
-              <a:rPr lang="fr-FR" dirty="0" smtClean="0"/>
+              <a:rPr lang="fr-FR" dirty="0"/>
               <a:t>Fait parti du réseau RENATECH et RENATECH+ depuis 2003</a:t>
             </a:r>
-            <a:endParaRPr lang="fr-FR" dirty="0"/>
           </a:p>
         </p:txBody>
       </p:sp>
@@ -5776,13 +6672,6 @@
   <p:clrMapOvr>
     <a:masterClrMapping/>
   </p:clrMapOvr>
-  <p:timing>
-    <p:tnLst>
-      <p:par>
-        <p:cTn id="1" dur="indefinite" restart="never" nodeType="tmRoot"/>
-      </p:par>
-    </p:tnLst>
-  </p:timing>
 </p:sld>
 </file>
 
@@ -5824,10 +6713,9 @@
           <a:lstStyle/>
           <a:p>
             <a:r>
-              <a:rPr lang="fr-FR" dirty="0" smtClean="0"/>
+              <a:rPr lang="fr-FR" dirty="0"/>
               <a:t>Présentation de l’équipe</a:t>
             </a:r>
-            <a:endParaRPr lang="fr-FR" dirty="0"/>
           </a:p>
         </p:txBody>
       </p:sp>
@@ -5856,776 +6744,34 @@
       </p:sp>
       <p:pic>
         <p:nvPicPr>
-          <p:cNvPr id="5" name="Image 4" descr="Une image contenant texte, clipart&#10;&#10;Description générée automatiquement"/>
-          <p:cNvPicPr/>
+          <p:cNvPr id="5" name="Image 4">
+            <a:extLst>
+              <a:ext uri="{FF2B5EF4-FFF2-40B4-BE49-F238E27FC236}">
+                <a16:creationId xmlns:a16="http://schemas.microsoft.com/office/drawing/2014/main" id="{96279CFF-7EB6-F6BD-4A59-1FF57E4A6FE3}"/>
+              </a:ext>
+            </a:extLst>
+          </p:cNvPr>
+          <p:cNvPicPr>
+            <a:picLocks noChangeAspect="1"/>
+          </p:cNvPicPr>
           <p:nvPr/>
         </p:nvPicPr>
         <p:blipFill>
-          <a:blip r:embed="rId2">
-            <a:extLst>
-              <a:ext uri="{28A0092B-C50C-407E-A947-70E740481C1C}">
-                <a14:useLocalDpi xmlns:a14="http://schemas.microsoft.com/office/drawing/2010/main" val="0"/>
-              </a:ext>
-            </a:extLst>
-          </a:blip>
+          <a:blip r:embed="rId2"/>
           <a:stretch>
             <a:fillRect/>
           </a:stretch>
         </p:blipFill>
         <p:spPr>
           <a:xfrm>
-            <a:off x="5762625" y="1133850"/>
-            <a:ext cx="819150" cy="819150"/>
+            <a:off x="924494" y="107576"/>
+            <a:ext cx="11090416" cy="6762449"/>
           </a:xfrm>
           <a:prstGeom prst="rect">
             <a:avLst/>
           </a:prstGeom>
         </p:spPr>
       </p:pic>
-      <p:pic>
-        <p:nvPicPr>
-          <p:cNvPr id="6" name="Image 5" descr="Une image contenant texte, clipart&#10;&#10;Description générée automatiquement"/>
-          <p:cNvPicPr/>
-          <p:nvPr/>
-        </p:nvPicPr>
-        <p:blipFill>
-          <a:blip r:embed="rId2">
-            <a:extLst>
-              <a:ext uri="{28A0092B-C50C-407E-A947-70E740481C1C}">
-                <a14:useLocalDpi xmlns:a14="http://schemas.microsoft.com/office/drawing/2010/main" val="0"/>
-              </a:ext>
-            </a:extLst>
-          </a:blip>
-          <a:stretch>
-            <a:fillRect/>
-          </a:stretch>
-        </p:blipFill>
-        <p:spPr>
-          <a:xfrm>
-            <a:off x="5762625" y="3019425"/>
-            <a:ext cx="819150" cy="819150"/>
-          </a:xfrm>
-          <a:prstGeom prst="rect">
-            <a:avLst/>
-          </a:prstGeom>
-        </p:spPr>
-      </p:pic>
-      <p:pic>
-        <p:nvPicPr>
-          <p:cNvPr id="7" name="Image 6" descr="Une image contenant texte, clipart&#10;&#10;Description générée automatiquement"/>
-          <p:cNvPicPr/>
-          <p:nvPr/>
-        </p:nvPicPr>
-        <p:blipFill>
-          <a:blip r:embed="rId2">
-            <a:extLst>
-              <a:ext uri="{28A0092B-C50C-407E-A947-70E740481C1C}">
-                <a14:useLocalDpi xmlns:a14="http://schemas.microsoft.com/office/drawing/2010/main" val="0"/>
-              </a:ext>
-            </a:extLst>
-          </a:blip>
-          <a:stretch>
-            <a:fillRect/>
-          </a:stretch>
-        </p:blipFill>
-        <p:spPr>
-          <a:xfrm>
-            <a:off x="3236941" y="3019425"/>
-            <a:ext cx="819150" cy="819150"/>
-          </a:xfrm>
-          <a:prstGeom prst="rect">
-            <a:avLst/>
-          </a:prstGeom>
-        </p:spPr>
-      </p:pic>
-      <p:pic>
-        <p:nvPicPr>
-          <p:cNvPr id="8" name="Image 7" descr="Une image contenant texte, clipart&#10;&#10;Description générée automatiquement"/>
-          <p:cNvPicPr/>
-          <p:nvPr/>
-        </p:nvPicPr>
-        <p:blipFill>
-          <a:blip r:embed="rId2">
-            <a:extLst>
-              <a:ext uri="{28A0092B-C50C-407E-A947-70E740481C1C}">
-                <a14:useLocalDpi xmlns:a14="http://schemas.microsoft.com/office/drawing/2010/main" val="0"/>
-              </a:ext>
-            </a:extLst>
-          </a:blip>
-          <a:stretch>
-            <a:fillRect/>
-          </a:stretch>
-        </p:blipFill>
-        <p:spPr>
-          <a:xfrm>
-            <a:off x="8288309" y="3019425"/>
-            <a:ext cx="819150" cy="819150"/>
-          </a:xfrm>
-          <a:prstGeom prst="rect">
-            <a:avLst/>
-          </a:prstGeom>
-        </p:spPr>
-      </p:pic>
-      <p:pic>
-        <p:nvPicPr>
-          <p:cNvPr id="9" name="Image 8" descr="Une image contenant texte&#10;&#10;Description générée automatiquement"/>
-          <p:cNvPicPr/>
-          <p:nvPr/>
-        </p:nvPicPr>
-        <p:blipFill>
-          <a:blip r:embed="rId3">
-            <a:extLst>
-              <a:ext uri="{28A0092B-C50C-407E-A947-70E740481C1C}">
-                <a14:useLocalDpi xmlns:a14="http://schemas.microsoft.com/office/drawing/2010/main" val="0"/>
-              </a:ext>
-            </a:extLst>
-          </a:blip>
-          <a:stretch>
-            <a:fillRect/>
-          </a:stretch>
-        </p:blipFill>
-        <p:spPr>
-          <a:xfrm>
-            <a:off x="4647287" y="4686298"/>
-            <a:ext cx="809625" cy="809625"/>
-          </a:xfrm>
-          <a:prstGeom prst="rect">
-            <a:avLst/>
-          </a:prstGeom>
-        </p:spPr>
-      </p:pic>
-      <p:pic>
-        <p:nvPicPr>
-          <p:cNvPr id="10" name="Image 9" descr="Une image contenant texte&#10;&#10;Description générée automatiquement"/>
-          <p:cNvPicPr/>
-          <p:nvPr/>
-        </p:nvPicPr>
-        <p:blipFill>
-          <a:blip r:embed="rId3">
-            <a:extLst>
-              <a:ext uri="{28A0092B-C50C-407E-A947-70E740481C1C}">
-                <a14:useLocalDpi xmlns:a14="http://schemas.microsoft.com/office/drawing/2010/main" val="0"/>
-              </a:ext>
-            </a:extLst>
-          </a:blip>
-          <a:stretch>
-            <a:fillRect/>
-          </a:stretch>
-        </p:blipFill>
-        <p:spPr>
-          <a:xfrm>
-            <a:off x="2315697" y="4686298"/>
-            <a:ext cx="809625" cy="809625"/>
-          </a:xfrm>
-          <a:prstGeom prst="rect">
-            <a:avLst/>
-          </a:prstGeom>
-        </p:spPr>
-      </p:pic>
-      <p:pic>
-        <p:nvPicPr>
-          <p:cNvPr id="11" name="Image 10" descr="Une image contenant texte&#10;&#10;Description générée automatiquement"/>
-          <p:cNvPicPr/>
-          <p:nvPr/>
-        </p:nvPicPr>
-        <p:blipFill>
-          <a:blip r:embed="rId3">
-            <a:extLst>
-              <a:ext uri="{28A0092B-C50C-407E-A947-70E740481C1C}">
-                <a14:useLocalDpi xmlns:a14="http://schemas.microsoft.com/office/drawing/2010/main" val="0"/>
-              </a:ext>
-            </a:extLst>
-          </a:blip>
-          <a:stretch>
-            <a:fillRect/>
-          </a:stretch>
-        </p:blipFill>
-        <p:spPr>
-          <a:xfrm>
-            <a:off x="6978877" y="4686298"/>
-            <a:ext cx="809625" cy="809625"/>
-          </a:xfrm>
-          <a:prstGeom prst="rect">
-            <a:avLst/>
-          </a:prstGeom>
-        </p:spPr>
-      </p:pic>
-      <p:pic>
-        <p:nvPicPr>
-          <p:cNvPr id="12" name="Image 11" descr="Une image contenant texte&#10;&#10;Description générée automatiquement"/>
-          <p:cNvPicPr/>
-          <p:nvPr/>
-        </p:nvPicPr>
-        <p:blipFill>
-          <a:blip r:embed="rId4">
-            <a:extLst>
-              <a:ext uri="{28A0092B-C50C-407E-A947-70E740481C1C}">
-                <a14:useLocalDpi xmlns:a14="http://schemas.microsoft.com/office/drawing/2010/main" val="0"/>
-              </a:ext>
-            </a:extLst>
-          </a:blip>
-          <a:stretch>
-            <a:fillRect/>
-          </a:stretch>
-        </p:blipFill>
-        <p:spPr>
-          <a:xfrm>
-            <a:off x="9310467" y="4691060"/>
-            <a:ext cx="800100" cy="800100"/>
-          </a:xfrm>
-          <a:prstGeom prst="rect">
-            <a:avLst/>
-          </a:prstGeom>
-        </p:spPr>
-      </p:pic>
-      <p:sp>
-        <p:nvSpPr>
-          <p:cNvPr id="13" name="Zone de texte 2"/>
-          <p:cNvSpPr txBox="1">
-            <a:spLocks noChangeArrowheads="1"/>
-          </p:cNvSpPr>
-          <p:nvPr/>
-        </p:nvSpPr>
-        <p:spPr bwMode="auto">
-          <a:xfrm>
-            <a:off x="5456912" y="2078411"/>
-            <a:ext cx="1524000" cy="730250"/>
-          </a:xfrm>
-          <a:prstGeom prst="rect">
-            <a:avLst/>
-          </a:prstGeom>
-          <a:noFill/>
-          <a:ln w="9525">
-            <a:noFill/>
-            <a:miter lim="800000"/>
-            <a:headEnd/>
-            <a:tailEnd/>
-          </a:ln>
-        </p:spPr>
-        <p:txBody>
-          <a:bodyPr rot="0" vert="horz" wrap="square" lIns="91440" tIns="45720" rIns="91440" bIns="45720" anchor="t" anchorCtr="0">
-            <a:spAutoFit/>
-          </a:bodyPr>
-          <a:lstStyle/>
-          <a:p>
-            <a:pPr algn="ctr">
-              <a:lnSpc>
-                <a:spcPct val="110000"/>
-              </a:lnSpc>
-              <a:spcAft>
-                <a:spcPts val="600"/>
-              </a:spcAft>
-            </a:pPr>
-            <a:r>
-              <a:rPr lang="fr-FR" sz="1400" b="1" dirty="0">
-                <a:effectLst/>
-                <a:latin typeface="Calibri" panose="020F0502020204030204" pitchFamily="34" charset="0"/>
-                <a:ea typeface="Yu Mincho"/>
-                <a:cs typeface="Times New Roman" panose="02020603050405020304" pitchFamily="18" charset="0"/>
-              </a:rPr>
-              <a:t>Benjamin LECHA</a:t>
-            </a:r>
-            <a:endParaRPr lang="fr-FR" sz="1050" dirty="0">
-              <a:effectLst/>
-              <a:latin typeface="Calibri" panose="020F0502020204030204" pitchFamily="34" charset="0"/>
-              <a:ea typeface="Yu Mincho"/>
-              <a:cs typeface="Times New Roman" panose="02020603050405020304" pitchFamily="18" charset="0"/>
-            </a:endParaRPr>
-          </a:p>
-          <a:p>
-            <a:pPr algn="ctr">
-              <a:lnSpc>
-                <a:spcPct val="110000"/>
-              </a:lnSpc>
-              <a:spcAft>
-                <a:spcPts val="600"/>
-              </a:spcAft>
-            </a:pPr>
-            <a:r>
-              <a:rPr lang="fr-FR" sz="1400" i="1" dirty="0">
-                <a:effectLst/>
-                <a:latin typeface="Calibri" panose="020F0502020204030204" pitchFamily="34" charset="0"/>
-                <a:ea typeface="Yu Mincho"/>
-                <a:cs typeface="Times New Roman" panose="02020603050405020304" pitchFamily="18" charset="0"/>
-              </a:rPr>
-              <a:t>Chef de projet</a:t>
-            </a:r>
-            <a:endParaRPr lang="fr-FR" sz="1050" dirty="0">
-              <a:effectLst/>
-              <a:latin typeface="Calibri" panose="020F0502020204030204" pitchFamily="34" charset="0"/>
-              <a:ea typeface="Yu Mincho"/>
-              <a:cs typeface="Times New Roman" panose="02020603050405020304" pitchFamily="18" charset="0"/>
-            </a:endParaRPr>
-          </a:p>
-        </p:txBody>
-      </p:sp>
-      <p:sp>
-        <p:nvSpPr>
-          <p:cNvPr id="14" name="Zone de texte 2"/>
-          <p:cNvSpPr txBox="1">
-            <a:spLocks noChangeArrowheads="1"/>
-          </p:cNvSpPr>
-          <p:nvPr/>
-        </p:nvSpPr>
-        <p:spPr bwMode="auto">
-          <a:xfrm>
-            <a:off x="2808316" y="3956048"/>
-            <a:ext cx="1676400" cy="730250"/>
-          </a:xfrm>
-          <a:prstGeom prst="rect">
-            <a:avLst/>
-          </a:prstGeom>
-          <a:noFill/>
-          <a:ln w="9525">
-            <a:noFill/>
-            <a:miter lim="800000"/>
-            <a:headEnd/>
-            <a:tailEnd/>
-          </a:ln>
-        </p:spPr>
-        <p:txBody>
-          <a:bodyPr rot="0" vert="horz" wrap="square" lIns="91440" tIns="45720" rIns="91440" bIns="45720" anchor="t" anchorCtr="0">
-            <a:spAutoFit/>
-          </a:bodyPr>
-          <a:lstStyle/>
-          <a:p>
-            <a:pPr algn="ctr">
-              <a:lnSpc>
-                <a:spcPct val="110000"/>
-              </a:lnSpc>
-              <a:spcAft>
-                <a:spcPts val="600"/>
-              </a:spcAft>
-            </a:pPr>
-            <a:r>
-              <a:rPr lang="fr-FR" sz="1400" b="1">
-                <a:effectLst/>
-                <a:latin typeface="Calibri" panose="020F0502020204030204" pitchFamily="34" charset="0"/>
-                <a:ea typeface="Yu Mincho"/>
-                <a:cs typeface="Times New Roman" panose="02020603050405020304" pitchFamily="18" charset="0"/>
-              </a:rPr>
-              <a:t>Billel GUERBOUKHA</a:t>
-            </a:r>
-            <a:endParaRPr lang="fr-FR" sz="1050">
-              <a:effectLst/>
-              <a:latin typeface="Calibri" panose="020F0502020204030204" pitchFamily="34" charset="0"/>
-              <a:ea typeface="Yu Mincho"/>
-              <a:cs typeface="Times New Roman" panose="02020603050405020304" pitchFamily="18" charset="0"/>
-            </a:endParaRPr>
-          </a:p>
-          <a:p>
-            <a:pPr algn="ctr">
-              <a:lnSpc>
-                <a:spcPct val="110000"/>
-              </a:lnSpc>
-              <a:spcAft>
-                <a:spcPts val="600"/>
-              </a:spcAft>
-            </a:pPr>
-            <a:r>
-              <a:rPr lang="fr-FR" sz="1400" i="1">
-                <a:effectLst/>
-                <a:latin typeface="Calibri" panose="020F0502020204030204" pitchFamily="34" charset="0"/>
-                <a:ea typeface="Yu Mincho"/>
-                <a:cs typeface="Times New Roman" panose="02020603050405020304" pitchFamily="18" charset="0"/>
-              </a:rPr>
-              <a:t>Développeur</a:t>
-            </a:r>
-            <a:endParaRPr lang="fr-FR" sz="1050">
-              <a:effectLst/>
-              <a:latin typeface="Calibri" panose="020F0502020204030204" pitchFamily="34" charset="0"/>
-              <a:ea typeface="Yu Mincho"/>
-              <a:cs typeface="Times New Roman" panose="02020603050405020304" pitchFamily="18" charset="0"/>
-            </a:endParaRPr>
-          </a:p>
-        </p:txBody>
-      </p:sp>
-      <p:sp>
-        <p:nvSpPr>
-          <p:cNvPr id="15" name="Zone de texte 2"/>
-          <p:cNvSpPr txBox="1">
-            <a:spLocks noChangeArrowheads="1"/>
-          </p:cNvSpPr>
-          <p:nvPr/>
-        </p:nvSpPr>
-        <p:spPr bwMode="auto">
-          <a:xfrm>
-            <a:off x="5410200" y="3956047"/>
-            <a:ext cx="1524000" cy="730250"/>
-          </a:xfrm>
-          <a:prstGeom prst="rect">
-            <a:avLst/>
-          </a:prstGeom>
-          <a:noFill/>
-          <a:ln w="9525">
-            <a:noFill/>
-            <a:miter lim="800000"/>
-            <a:headEnd/>
-            <a:tailEnd/>
-          </a:ln>
-        </p:spPr>
-        <p:txBody>
-          <a:bodyPr rot="0" vert="horz" wrap="square" lIns="91440" tIns="45720" rIns="91440" bIns="45720" anchor="t" anchorCtr="0">
-            <a:spAutoFit/>
-          </a:bodyPr>
-          <a:lstStyle/>
-          <a:p>
-            <a:pPr algn="ctr">
-              <a:lnSpc>
-                <a:spcPct val="110000"/>
-              </a:lnSpc>
-              <a:spcAft>
-                <a:spcPts val="600"/>
-              </a:spcAft>
-            </a:pPr>
-            <a:r>
-              <a:rPr lang="fr-FR" sz="1400" b="1">
-                <a:effectLst/>
-                <a:latin typeface="Calibri" panose="020F0502020204030204" pitchFamily="34" charset="0"/>
-                <a:ea typeface="Yu Mincho"/>
-                <a:cs typeface="Times New Roman" panose="02020603050405020304" pitchFamily="18" charset="0"/>
-              </a:rPr>
-              <a:t>Dino El HANI</a:t>
-            </a:r>
-            <a:endParaRPr lang="fr-FR" sz="1050">
-              <a:effectLst/>
-              <a:latin typeface="Calibri" panose="020F0502020204030204" pitchFamily="34" charset="0"/>
-              <a:ea typeface="Yu Mincho"/>
-              <a:cs typeface="Times New Roman" panose="02020603050405020304" pitchFamily="18" charset="0"/>
-            </a:endParaRPr>
-          </a:p>
-          <a:p>
-            <a:pPr algn="ctr">
-              <a:lnSpc>
-                <a:spcPct val="110000"/>
-              </a:lnSpc>
-              <a:spcAft>
-                <a:spcPts val="600"/>
-              </a:spcAft>
-            </a:pPr>
-            <a:r>
-              <a:rPr lang="fr-FR" sz="1400" i="1">
-                <a:effectLst/>
-                <a:latin typeface="Calibri" panose="020F0502020204030204" pitchFamily="34" charset="0"/>
-                <a:ea typeface="Yu Mincho"/>
-                <a:cs typeface="Times New Roman" panose="02020603050405020304" pitchFamily="18" charset="0"/>
-              </a:rPr>
-              <a:t>Développeur</a:t>
-            </a:r>
-            <a:endParaRPr lang="fr-FR" sz="1050">
-              <a:effectLst/>
-              <a:latin typeface="Calibri" panose="020F0502020204030204" pitchFamily="34" charset="0"/>
-              <a:ea typeface="Yu Mincho"/>
-              <a:cs typeface="Times New Roman" panose="02020603050405020304" pitchFamily="18" charset="0"/>
-            </a:endParaRPr>
-          </a:p>
-        </p:txBody>
-      </p:sp>
-      <p:sp>
-        <p:nvSpPr>
-          <p:cNvPr id="16" name="Zone de texte 2"/>
-          <p:cNvSpPr txBox="1">
-            <a:spLocks noChangeArrowheads="1"/>
-          </p:cNvSpPr>
-          <p:nvPr/>
-        </p:nvSpPr>
-        <p:spPr bwMode="auto">
-          <a:xfrm>
-            <a:off x="7826346" y="3954563"/>
-            <a:ext cx="1743075" cy="730250"/>
-          </a:xfrm>
-          <a:prstGeom prst="rect">
-            <a:avLst/>
-          </a:prstGeom>
-          <a:noFill/>
-          <a:ln w="9525">
-            <a:noFill/>
-            <a:miter lim="800000"/>
-            <a:headEnd/>
-            <a:tailEnd/>
-          </a:ln>
-        </p:spPr>
-        <p:txBody>
-          <a:bodyPr rot="0" vert="horz" wrap="square" lIns="91440" tIns="45720" rIns="91440" bIns="45720" anchor="t" anchorCtr="0">
-            <a:spAutoFit/>
-          </a:bodyPr>
-          <a:lstStyle/>
-          <a:p>
-            <a:pPr algn="ctr">
-              <a:lnSpc>
-                <a:spcPct val="110000"/>
-              </a:lnSpc>
-              <a:spcAft>
-                <a:spcPts val="600"/>
-              </a:spcAft>
-            </a:pPr>
-            <a:r>
-              <a:rPr lang="fr-FR" sz="1400" b="1">
-                <a:effectLst/>
-                <a:latin typeface="Calibri" panose="020F0502020204030204" pitchFamily="34" charset="0"/>
-                <a:ea typeface="Yu Mincho"/>
-                <a:cs typeface="Times New Roman" panose="02020603050405020304" pitchFamily="18" charset="0"/>
-              </a:rPr>
-              <a:t>Nicolas GOGUILLON</a:t>
-            </a:r>
-            <a:endParaRPr lang="fr-FR" sz="1050">
-              <a:effectLst/>
-              <a:latin typeface="Calibri" panose="020F0502020204030204" pitchFamily="34" charset="0"/>
-              <a:ea typeface="Yu Mincho"/>
-              <a:cs typeface="Times New Roman" panose="02020603050405020304" pitchFamily="18" charset="0"/>
-            </a:endParaRPr>
-          </a:p>
-          <a:p>
-            <a:pPr algn="ctr">
-              <a:lnSpc>
-                <a:spcPct val="110000"/>
-              </a:lnSpc>
-              <a:spcAft>
-                <a:spcPts val="600"/>
-              </a:spcAft>
-            </a:pPr>
-            <a:r>
-              <a:rPr lang="fr-FR" sz="1400" i="1">
-                <a:effectLst/>
-                <a:latin typeface="Calibri" panose="020F0502020204030204" pitchFamily="34" charset="0"/>
-                <a:ea typeface="Yu Mincho"/>
-                <a:cs typeface="Times New Roman" panose="02020603050405020304" pitchFamily="18" charset="0"/>
-              </a:rPr>
-              <a:t>Développeur</a:t>
-            </a:r>
-            <a:endParaRPr lang="fr-FR" sz="1050">
-              <a:effectLst/>
-              <a:latin typeface="Calibri" panose="020F0502020204030204" pitchFamily="34" charset="0"/>
-              <a:ea typeface="Yu Mincho"/>
-              <a:cs typeface="Times New Roman" panose="02020603050405020304" pitchFamily="18" charset="0"/>
-            </a:endParaRPr>
-          </a:p>
-        </p:txBody>
-      </p:sp>
-      <p:sp>
-        <p:nvSpPr>
-          <p:cNvPr id="17" name="Zone de texte 2"/>
-          <p:cNvSpPr txBox="1">
-            <a:spLocks noChangeArrowheads="1"/>
-          </p:cNvSpPr>
-          <p:nvPr/>
-        </p:nvSpPr>
-        <p:spPr bwMode="auto">
-          <a:xfrm>
-            <a:off x="1958509" y="5719330"/>
-            <a:ext cx="1524000" cy="415290"/>
-          </a:xfrm>
-          <a:prstGeom prst="rect">
-            <a:avLst/>
-          </a:prstGeom>
-          <a:noFill/>
-          <a:ln w="9525">
-            <a:noFill/>
-            <a:miter lim="800000"/>
-            <a:headEnd/>
-            <a:tailEnd/>
-          </a:ln>
-        </p:spPr>
-        <p:txBody>
-          <a:bodyPr rot="0" vert="horz" wrap="square" lIns="91440" tIns="45720" rIns="91440" bIns="45720" anchor="t" anchorCtr="0">
-            <a:spAutoFit/>
-          </a:bodyPr>
-          <a:lstStyle/>
-          <a:p>
-            <a:pPr algn="ctr">
-              <a:lnSpc>
-                <a:spcPct val="110000"/>
-              </a:lnSpc>
-              <a:spcAft>
-                <a:spcPts val="600"/>
-              </a:spcAft>
-            </a:pPr>
-            <a:r>
-              <a:rPr lang="fr-FR" sz="1400" b="1">
-                <a:effectLst/>
-                <a:latin typeface="Calibri" panose="020F0502020204030204" pitchFamily="34" charset="0"/>
-                <a:ea typeface="Yu Mincho"/>
-                <a:cs typeface="Times New Roman" panose="02020603050405020304" pitchFamily="18" charset="0"/>
-              </a:rPr>
-              <a:t>Yoan DECONINCK</a:t>
-            </a:r>
-            <a:endParaRPr lang="fr-FR" sz="1050">
-              <a:effectLst/>
-              <a:latin typeface="Calibri" panose="020F0502020204030204" pitchFamily="34" charset="0"/>
-              <a:ea typeface="Yu Mincho"/>
-              <a:cs typeface="Times New Roman" panose="02020603050405020304" pitchFamily="18" charset="0"/>
-            </a:endParaRPr>
-          </a:p>
-        </p:txBody>
-      </p:sp>
-      <p:sp>
-        <p:nvSpPr>
-          <p:cNvPr id="18" name="Zone de texte 2"/>
-          <p:cNvSpPr txBox="1">
-            <a:spLocks noChangeArrowheads="1"/>
-          </p:cNvSpPr>
-          <p:nvPr/>
-        </p:nvSpPr>
-        <p:spPr bwMode="auto">
-          <a:xfrm>
-            <a:off x="4290099" y="5719330"/>
-            <a:ext cx="1524000" cy="415290"/>
-          </a:xfrm>
-          <a:prstGeom prst="rect">
-            <a:avLst/>
-          </a:prstGeom>
-          <a:noFill/>
-          <a:ln w="9525">
-            <a:noFill/>
-            <a:miter lim="800000"/>
-            <a:headEnd/>
-            <a:tailEnd/>
-          </a:ln>
-        </p:spPr>
-        <p:txBody>
-          <a:bodyPr rot="0" vert="horz" wrap="square" lIns="91440" tIns="45720" rIns="91440" bIns="45720" anchor="t" anchorCtr="0">
-            <a:spAutoFit/>
-          </a:bodyPr>
-          <a:lstStyle/>
-          <a:p>
-            <a:pPr algn="ctr">
-              <a:lnSpc>
-                <a:spcPct val="110000"/>
-              </a:lnSpc>
-              <a:spcAft>
-                <a:spcPts val="600"/>
-              </a:spcAft>
-            </a:pPr>
-            <a:r>
-              <a:rPr lang="fr-FR" sz="1400" b="1">
-                <a:effectLst/>
-                <a:latin typeface="Calibri" panose="020F0502020204030204" pitchFamily="34" charset="0"/>
-                <a:ea typeface="Yu Mincho"/>
-                <a:cs typeface="Times New Roman" panose="02020603050405020304" pitchFamily="18" charset="0"/>
-              </a:rPr>
-              <a:t>Antoine LEVA</a:t>
-            </a:r>
-            <a:endParaRPr lang="fr-FR" sz="1050">
-              <a:effectLst/>
-              <a:latin typeface="Calibri" panose="020F0502020204030204" pitchFamily="34" charset="0"/>
-              <a:ea typeface="Yu Mincho"/>
-              <a:cs typeface="Times New Roman" panose="02020603050405020304" pitchFamily="18" charset="0"/>
-            </a:endParaRPr>
-          </a:p>
-        </p:txBody>
-      </p:sp>
-      <p:sp>
-        <p:nvSpPr>
-          <p:cNvPr id="19" name="Zone de texte 2"/>
-          <p:cNvSpPr txBox="1">
-            <a:spLocks noChangeArrowheads="1"/>
-          </p:cNvSpPr>
-          <p:nvPr/>
-        </p:nvSpPr>
-        <p:spPr bwMode="auto">
-          <a:xfrm>
-            <a:off x="6621689" y="5734191"/>
-            <a:ext cx="1524000" cy="415290"/>
-          </a:xfrm>
-          <a:prstGeom prst="rect">
-            <a:avLst/>
-          </a:prstGeom>
-          <a:noFill/>
-          <a:ln w="9525">
-            <a:noFill/>
-            <a:miter lim="800000"/>
-            <a:headEnd/>
-            <a:tailEnd/>
-          </a:ln>
-        </p:spPr>
-        <p:txBody>
-          <a:bodyPr rot="0" vert="horz" wrap="square" lIns="91440" tIns="45720" rIns="91440" bIns="45720" anchor="t" anchorCtr="0">
-            <a:spAutoFit/>
-          </a:bodyPr>
-          <a:lstStyle/>
-          <a:p>
-            <a:pPr algn="ctr">
-              <a:lnSpc>
-                <a:spcPct val="110000"/>
-              </a:lnSpc>
-              <a:spcAft>
-                <a:spcPts val="600"/>
-              </a:spcAft>
-            </a:pPr>
-            <a:r>
-              <a:rPr lang="fr-FR" sz="1400" b="1">
-                <a:effectLst/>
-                <a:latin typeface="Calibri" panose="020F0502020204030204" pitchFamily="34" charset="0"/>
-                <a:ea typeface="Yu Mincho"/>
-                <a:cs typeface="Times New Roman" panose="02020603050405020304" pitchFamily="18" charset="0"/>
-              </a:rPr>
-              <a:t>Julien PRONIER</a:t>
-            </a:r>
-            <a:endParaRPr lang="fr-FR" sz="1050">
-              <a:effectLst/>
-              <a:latin typeface="Calibri" panose="020F0502020204030204" pitchFamily="34" charset="0"/>
-              <a:ea typeface="Yu Mincho"/>
-              <a:cs typeface="Times New Roman" panose="02020603050405020304" pitchFamily="18" charset="0"/>
-            </a:endParaRPr>
-          </a:p>
-        </p:txBody>
-      </p:sp>
-      <p:sp>
-        <p:nvSpPr>
-          <p:cNvPr id="20" name="Zone de texte 2"/>
-          <p:cNvSpPr txBox="1">
-            <a:spLocks noChangeArrowheads="1"/>
-          </p:cNvSpPr>
-          <p:nvPr/>
-        </p:nvSpPr>
-        <p:spPr bwMode="auto">
-          <a:xfrm>
-            <a:off x="8948517" y="5717705"/>
-            <a:ext cx="1524000" cy="415290"/>
-          </a:xfrm>
-          <a:prstGeom prst="rect">
-            <a:avLst/>
-          </a:prstGeom>
-          <a:noFill/>
-          <a:ln w="9525">
-            <a:noFill/>
-            <a:miter lim="800000"/>
-            <a:headEnd/>
-            <a:tailEnd/>
-          </a:ln>
-        </p:spPr>
-        <p:txBody>
-          <a:bodyPr rot="0" vert="horz" wrap="square" lIns="91440" tIns="45720" rIns="91440" bIns="45720" anchor="t" anchorCtr="0">
-            <a:spAutoFit/>
-          </a:bodyPr>
-          <a:lstStyle/>
-          <a:p>
-            <a:pPr algn="ctr">
-              <a:lnSpc>
-                <a:spcPct val="110000"/>
-              </a:lnSpc>
-              <a:spcAft>
-                <a:spcPts val="600"/>
-              </a:spcAft>
-            </a:pPr>
-            <a:r>
-              <a:rPr lang="fr-FR" sz="1400" b="1">
-                <a:effectLst/>
-                <a:latin typeface="Calibri" panose="020F0502020204030204" pitchFamily="34" charset="0"/>
-                <a:ea typeface="Yu Mincho"/>
-                <a:cs typeface="Times New Roman" panose="02020603050405020304" pitchFamily="18" charset="0"/>
-              </a:rPr>
-              <a:t>Lucie CAUDRON</a:t>
-            </a:r>
-            <a:endParaRPr lang="fr-FR" sz="1050">
-              <a:effectLst/>
-              <a:latin typeface="Calibri" panose="020F0502020204030204" pitchFamily="34" charset="0"/>
-              <a:ea typeface="Yu Mincho"/>
-              <a:cs typeface="Times New Roman" panose="02020603050405020304" pitchFamily="18" charset="0"/>
-            </a:endParaRPr>
-          </a:p>
-        </p:txBody>
-      </p:sp>
     </p:spTree>
     <p:extLst>
       <p:ext uri="{BB962C8B-B14F-4D97-AF65-F5344CB8AC3E}">
@@ -6636,13 +6782,6 @@
   <p:clrMapOvr>
     <a:masterClrMapping/>
   </p:clrMapOvr>
-  <p:timing>
-    <p:tnLst>
-      <p:par>
-        <p:cTn id="1" dur="indefinite" restart="never" nodeType="tmRoot"/>
-      </p:par>
-    </p:tnLst>
-  </p:timing>
 </p:sld>
 </file>
 
@@ -6685,10 +6824,9 @@
           <a:lstStyle/>
           <a:p>
             <a:r>
-              <a:rPr lang="fr-FR" dirty="0" smtClean="0"/>
+              <a:rPr lang="fr-FR" dirty="0"/>
               <a:t>Environnement de travail</a:t>
             </a:r>
-            <a:endParaRPr lang="fr-FR" dirty="0"/>
           </a:p>
         </p:txBody>
       </p:sp>
@@ -6726,13 +6864,6 @@
   <p:clrMapOvr>
     <a:masterClrMapping/>
   </p:clrMapOvr>
-  <p:timing>
-    <p:tnLst>
-      <p:par>
-        <p:cTn id="1" dur="indefinite" restart="never" nodeType="tmRoot"/>
-      </p:par>
-    </p:tnLst>
-  </p:timing>
 </p:sld>
 </file>
 
@@ -6769,29 +6900,9 @@
           <a:lstStyle/>
           <a:p>
             <a:r>
-              <a:rPr lang="fr-FR" dirty="0" smtClean="0"/>
+              <a:rPr lang="fr-FR" dirty="0"/>
               <a:t>Moyens Techniques</a:t>
             </a:r>
-            <a:endParaRPr lang="fr-FR" dirty="0"/>
-          </a:p>
-        </p:txBody>
-      </p:sp>
-      <p:sp>
-        <p:nvSpPr>
-          <p:cNvPr id="3" name="Espace réservé du contenu 2"/>
-          <p:cNvSpPr>
-            <a:spLocks noGrp="1"/>
-          </p:cNvSpPr>
-          <p:nvPr>
-            <p:ph idx="1"/>
-          </p:nvPr>
-        </p:nvSpPr>
-        <p:spPr/>
-        <p:txBody>
-          <a:bodyPr/>
-          <a:lstStyle/>
-          <a:p>
-            <a:endParaRPr lang="fr-FR"/>
           </a:p>
         </p:txBody>
       </p:sp>
@@ -6815,6 +6926,222 @@
               <a:t>9</a:t>
             </a:fld>
             <a:endParaRPr lang="en-US" dirty="0"/>
+          </a:p>
+        </p:txBody>
+      </p:sp>
+      <p:pic>
+        <p:nvPicPr>
+          <p:cNvPr id="5" name="Image 4">
+            <a:extLst>
+              <a:ext uri="{FF2B5EF4-FFF2-40B4-BE49-F238E27FC236}">
+                <a16:creationId xmlns:a16="http://schemas.microsoft.com/office/drawing/2014/main" id="{ADDDD763-E62C-4A6A-D221-4A1E3B98B7F5}"/>
+              </a:ext>
+            </a:extLst>
+          </p:cNvPr>
+          <p:cNvPicPr>
+            <a:picLocks noChangeAspect="1"/>
+          </p:cNvPicPr>
+          <p:nvPr/>
+        </p:nvPicPr>
+        <p:blipFill>
+          <a:blip r:embed="rId2" cstate="print">
+            <a:extLst>
+              <a:ext uri="{28A0092B-C50C-407E-A947-70E740481C1C}">
+                <a14:useLocalDpi xmlns:a14="http://schemas.microsoft.com/office/drawing/2010/main" val="0"/>
+              </a:ext>
+            </a:extLst>
+          </a:blip>
+          <a:stretch>
+            <a:fillRect/>
+          </a:stretch>
+        </p:blipFill>
+        <p:spPr>
+          <a:xfrm>
+            <a:off x="2177179" y="1638300"/>
+            <a:ext cx="1485899" cy="1485899"/>
+          </a:xfrm>
+          <a:prstGeom prst="rect">
+            <a:avLst/>
+          </a:prstGeom>
+        </p:spPr>
+      </p:pic>
+      <p:pic>
+        <p:nvPicPr>
+          <p:cNvPr id="6" name="Image 5">
+            <a:extLst>
+              <a:ext uri="{FF2B5EF4-FFF2-40B4-BE49-F238E27FC236}">
+                <a16:creationId xmlns:a16="http://schemas.microsoft.com/office/drawing/2014/main" id="{5526A03B-E598-D9D1-4931-BFBE2B153390}"/>
+              </a:ext>
+            </a:extLst>
+          </p:cNvPr>
+          <p:cNvPicPr>
+            <a:picLocks noChangeAspect="1"/>
+          </p:cNvPicPr>
+          <p:nvPr/>
+        </p:nvPicPr>
+        <p:blipFill>
+          <a:blip r:embed="rId3" cstate="print">
+            <a:extLst>
+              <a:ext uri="{28A0092B-C50C-407E-A947-70E740481C1C}">
+                <a14:useLocalDpi xmlns:a14="http://schemas.microsoft.com/office/drawing/2010/main" val="0"/>
+              </a:ext>
+            </a:extLst>
+          </a:blip>
+          <a:stretch>
+            <a:fillRect/>
+          </a:stretch>
+        </p:blipFill>
+        <p:spPr>
+          <a:xfrm>
+            <a:off x="1624449" y="3960496"/>
+            <a:ext cx="2640126" cy="1485900"/>
+          </a:xfrm>
+          <a:prstGeom prst="rect">
+            <a:avLst/>
+          </a:prstGeom>
+        </p:spPr>
+      </p:pic>
+      <p:pic>
+        <p:nvPicPr>
+          <p:cNvPr id="7" name="Image 6">
+            <a:extLst>
+              <a:ext uri="{FF2B5EF4-FFF2-40B4-BE49-F238E27FC236}">
+                <a16:creationId xmlns:a16="http://schemas.microsoft.com/office/drawing/2014/main" id="{3373F357-8288-6D8C-A57A-1A94BCF67738}"/>
+              </a:ext>
+            </a:extLst>
+          </p:cNvPr>
+          <p:cNvPicPr>
+            <a:picLocks noChangeAspect="1"/>
+          </p:cNvPicPr>
+          <p:nvPr/>
+        </p:nvPicPr>
+        <p:blipFill>
+          <a:blip r:embed="rId4" cstate="print">
+            <a:extLst>
+              <a:ext uri="{28A0092B-C50C-407E-A947-70E740481C1C}">
+                <a14:useLocalDpi xmlns:a14="http://schemas.microsoft.com/office/drawing/2010/main" val="0"/>
+              </a:ext>
+            </a:extLst>
+          </a:blip>
+          <a:stretch>
+            <a:fillRect/>
+          </a:stretch>
+        </p:blipFill>
+        <p:spPr>
+          <a:xfrm>
+            <a:off x="7429623" y="1776468"/>
+            <a:ext cx="1607936" cy="1485898"/>
+          </a:xfrm>
+          <a:prstGeom prst="rect">
+            <a:avLst/>
+          </a:prstGeom>
+        </p:spPr>
+      </p:pic>
+      <p:pic>
+        <p:nvPicPr>
+          <p:cNvPr id="8" name="Image 7">
+            <a:extLst>
+              <a:ext uri="{FF2B5EF4-FFF2-40B4-BE49-F238E27FC236}">
+                <a16:creationId xmlns:a16="http://schemas.microsoft.com/office/drawing/2014/main" id="{90D608C8-8E35-C6C9-8BFE-D3B767491B06}"/>
+              </a:ext>
+            </a:extLst>
+          </p:cNvPr>
+          <p:cNvPicPr>
+            <a:picLocks noChangeAspect="1"/>
+          </p:cNvPicPr>
+          <p:nvPr/>
+        </p:nvPicPr>
+        <p:blipFill>
+          <a:blip r:embed="rId5" cstate="print">
+            <a:extLst>
+              <a:ext uri="{28A0092B-C50C-407E-A947-70E740481C1C}">
+                <a14:useLocalDpi xmlns:a14="http://schemas.microsoft.com/office/drawing/2010/main" val="0"/>
+              </a:ext>
+            </a:extLst>
+          </a:blip>
+          <a:stretch>
+            <a:fillRect/>
+          </a:stretch>
+        </p:blipFill>
+        <p:spPr>
+          <a:xfrm>
+            <a:off x="7067113" y="4711065"/>
+            <a:ext cx="3836213" cy="990487"/>
+          </a:xfrm>
+          <a:prstGeom prst="rect">
+            <a:avLst/>
+          </a:prstGeom>
+        </p:spPr>
+      </p:pic>
+      <p:sp>
+        <p:nvSpPr>
+          <p:cNvPr id="9" name="ZoneTexte 8">
+            <a:extLst>
+              <a:ext uri="{FF2B5EF4-FFF2-40B4-BE49-F238E27FC236}">
+                <a16:creationId xmlns:a16="http://schemas.microsoft.com/office/drawing/2014/main" id="{4881EFA0-BEA4-B018-8E67-ACE426BF7C96}"/>
+              </a:ext>
+            </a:extLst>
+          </p:cNvPr>
+          <p:cNvSpPr txBox="1"/>
+          <p:nvPr/>
+        </p:nvSpPr>
+        <p:spPr>
+          <a:xfrm>
+            <a:off x="3868929" y="2196583"/>
+            <a:ext cx="1607936" cy="523220"/>
+          </a:xfrm>
+          <a:prstGeom prst="rect">
+            <a:avLst/>
+          </a:prstGeom>
+          <a:noFill/>
+        </p:spPr>
+        <p:txBody>
+          <a:bodyPr wrap="square" rtlCol="0">
+            <a:spAutoFit/>
+          </a:bodyPr>
+          <a:lstStyle/>
+          <a:p>
+            <a:r>
+              <a:rPr lang="fr-FR" sz="2800" dirty="0" err="1"/>
+              <a:t>PyCharm</a:t>
+            </a:r>
+            <a:endParaRPr lang="fr-FR" sz="2800" dirty="0"/>
+          </a:p>
+        </p:txBody>
+      </p:sp>
+      <p:sp>
+        <p:nvSpPr>
+          <p:cNvPr id="10" name="ZoneTexte 9">
+            <a:extLst>
+              <a:ext uri="{FF2B5EF4-FFF2-40B4-BE49-F238E27FC236}">
+                <a16:creationId xmlns:a16="http://schemas.microsoft.com/office/drawing/2014/main" id="{5BEB481D-088A-A210-61CF-D7596F7EDA8B}"/>
+              </a:ext>
+            </a:extLst>
+          </p:cNvPr>
+          <p:cNvSpPr txBox="1"/>
+          <p:nvPr/>
+        </p:nvSpPr>
+        <p:spPr>
+          <a:xfrm>
+            <a:off x="9362667" y="2196583"/>
+            <a:ext cx="1607936" cy="523220"/>
+          </a:xfrm>
+          <a:prstGeom prst="rect">
+            <a:avLst/>
+          </a:prstGeom>
+          <a:noFill/>
+        </p:spPr>
+        <p:txBody>
+          <a:bodyPr wrap="square" rtlCol="0">
+            <a:spAutoFit/>
+          </a:bodyPr>
+          <a:lstStyle/>
+          <a:p>
+            <a:r>
+              <a:rPr lang="fr-FR" sz="2800" dirty="0" err="1"/>
+              <a:t>Gitlab</a:t>
+            </a:r>
+            <a:endParaRPr lang="fr-FR" sz="2800" dirty="0"/>
           </a:p>
         </p:txBody>
       </p:sp>
@@ -6831,9 +7158,300 @@
   <p:timing>
     <p:tnLst>
       <p:par>
-        <p:cTn id="1" dur="indefinite" restart="never" nodeType="tmRoot"/>
+        <p:cTn id="1" dur="indefinite" restart="never" nodeType="tmRoot">
+          <p:childTnLst>
+            <p:seq concurrent="1" nextAc="seek">
+              <p:cTn id="2" dur="indefinite" nodeType="mainSeq">
+                <p:childTnLst>
+                  <p:par>
+                    <p:cTn id="3" fill="hold">
+                      <p:stCondLst>
+                        <p:cond delay="indefinite"/>
+                      </p:stCondLst>
+                      <p:childTnLst>
+                        <p:par>
+                          <p:cTn id="4" fill="hold">
+                            <p:stCondLst>
+                              <p:cond delay="0"/>
+                            </p:stCondLst>
+                            <p:childTnLst>
+                              <p:par>
+                                <p:cTn id="5" presetID="10" presetClass="entr" presetSubtype="0" fill="hold" nodeType="clickEffect">
+                                  <p:stCondLst>
+                                    <p:cond delay="0"/>
+                                  </p:stCondLst>
+                                  <p:childTnLst>
+                                    <p:set>
+                                      <p:cBhvr>
+                                        <p:cTn id="6" dur="1" fill="hold">
+                                          <p:stCondLst>
+                                            <p:cond delay="0"/>
+                                          </p:stCondLst>
+                                        </p:cTn>
+                                        <p:tgtEl>
+                                          <p:spTgt spid="5"/>
+                                        </p:tgtEl>
+                                        <p:attrNameLst>
+                                          <p:attrName>style.visibility</p:attrName>
+                                        </p:attrNameLst>
+                                      </p:cBhvr>
+                                      <p:to>
+                                        <p:strVal val="visible"/>
+                                      </p:to>
+                                    </p:set>
+                                    <p:animEffect transition="in" filter="fade">
+                                      <p:cBhvr>
+                                        <p:cTn id="7" dur="500"/>
+                                        <p:tgtEl>
+                                          <p:spTgt spid="5"/>
+                                        </p:tgtEl>
+                                      </p:cBhvr>
+                                    </p:animEffect>
+                                  </p:childTnLst>
+                                </p:cTn>
+                              </p:par>
+                              <p:par>
+                                <p:cTn id="8" presetID="10" presetClass="entr" presetSubtype="0" fill="hold" grpId="0" nodeType="withEffect">
+                                  <p:stCondLst>
+                                    <p:cond delay="0"/>
+                                  </p:stCondLst>
+                                  <p:childTnLst>
+                                    <p:set>
+                                      <p:cBhvr>
+                                        <p:cTn id="9" dur="1" fill="hold">
+                                          <p:stCondLst>
+                                            <p:cond delay="0"/>
+                                          </p:stCondLst>
+                                        </p:cTn>
+                                        <p:tgtEl>
+                                          <p:spTgt spid="9"/>
+                                        </p:tgtEl>
+                                        <p:attrNameLst>
+                                          <p:attrName>style.visibility</p:attrName>
+                                        </p:attrNameLst>
+                                      </p:cBhvr>
+                                      <p:to>
+                                        <p:strVal val="visible"/>
+                                      </p:to>
+                                    </p:set>
+                                    <p:animEffect transition="in" filter="fade">
+                                      <p:cBhvr>
+                                        <p:cTn id="10" dur="500"/>
+                                        <p:tgtEl>
+                                          <p:spTgt spid="9"/>
+                                        </p:tgtEl>
+                                      </p:cBhvr>
+                                    </p:animEffect>
+                                  </p:childTnLst>
+                                </p:cTn>
+                              </p:par>
+                              <p:par>
+                                <p:cTn id="11" presetID="10" presetClass="entr" presetSubtype="0" fill="hold" nodeType="withEffect">
+                                  <p:stCondLst>
+                                    <p:cond delay="0"/>
+                                  </p:stCondLst>
+                                  <p:childTnLst>
+                                    <p:set>
+                                      <p:cBhvr>
+                                        <p:cTn id="12" dur="1" fill="hold">
+                                          <p:stCondLst>
+                                            <p:cond delay="0"/>
+                                          </p:stCondLst>
+                                        </p:cTn>
+                                        <p:tgtEl>
+                                          <p:spTgt spid="6"/>
+                                        </p:tgtEl>
+                                        <p:attrNameLst>
+                                          <p:attrName>style.visibility</p:attrName>
+                                        </p:attrNameLst>
+                                      </p:cBhvr>
+                                      <p:to>
+                                        <p:strVal val="visible"/>
+                                      </p:to>
+                                    </p:set>
+                                    <p:animEffect transition="in" filter="fade">
+                                      <p:cBhvr>
+                                        <p:cTn id="13" dur="500"/>
+                                        <p:tgtEl>
+                                          <p:spTgt spid="6"/>
+                                        </p:tgtEl>
+                                      </p:cBhvr>
+                                    </p:animEffect>
+                                  </p:childTnLst>
+                                </p:cTn>
+                              </p:par>
+                            </p:childTnLst>
+                          </p:cTn>
+                        </p:par>
+                      </p:childTnLst>
+                    </p:cTn>
+                  </p:par>
+                  <p:par>
+                    <p:cTn id="14" fill="hold">
+                      <p:stCondLst>
+                        <p:cond delay="indefinite"/>
+                      </p:stCondLst>
+                      <p:childTnLst>
+                        <p:par>
+                          <p:cTn id="15" fill="hold">
+                            <p:stCondLst>
+                              <p:cond delay="0"/>
+                            </p:stCondLst>
+                            <p:childTnLst>
+                              <p:par>
+                                <p:cTn id="16" presetID="10" presetClass="entr" presetSubtype="0" fill="hold" nodeType="clickEffect">
+                                  <p:stCondLst>
+                                    <p:cond delay="0"/>
+                                  </p:stCondLst>
+                                  <p:childTnLst>
+                                    <p:set>
+                                      <p:cBhvr>
+                                        <p:cTn id="17" dur="1" fill="hold">
+                                          <p:stCondLst>
+                                            <p:cond delay="0"/>
+                                          </p:stCondLst>
+                                        </p:cTn>
+                                        <p:tgtEl>
+                                          <p:spTgt spid="7"/>
+                                        </p:tgtEl>
+                                        <p:attrNameLst>
+                                          <p:attrName>style.visibility</p:attrName>
+                                        </p:attrNameLst>
+                                      </p:cBhvr>
+                                      <p:to>
+                                        <p:strVal val="visible"/>
+                                      </p:to>
+                                    </p:set>
+                                    <p:animEffect transition="in" filter="fade">
+                                      <p:cBhvr>
+                                        <p:cTn id="18" dur="500"/>
+                                        <p:tgtEl>
+                                          <p:spTgt spid="7"/>
+                                        </p:tgtEl>
+                                      </p:cBhvr>
+                                    </p:animEffect>
+                                  </p:childTnLst>
+                                </p:cTn>
+                              </p:par>
+                              <p:par>
+                                <p:cTn id="19" presetID="10" presetClass="entr" presetSubtype="0" fill="hold" grpId="0" nodeType="withEffect">
+                                  <p:stCondLst>
+                                    <p:cond delay="0"/>
+                                  </p:stCondLst>
+                                  <p:childTnLst>
+                                    <p:set>
+                                      <p:cBhvr>
+                                        <p:cTn id="20" dur="1" fill="hold">
+                                          <p:stCondLst>
+                                            <p:cond delay="0"/>
+                                          </p:stCondLst>
+                                        </p:cTn>
+                                        <p:tgtEl>
+                                          <p:spTgt spid="10"/>
+                                        </p:tgtEl>
+                                        <p:attrNameLst>
+                                          <p:attrName>style.visibility</p:attrName>
+                                        </p:attrNameLst>
+                                      </p:cBhvr>
+                                      <p:to>
+                                        <p:strVal val="visible"/>
+                                      </p:to>
+                                    </p:set>
+                                    <p:animEffect transition="in" filter="fade">
+                                      <p:cBhvr>
+                                        <p:cTn id="21" dur="500"/>
+                                        <p:tgtEl>
+                                          <p:spTgt spid="10"/>
+                                        </p:tgtEl>
+                                      </p:cBhvr>
+                                    </p:animEffect>
+                                  </p:childTnLst>
+                                </p:cTn>
+                              </p:par>
+                            </p:childTnLst>
+                          </p:cTn>
+                        </p:par>
+                      </p:childTnLst>
+                    </p:cTn>
+                  </p:par>
+                  <p:par>
+                    <p:cTn id="22" fill="hold">
+                      <p:stCondLst>
+                        <p:cond delay="indefinite"/>
+                      </p:stCondLst>
+                      <p:childTnLst>
+                        <p:par>
+                          <p:cTn id="23" fill="hold">
+                            <p:stCondLst>
+                              <p:cond delay="0"/>
+                            </p:stCondLst>
+                            <p:childTnLst>
+                              <p:par>
+                                <p:cTn id="24" presetID="10" presetClass="entr" presetSubtype="0" fill="hold" nodeType="clickEffect">
+                                  <p:stCondLst>
+                                    <p:cond delay="0"/>
+                                  </p:stCondLst>
+                                  <p:childTnLst>
+                                    <p:set>
+                                      <p:cBhvr>
+                                        <p:cTn id="25" dur="1" fill="hold">
+                                          <p:stCondLst>
+                                            <p:cond delay="0"/>
+                                          </p:stCondLst>
+                                        </p:cTn>
+                                        <p:tgtEl>
+                                          <p:spTgt spid="8"/>
+                                        </p:tgtEl>
+                                        <p:attrNameLst>
+                                          <p:attrName>style.visibility</p:attrName>
+                                        </p:attrNameLst>
+                                      </p:cBhvr>
+                                      <p:to>
+                                        <p:strVal val="visible"/>
+                                      </p:to>
+                                    </p:set>
+                                    <p:animEffect transition="in" filter="fade">
+                                      <p:cBhvr>
+                                        <p:cTn id="26" dur="500"/>
+                                        <p:tgtEl>
+                                          <p:spTgt spid="8"/>
+                                        </p:tgtEl>
+                                      </p:cBhvr>
+                                    </p:animEffect>
+                                  </p:childTnLst>
+                                </p:cTn>
+                              </p:par>
+                            </p:childTnLst>
+                          </p:cTn>
+                        </p:par>
+                      </p:childTnLst>
+                    </p:cTn>
+                  </p:par>
+                </p:childTnLst>
+              </p:cTn>
+              <p:prevCondLst>
+                <p:cond evt="onPrev" delay="0">
+                  <p:tgtEl>
+                    <p:sldTgt/>
+                  </p:tgtEl>
+                </p:cond>
+              </p:prevCondLst>
+              <p:nextCondLst>
+                <p:cond evt="onNext" delay="0">
+                  <p:tgtEl>
+                    <p:sldTgt/>
+                  </p:tgtEl>
+                </p:cond>
+              </p:nextCondLst>
+            </p:seq>
+          </p:childTnLst>
+        </p:cTn>
       </p:par>
     </p:tnLst>
+    <p:bldLst>
+      <p:bldP spid="9" grpId="0"/>
+      <p:bldP spid="10" grpId="0"/>
+    </p:bldLst>
   </p:timing>
 </p:sld>
 </file>

--- a/ressources/CDA_Projet_Repotech_Yoan_Deconinck.pptx
+++ b/ressources/CDA_Projet_Repotech_Yoan_Deconinck.pptx
@@ -589,7 +589,21 @@
                 <a:effectLst/>
                 <a:latin typeface="Segoe UI" panose="020B0502040204020203" pitchFamily="34" charset="0"/>
               </a:rPr>
-              <a:t>Unité Mixte de Recherche</a:t>
+              <a:t>Unité Mixte de Recherche (mixed </a:t>
+            </a:r>
+            <a:r>
+              <a:rPr lang="fr-FR" sz="4000" dirty="0" err="1">
+                <a:effectLst/>
+                <a:latin typeface="Segoe UI" panose="020B0502040204020203" pitchFamily="34" charset="0"/>
+              </a:rPr>
+              <a:t>research</a:t>
+            </a:r>
+            <a:r>
+              <a:rPr lang="fr-FR" sz="4000">
+                <a:effectLst/>
+                <a:latin typeface="Segoe UI" panose="020B0502040204020203" pitchFamily="34" charset="0"/>
+              </a:rPr>
+              <a:t> unit)</a:t>
             </a:r>
             <a:r>
               <a:rPr lang="en-US" sz="4000" b="0" i="0" dirty="0">
